--- a/week3/thursday/Ever Health Final Plan.pptx
+++ b/week3/thursday/Ever Health Final Plan.pptx
@@ -5,10 +5,10 @@
     <p:sldMasterId id="2147483660" r:id="rId4"/>
   </p:sldMasterIdLst>
   <p:notesMasterIdLst>
-    <p:notesMasterId r:id="rId26"/>
+    <p:notesMasterId r:id="rId32"/>
   </p:notesMasterIdLst>
   <p:handoutMasterIdLst>
-    <p:handoutMasterId r:id="rId27"/>
+    <p:handoutMasterId r:id="rId33"/>
   </p:handoutMasterIdLst>
   <p:sldIdLst>
     <p:sldId id="257" r:id="rId5"/>
@@ -32,6 +32,12 @@
     <p:sldId id="279" r:id="rId23"/>
     <p:sldId id="280" r:id="rId24"/>
     <p:sldId id="281" r:id="rId25"/>
+    <p:sldId id="282" r:id="rId26"/>
+    <p:sldId id="283" r:id="rId27"/>
+    <p:sldId id="285" r:id="rId28"/>
+    <p:sldId id="284" r:id="rId29"/>
+    <p:sldId id="286" r:id="rId30"/>
+    <p:sldId id="287" r:id="rId31"/>
   </p:sldIdLst>
   <p:sldSz cx="12188825" cy="6858000"/>
   <p:notesSz cx="6858000" cy="9144000"/>
@@ -4115,8 +4121,8 @@
     <dgm:cxn modelId="{235468F0-572A-4463-8EB4-43E17B41EABE}" type="presOf" srcId="{D95CB556-0982-4642-9108-EFDA847395CF}" destId="{13E913A0-B01D-43F1-B1A3-E3D474304F95}" srcOrd="0" destOrd="0" presId="urn:microsoft.com/office/officeart/2005/8/layout/hierarchy1"/>
     <dgm:cxn modelId="{A43F2893-82A9-4D28-9685-E0BE99CB288E}" srcId="{07243DD6-7908-4AFA-8F08-F5DA4913D758}" destId="{6213EA93-67B3-4DEB-8CC6-93A0B2AF7CD7}" srcOrd="0" destOrd="0" parTransId="{22F01FA1-DAEC-40BA-8433-5E146EC5406F}" sibTransId="{0B401069-F5DA-4C26-8D27-41C74B853B00}"/>
     <dgm:cxn modelId="{790CB2E4-4578-4B87-97C9-85B4AA688E23}" type="presOf" srcId="{64522A3B-06D5-445A-B29E-95A5AD0616E8}" destId="{BFC7338C-D613-42CE-A3C8-1E1BCE0FEA62}" srcOrd="0" destOrd="0" presId="urn:microsoft.com/office/officeart/2005/8/layout/hierarchy1"/>
+    <dgm:cxn modelId="{7D8D9B28-E30E-4E8D-8B9F-A342AF650A7F}" type="presOf" srcId="{07243DD6-7908-4AFA-8F08-F5DA4913D758}" destId="{7F5C8212-F3D4-43A4-A29B-CB4BB8C5A431}" srcOrd="0" destOrd="0" presId="urn:microsoft.com/office/officeart/2005/8/layout/hierarchy1"/>
     <dgm:cxn modelId="{4839E010-8780-4C00-98AC-7DC73821F0A3}" type="presOf" srcId="{94307531-09D1-438D-8640-7E264C6EFC6E}" destId="{64D0538D-E072-4653-B991-7AC462ECA95E}" srcOrd="0" destOrd="0" presId="urn:microsoft.com/office/officeart/2005/8/layout/hierarchy1"/>
-    <dgm:cxn modelId="{7D8D9B28-E30E-4E8D-8B9F-A342AF650A7F}" type="presOf" srcId="{07243DD6-7908-4AFA-8F08-F5DA4913D758}" destId="{7F5C8212-F3D4-43A4-A29B-CB4BB8C5A431}" srcOrd="0" destOrd="0" presId="urn:microsoft.com/office/officeart/2005/8/layout/hierarchy1"/>
     <dgm:cxn modelId="{1802ADA0-5C5F-4A00-8ED5-5BD1DE217DB7}" srcId="{CFFFFC5D-AF08-4DBC-BBC6-D030BF6032CA}" destId="{8A4215E9-DF47-499E-B09C-2F9AEDDEEAE9}" srcOrd="0" destOrd="0" parTransId="{2C145E38-359D-4C52-A551-E5243663F61C}" sibTransId="{73F09B71-913C-447D-A512-970083E781FB}"/>
     <dgm:cxn modelId="{5205C987-99F0-496D-BCBA-C4304B52C3AF}" type="presOf" srcId="{6213EA93-67B3-4DEB-8CC6-93A0B2AF7CD7}" destId="{868D9E49-D88B-430E-AC72-CD00412C6BE0}" srcOrd="0" destOrd="0" presId="urn:microsoft.com/office/officeart/2005/8/layout/hierarchy1"/>
     <dgm:cxn modelId="{0E739519-AA6E-4D91-B367-27966A51932A}" srcId="{EAF97F65-8743-416C-95B4-C2A504120B0F}" destId="{164FCC03-4F21-4358-A0AA-BBEEBC094581}" srcOrd="1" destOrd="0" parTransId="{EAAC9F3D-08AD-45A0-9A5F-D7390FFDB894}" sibTransId="{FFB6B58E-C828-46F3-9736-BEC2483E4506}"/>
@@ -4479,11 +4485,7 @@
         <a:p>
           <a:r>
             <a:rPr lang="en-US" b="1" dirty="0" smtClean="0"/>
-            <a:t>Albuquerque, </a:t>
-          </a:r>
-          <a:r>
-            <a:rPr lang="en-US" b="1" dirty="0" smtClean="0"/>
-            <a:t>NM</a:t>
+            <a:t>Albuquerque, NM</a:t>
           </a:r>
         </a:p>
         <a:p>
@@ -4786,22 +4788,22 @@
     </dgm:pt>
   </dgm:ptLst>
   <dgm:cxnLst>
+    <dgm:cxn modelId="{4D95F1C9-232A-48AE-8F4B-FCF6E79FEA2A}" type="presOf" srcId="{E60348C9-23B2-4F93-ADD0-EBF9342834C8}" destId="{D43176A0-8C6E-4F3E-99EF-7485885668B3}" srcOrd="0" destOrd="0" presId="urn:microsoft.com/office/officeart/2005/8/layout/lProcess2"/>
+    <dgm:cxn modelId="{B6E8A5D8-31D4-4617-9758-667593B415CC}" srcId="{E60348C9-23B2-4F93-ADD0-EBF9342834C8}" destId="{53E0566B-B4E9-4F58-84A8-ECC0E3BBFB62}" srcOrd="1" destOrd="0" parTransId="{909163F2-2C72-4FF4-A34B-B201E156B337}" sibTransId="{6D2F9A5A-F239-4C12-AD0C-E18A7DA395EA}"/>
+    <dgm:cxn modelId="{F76E11F7-B3F9-4510-8FAD-EAB1B0382FA4}" srcId="{E60348C9-23B2-4F93-ADD0-EBF9342834C8}" destId="{1BEE9D91-EB3E-490C-89F1-65B20C594E1E}" srcOrd="0" destOrd="0" parTransId="{14CC34EF-7DD0-4718-A6B0-DC95B8929BD5}" sibTransId="{DF7D3DD6-08D3-481C-B3BA-6A5555DBA92C}"/>
+    <dgm:cxn modelId="{D87BF466-C7C5-40E1-A593-3E77F86158D2}" type="presOf" srcId="{D7FB9D9B-47EF-4A8F-A170-DFCAD6F82B89}" destId="{F87BC457-E26C-4EA4-B710-F45996C6974F}" srcOrd="1" destOrd="0" presId="urn:microsoft.com/office/officeart/2005/8/layout/lProcess2"/>
+    <dgm:cxn modelId="{A851DF66-9CB3-4A5D-A12A-63B1B046899D}" type="presOf" srcId="{F9DD2F28-C129-41D0-B3A3-F34A4DF0797C}" destId="{8C4F88DF-20F8-4745-9426-66C191DC6822}" srcOrd="0" destOrd="0" presId="urn:microsoft.com/office/officeart/2005/8/layout/lProcess2"/>
+    <dgm:cxn modelId="{90FEE485-B29B-4777-9684-1DEDB1A4F102}" srcId="{D7FB9D9B-47EF-4A8F-A170-DFCAD6F82B89}" destId="{F7E39509-04E4-427B-9141-1CC9FAAC14EF}" srcOrd="0" destOrd="0" parTransId="{3D098256-1E41-4C0E-942A-A157997316CF}" sibTransId="{753A6B31-80AA-4A34-98D2-1F9710D5A6B7}"/>
+    <dgm:cxn modelId="{196A8496-1B1F-458C-B9CA-2F8CB2C618D0}" type="presOf" srcId="{1BEE9D91-EB3E-490C-89F1-65B20C594E1E}" destId="{31572B4F-74FD-46F9-B6AB-92246BB2F3EB}" srcOrd="1" destOrd="0" presId="urn:microsoft.com/office/officeart/2005/8/layout/lProcess2"/>
+    <dgm:cxn modelId="{B848CD9D-204D-4BAB-9F00-08BA407111AA}" srcId="{53E0566B-B4E9-4F58-84A8-ECC0E3BBFB62}" destId="{F9DD2F28-C129-41D0-B3A3-F34A4DF0797C}" srcOrd="0" destOrd="0" parTransId="{9C67CF54-D7C7-494B-ACC0-A0547D4EB297}" sibTransId="{C68295C7-C324-4F89-A777-C8A42CE0F74F}"/>
+    <dgm:cxn modelId="{73DE1186-5376-4DF2-A124-55D519047F5F}" type="presOf" srcId="{D7FB9D9B-47EF-4A8F-A170-DFCAD6F82B89}" destId="{01697534-9E0B-4C91-9DC0-60B2075B11C5}" srcOrd="0" destOrd="0" presId="urn:microsoft.com/office/officeart/2005/8/layout/lProcess2"/>
+    <dgm:cxn modelId="{90B766DD-A9A9-4062-854D-C24C5745CB20}" type="presOf" srcId="{F7E39509-04E4-427B-9141-1CC9FAAC14EF}" destId="{7A040E14-948D-4559-992F-42A395A9AB74}" srcOrd="0" destOrd="0" presId="urn:microsoft.com/office/officeart/2005/8/layout/lProcess2"/>
+    <dgm:cxn modelId="{B5A8689D-9E9E-4675-BCC5-EBC47B08EECC}" type="presOf" srcId="{53E0566B-B4E9-4F58-84A8-ECC0E3BBFB62}" destId="{87088F45-863D-4158-B60A-599EE4F1EF62}" srcOrd="0" destOrd="0" presId="urn:microsoft.com/office/officeart/2005/8/layout/lProcess2"/>
+    <dgm:cxn modelId="{3C14631E-756D-4F74-BB44-F0C01E94406C}" type="presOf" srcId="{1BEE9D91-EB3E-490C-89F1-65B20C594E1E}" destId="{3DFC4EBF-4C9E-4157-9DF4-BB5E784C47D7}" srcOrd="0" destOrd="0" presId="urn:microsoft.com/office/officeart/2005/8/layout/lProcess2"/>
+    <dgm:cxn modelId="{339BF082-A224-47C6-BE44-7CFCFC5BB3B9}" type="presOf" srcId="{D3A4920D-22F0-4DF9-BDC2-3BE335B41E16}" destId="{E428CD33-FA68-46B3-9F64-5AE50B0A48A7}" srcOrd="0" destOrd="0" presId="urn:microsoft.com/office/officeart/2005/8/layout/lProcess2"/>
+    <dgm:cxn modelId="{E5CC09A7-3D9A-4C79-BDB8-8D60FADEB1F5}" srcId="{E60348C9-23B2-4F93-ADD0-EBF9342834C8}" destId="{D7FB9D9B-47EF-4A8F-A170-DFCAD6F82B89}" srcOrd="2" destOrd="0" parTransId="{B9902285-4126-431B-85EF-1C752E666EA3}" sibTransId="{A912FECE-1998-4E50-BEC3-D3E10F6AFBE6}"/>
     <dgm:cxn modelId="{B189D227-4089-4545-8A3E-AE0ECA5963B3}" type="presOf" srcId="{53E0566B-B4E9-4F58-84A8-ECC0E3BBFB62}" destId="{5C059E5F-9ECF-4BF9-B882-2FEC1A2C35BC}" srcOrd="1" destOrd="0" presId="urn:microsoft.com/office/officeart/2005/8/layout/lProcess2"/>
-    <dgm:cxn modelId="{A851DF66-9CB3-4A5D-A12A-63B1B046899D}" type="presOf" srcId="{F9DD2F28-C129-41D0-B3A3-F34A4DF0797C}" destId="{8C4F88DF-20F8-4745-9426-66C191DC6822}" srcOrd="0" destOrd="0" presId="urn:microsoft.com/office/officeart/2005/8/layout/lProcess2"/>
-    <dgm:cxn modelId="{B5A8689D-9E9E-4675-BCC5-EBC47B08EECC}" type="presOf" srcId="{53E0566B-B4E9-4F58-84A8-ECC0E3BBFB62}" destId="{87088F45-863D-4158-B60A-599EE4F1EF62}" srcOrd="0" destOrd="0" presId="urn:microsoft.com/office/officeart/2005/8/layout/lProcess2"/>
-    <dgm:cxn modelId="{F76E11F7-B3F9-4510-8FAD-EAB1B0382FA4}" srcId="{E60348C9-23B2-4F93-ADD0-EBF9342834C8}" destId="{1BEE9D91-EB3E-490C-89F1-65B20C594E1E}" srcOrd="0" destOrd="0" parTransId="{14CC34EF-7DD0-4718-A6B0-DC95B8929BD5}" sibTransId="{DF7D3DD6-08D3-481C-B3BA-6A5555DBA92C}"/>
-    <dgm:cxn modelId="{3C14631E-756D-4F74-BB44-F0C01E94406C}" type="presOf" srcId="{1BEE9D91-EB3E-490C-89F1-65B20C594E1E}" destId="{3DFC4EBF-4C9E-4157-9DF4-BB5E784C47D7}" srcOrd="0" destOrd="0" presId="urn:microsoft.com/office/officeart/2005/8/layout/lProcess2"/>
-    <dgm:cxn modelId="{90B766DD-A9A9-4062-854D-C24C5745CB20}" type="presOf" srcId="{F7E39509-04E4-427B-9141-1CC9FAAC14EF}" destId="{7A040E14-948D-4559-992F-42A395A9AB74}" srcOrd="0" destOrd="0" presId="urn:microsoft.com/office/officeart/2005/8/layout/lProcess2"/>
-    <dgm:cxn modelId="{90FEE485-B29B-4777-9684-1DEDB1A4F102}" srcId="{D7FB9D9B-47EF-4A8F-A170-DFCAD6F82B89}" destId="{F7E39509-04E4-427B-9141-1CC9FAAC14EF}" srcOrd="0" destOrd="0" parTransId="{3D098256-1E41-4C0E-942A-A157997316CF}" sibTransId="{753A6B31-80AA-4A34-98D2-1F9710D5A6B7}"/>
-    <dgm:cxn modelId="{339BF082-A224-47C6-BE44-7CFCFC5BB3B9}" type="presOf" srcId="{D3A4920D-22F0-4DF9-BDC2-3BE335B41E16}" destId="{E428CD33-FA68-46B3-9F64-5AE50B0A48A7}" srcOrd="0" destOrd="0" presId="urn:microsoft.com/office/officeart/2005/8/layout/lProcess2"/>
-    <dgm:cxn modelId="{B6E8A5D8-31D4-4617-9758-667593B415CC}" srcId="{E60348C9-23B2-4F93-ADD0-EBF9342834C8}" destId="{53E0566B-B4E9-4F58-84A8-ECC0E3BBFB62}" srcOrd="1" destOrd="0" parTransId="{909163F2-2C72-4FF4-A34B-B201E156B337}" sibTransId="{6D2F9A5A-F239-4C12-AD0C-E18A7DA395EA}"/>
-    <dgm:cxn modelId="{E5CC09A7-3D9A-4C79-BDB8-8D60FADEB1F5}" srcId="{E60348C9-23B2-4F93-ADD0-EBF9342834C8}" destId="{D7FB9D9B-47EF-4A8F-A170-DFCAD6F82B89}" srcOrd="2" destOrd="0" parTransId="{B9902285-4126-431B-85EF-1C752E666EA3}" sibTransId="{A912FECE-1998-4E50-BEC3-D3E10F6AFBE6}"/>
-    <dgm:cxn modelId="{73DE1186-5376-4DF2-A124-55D519047F5F}" type="presOf" srcId="{D7FB9D9B-47EF-4A8F-A170-DFCAD6F82B89}" destId="{01697534-9E0B-4C91-9DC0-60B2075B11C5}" srcOrd="0" destOrd="0" presId="urn:microsoft.com/office/officeart/2005/8/layout/lProcess2"/>
     <dgm:cxn modelId="{99EDD02E-7021-473E-B6FE-2FDA3AC363CD}" srcId="{1BEE9D91-EB3E-490C-89F1-65B20C594E1E}" destId="{D3A4920D-22F0-4DF9-BDC2-3BE335B41E16}" srcOrd="0" destOrd="0" parTransId="{A4EFD7B7-FCB0-4665-8E53-430DB78D1580}" sibTransId="{1D981B95-2113-4F44-90D8-BB8BE5B49817}"/>
-    <dgm:cxn modelId="{B848CD9D-204D-4BAB-9F00-08BA407111AA}" srcId="{53E0566B-B4E9-4F58-84A8-ECC0E3BBFB62}" destId="{F9DD2F28-C129-41D0-B3A3-F34A4DF0797C}" srcOrd="0" destOrd="0" parTransId="{9C67CF54-D7C7-494B-ACC0-A0547D4EB297}" sibTransId="{C68295C7-C324-4F89-A777-C8A42CE0F74F}"/>
-    <dgm:cxn modelId="{D87BF466-C7C5-40E1-A593-3E77F86158D2}" type="presOf" srcId="{D7FB9D9B-47EF-4A8F-A170-DFCAD6F82B89}" destId="{F87BC457-E26C-4EA4-B710-F45996C6974F}" srcOrd="1" destOrd="0" presId="urn:microsoft.com/office/officeart/2005/8/layout/lProcess2"/>
-    <dgm:cxn modelId="{196A8496-1B1F-458C-B9CA-2F8CB2C618D0}" type="presOf" srcId="{1BEE9D91-EB3E-490C-89F1-65B20C594E1E}" destId="{31572B4F-74FD-46F9-B6AB-92246BB2F3EB}" srcOrd="1" destOrd="0" presId="urn:microsoft.com/office/officeart/2005/8/layout/lProcess2"/>
-    <dgm:cxn modelId="{4D95F1C9-232A-48AE-8F4B-FCF6E79FEA2A}" type="presOf" srcId="{E60348C9-23B2-4F93-ADD0-EBF9342834C8}" destId="{D43176A0-8C6E-4F3E-99EF-7485885668B3}" srcOrd="0" destOrd="0" presId="urn:microsoft.com/office/officeart/2005/8/layout/lProcess2"/>
     <dgm:cxn modelId="{FAC91690-D667-4D1F-BFDE-8FC67860986D}" type="presParOf" srcId="{D43176A0-8C6E-4F3E-99EF-7485885668B3}" destId="{1FC4273C-FD9D-44AA-BB54-5535F4B98003}" srcOrd="0" destOrd="0" presId="urn:microsoft.com/office/officeart/2005/8/layout/lProcess2"/>
     <dgm:cxn modelId="{232E0CCB-5F81-4A45-A983-685385774825}" type="presParOf" srcId="{1FC4273C-FD9D-44AA-BB54-5535F4B98003}" destId="{3DFC4EBF-4C9E-4157-9DF4-BB5E784C47D7}" srcOrd="0" destOrd="0" presId="urn:microsoft.com/office/officeart/2005/8/layout/lProcess2"/>
     <dgm:cxn modelId="{F57B51DC-B190-4633-BCAF-A3E53200A2E1}" type="presParOf" srcId="{1FC4273C-FD9D-44AA-BB54-5535F4B98003}" destId="{31572B4F-74FD-46F9-B6AB-92246BB2F3EB}" srcOrd="1" destOrd="0" presId="urn:microsoft.com/office/officeart/2005/8/layout/lProcess2"/>
@@ -5479,8 +5481,8 @@
     <dgm:cxn modelId="{083CFD9E-34CF-4E94-BC47-BB471E26BFE0}" type="presOf" srcId="{03FDE31C-AA0C-4FFD-88F3-B8C60C7688B2}" destId="{8E0B701E-731A-4119-97E9-BE8C6970B14F}" srcOrd="0" destOrd="0" presId="urn:microsoft.com/office/officeart/2005/8/layout/orgChart1"/>
     <dgm:cxn modelId="{CFDD2EB4-1D5D-4E22-AB89-96C481D603E6}" type="presOf" srcId="{0ACBA0E5-BBCD-43D7-A3BC-FC0CF9D01C8A}" destId="{57DA3771-BFCF-450F-AC08-0C13953670E4}" srcOrd="0" destOrd="0" presId="urn:microsoft.com/office/officeart/2005/8/layout/orgChart1"/>
     <dgm:cxn modelId="{A0622F33-1038-4473-9915-6BEF9413A926}" type="presOf" srcId="{1AE76108-91FB-44D8-8A89-B8E208F7E5CA}" destId="{B4F9536A-212F-4EE6-8E36-1F7330E5587D}" srcOrd="0" destOrd="0" presId="urn:microsoft.com/office/officeart/2005/8/layout/orgChart1"/>
+    <dgm:cxn modelId="{688502E8-190E-41D3-A3BC-0ADF04BCED93}" type="presOf" srcId="{DE0E1A6D-842C-4DA7-8886-D7DC31B420C4}" destId="{8D51D276-271D-4015-8578-EBD555336B3D}" srcOrd="1" destOrd="0" presId="urn:microsoft.com/office/officeart/2005/8/layout/orgChart1"/>
     <dgm:cxn modelId="{AA1E1AB2-FA3C-4DEC-9EE5-59C7962FDEC5}" type="presOf" srcId="{5FDCA85D-1C67-44A6-9071-13A348508795}" destId="{95F76DE9-F993-4C08-8EB9-2BBE7C2B73FA}" srcOrd="0" destOrd="0" presId="urn:microsoft.com/office/officeart/2005/8/layout/orgChart1"/>
-    <dgm:cxn modelId="{688502E8-190E-41D3-A3BC-0ADF04BCED93}" type="presOf" srcId="{DE0E1A6D-842C-4DA7-8886-D7DC31B420C4}" destId="{8D51D276-271D-4015-8578-EBD555336B3D}" srcOrd="1" destOrd="0" presId="urn:microsoft.com/office/officeart/2005/8/layout/orgChart1"/>
     <dgm:cxn modelId="{64D89DB3-B15D-4D1F-9EAF-E1D60036A8F5}" type="presOf" srcId="{5FDCA85D-1C67-44A6-9071-13A348508795}" destId="{A76F18EF-98B9-479F-AD3D-B0E4FFB0B47A}" srcOrd="1" destOrd="0" presId="urn:microsoft.com/office/officeart/2005/8/layout/orgChart1"/>
     <dgm:cxn modelId="{680C28E6-CE9E-4FBB-B0A3-FC304D14CD6D}" type="presOf" srcId="{28A0B37A-BED0-495D-9DE0-5C3EB254BD9C}" destId="{08335018-97AA-460E-A117-81DBA3DD3BA6}" srcOrd="0" destOrd="0" presId="urn:microsoft.com/office/officeart/2005/8/layout/orgChart1"/>
     <dgm:cxn modelId="{6581C4F9-789D-48A7-9428-0E021B2DC4A2}" srcId="{1AE76108-91FB-44D8-8A89-B8E208F7E5CA}" destId="{0ACBA0E5-BBCD-43D7-A3BC-FC0CF9D01C8A}" srcOrd="2" destOrd="0" parTransId="{C6B0EF2E-D0FA-4A1B-8E00-868CCDF8158E}" sibTransId="{D230325B-7A0E-4212-8386-DF558C1F2B2A}"/>
@@ -8918,11 +8920,7 @@
           </a:pPr>
           <a:r>
             <a:rPr lang="en-US" sz="1900" b="1" kern="1200" dirty="0" smtClean="0"/>
-            <a:t>Albuquerque, </a:t>
-          </a:r>
-          <a:r>
-            <a:rPr lang="en-US" sz="1900" b="1" kern="1200" dirty="0" smtClean="0"/>
-            <a:t>NM</a:t>
+            <a:t>Albuquerque, NM</a:t>
           </a:r>
         </a:p>
         <a:p>
@@ -16255,13 +16253,13 @@
   <p:clrMapOvr>
     <a:masterClrMapping/>
   </p:clrMapOvr>
-  <mc:AlternateContent xmlns:mc="http://schemas.openxmlformats.org/markup-compatibility/2006">
-    <mc:Choice xmlns:p14="http://schemas.microsoft.com/office/powerpoint/2010/main" Requires="p14">
+  <mc:AlternateContent xmlns:mc="http://schemas.openxmlformats.org/markup-compatibility/2006" xmlns:p14="http://schemas.microsoft.com/office/powerpoint/2010/main">
+    <mc:Choice Requires="p14">
       <p:transition spd="med" p14:dur="700">
         <p:fade/>
       </p:transition>
     </mc:Choice>
-    <mc:Fallback>
+    <mc:Fallback xmlns="">
       <p:transition spd="med">
         <p:fade/>
       </p:transition>
@@ -16453,13 +16451,13 @@
   <p:clrMapOvr>
     <a:masterClrMapping/>
   </p:clrMapOvr>
-  <mc:AlternateContent xmlns:mc="http://schemas.openxmlformats.org/markup-compatibility/2006">
-    <mc:Choice xmlns:p14="http://schemas.microsoft.com/office/powerpoint/2010/main" Requires="p14">
+  <mc:AlternateContent xmlns:mc="http://schemas.openxmlformats.org/markup-compatibility/2006" xmlns:p14="http://schemas.microsoft.com/office/powerpoint/2010/main">
+    <mc:Choice Requires="p14">
       <p:transition spd="med" p14:dur="700">
         <p:fade/>
       </p:transition>
     </mc:Choice>
-    <mc:Fallback>
+    <mc:Fallback xmlns="">
       <p:transition spd="med">
         <p:fade/>
       </p:transition>
@@ -16661,13 +16659,13 @@
   <p:clrMapOvr>
     <a:masterClrMapping/>
   </p:clrMapOvr>
-  <mc:AlternateContent xmlns:mc="http://schemas.openxmlformats.org/markup-compatibility/2006">
-    <mc:Choice xmlns:p14="http://schemas.microsoft.com/office/powerpoint/2010/main" Requires="p14">
+  <mc:AlternateContent xmlns:mc="http://schemas.openxmlformats.org/markup-compatibility/2006" xmlns:p14="http://schemas.microsoft.com/office/powerpoint/2010/main">
+    <mc:Choice Requires="p14">
       <p:transition spd="med" p14:dur="700">
         <p:fade/>
       </p:transition>
     </mc:Choice>
-    <mc:Fallback>
+    <mc:Fallback xmlns="">
       <p:transition spd="med">
         <p:fade/>
       </p:transition>
@@ -16859,13 +16857,13 @@
   <p:clrMapOvr>
     <a:masterClrMapping/>
   </p:clrMapOvr>
-  <mc:AlternateContent xmlns:mc="http://schemas.openxmlformats.org/markup-compatibility/2006">
-    <mc:Choice xmlns:p14="http://schemas.microsoft.com/office/powerpoint/2010/main" Requires="p14">
+  <mc:AlternateContent xmlns:mc="http://schemas.openxmlformats.org/markup-compatibility/2006" xmlns:p14="http://schemas.microsoft.com/office/powerpoint/2010/main">
+    <mc:Choice Requires="p14">
       <p:transition spd="med" p14:dur="700">
         <p:fade/>
       </p:transition>
     </mc:Choice>
-    <mc:Fallback>
+    <mc:Fallback xmlns="">
       <p:transition spd="med">
         <p:fade/>
       </p:transition>
@@ -17291,13 +17289,13 @@
   <p:clrMapOvr>
     <a:masterClrMapping/>
   </p:clrMapOvr>
-  <mc:AlternateContent xmlns:mc="http://schemas.openxmlformats.org/markup-compatibility/2006">
-    <mc:Choice xmlns:p14="http://schemas.microsoft.com/office/powerpoint/2010/main" Requires="p14">
+  <mc:AlternateContent xmlns:mc="http://schemas.openxmlformats.org/markup-compatibility/2006" xmlns:p14="http://schemas.microsoft.com/office/powerpoint/2010/main">
+    <mc:Choice Requires="p14">
       <p:transition spd="med" p14:dur="700">
         <p:fade/>
       </p:transition>
     </mc:Choice>
-    <mc:Fallback>
+    <mc:Fallback xmlns="">
       <p:transition spd="med">
         <p:fade/>
       </p:transition>
@@ -17595,13 +17593,13 @@
   <p:clrMapOvr>
     <a:masterClrMapping/>
   </p:clrMapOvr>
-  <mc:AlternateContent xmlns:mc="http://schemas.openxmlformats.org/markup-compatibility/2006">
-    <mc:Choice xmlns:p14="http://schemas.microsoft.com/office/powerpoint/2010/main" Requires="p14">
+  <mc:AlternateContent xmlns:mc="http://schemas.openxmlformats.org/markup-compatibility/2006" xmlns:p14="http://schemas.microsoft.com/office/powerpoint/2010/main">
+    <mc:Choice Requires="p14">
       <p:transition spd="med" p14:dur="700">
         <p:fade/>
       </p:transition>
     </mc:Choice>
-    <mc:Fallback>
+    <mc:Fallback xmlns="">
       <p:transition spd="med">
         <p:fade/>
       </p:transition>
@@ -18051,13 +18049,13 @@
   <p:clrMapOvr>
     <a:masterClrMapping/>
   </p:clrMapOvr>
-  <mc:AlternateContent xmlns:mc="http://schemas.openxmlformats.org/markup-compatibility/2006">
-    <mc:Choice xmlns:p14="http://schemas.microsoft.com/office/powerpoint/2010/main" Requires="p14">
+  <mc:AlternateContent xmlns:mc="http://schemas.openxmlformats.org/markup-compatibility/2006" xmlns:p14="http://schemas.microsoft.com/office/powerpoint/2010/main">
+    <mc:Choice Requires="p14">
       <p:transition spd="med" p14:dur="700">
         <p:fade/>
       </p:transition>
     </mc:Choice>
-    <mc:Fallback>
+    <mc:Fallback xmlns="">
       <p:transition spd="med">
         <p:fade/>
       </p:transition>
@@ -18181,13 +18179,13 @@
   <p:clrMapOvr>
     <a:masterClrMapping/>
   </p:clrMapOvr>
-  <mc:AlternateContent xmlns:mc="http://schemas.openxmlformats.org/markup-compatibility/2006">
-    <mc:Choice xmlns:p14="http://schemas.microsoft.com/office/powerpoint/2010/main" Requires="p14">
+  <mc:AlternateContent xmlns:mc="http://schemas.openxmlformats.org/markup-compatibility/2006" xmlns:p14="http://schemas.microsoft.com/office/powerpoint/2010/main">
+    <mc:Choice Requires="p14">
       <p:transition spd="med" p14:dur="700">
         <p:fade/>
       </p:transition>
     </mc:Choice>
-    <mc:Fallback>
+    <mc:Fallback xmlns="">
       <p:transition spd="med">
         <p:fade/>
       </p:transition>
@@ -18288,13 +18286,13 @@
   <p:clrMapOvr>
     <a:masterClrMapping/>
   </p:clrMapOvr>
-  <mc:AlternateContent xmlns:mc="http://schemas.openxmlformats.org/markup-compatibility/2006">
-    <mc:Choice xmlns:p14="http://schemas.microsoft.com/office/powerpoint/2010/main" Requires="p14">
+  <mc:AlternateContent xmlns:mc="http://schemas.openxmlformats.org/markup-compatibility/2006" xmlns:p14="http://schemas.microsoft.com/office/powerpoint/2010/main">
+    <mc:Choice Requires="p14">
       <p:transition spd="med" p14:dur="700">
         <p:fade/>
       </p:transition>
     </mc:Choice>
-    <mc:Fallback>
+    <mc:Fallback xmlns="">
       <p:transition spd="med">
         <p:fade/>
       </p:transition>
@@ -18587,13 +18585,13 @@
   <p:clrMapOvr>
     <a:masterClrMapping/>
   </p:clrMapOvr>
-  <mc:AlternateContent xmlns:mc="http://schemas.openxmlformats.org/markup-compatibility/2006">
-    <mc:Choice xmlns:p14="http://schemas.microsoft.com/office/powerpoint/2010/main" Requires="p14">
+  <mc:AlternateContent xmlns:mc="http://schemas.openxmlformats.org/markup-compatibility/2006" xmlns:p14="http://schemas.microsoft.com/office/powerpoint/2010/main">
+    <mc:Choice Requires="p14">
       <p:transition spd="med" p14:dur="700">
         <p:fade/>
       </p:transition>
     </mc:Choice>
-    <mc:Fallback>
+    <mc:Fallback xmlns="">
       <p:transition spd="med">
         <p:fade/>
       </p:transition>
@@ -18875,13 +18873,13 @@
   <p:clrMapOvr>
     <a:masterClrMapping/>
   </p:clrMapOvr>
-  <mc:AlternateContent xmlns:mc="http://schemas.openxmlformats.org/markup-compatibility/2006">
-    <mc:Choice xmlns:p14="http://schemas.microsoft.com/office/powerpoint/2010/main" Requires="p14">
+  <mc:AlternateContent xmlns:mc="http://schemas.openxmlformats.org/markup-compatibility/2006" xmlns:p14="http://schemas.microsoft.com/office/powerpoint/2010/main">
+    <mc:Choice Requires="p14">
       <p:transition spd="med" p14:dur="700">
         <p:fade/>
       </p:transition>
     </mc:Choice>
-    <mc:Fallback>
+    <mc:Fallback xmlns="">
       <p:transition spd="med">
         <p:fade/>
       </p:transition>
@@ -19546,13 +19544,13 @@
     <p:sldLayoutId id="2147483670" r:id="rId10"/>
     <p:sldLayoutId id="2147483671" r:id="rId11"/>
   </p:sldLayoutIdLst>
-  <mc:AlternateContent xmlns:mc="http://schemas.openxmlformats.org/markup-compatibility/2006">
-    <mc:Choice xmlns:p14="http://schemas.microsoft.com/office/powerpoint/2010/main" Requires="p14">
+  <mc:AlternateContent xmlns:mc="http://schemas.openxmlformats.org/markup-compatibility/2006" xmlns:p14="http://schemas.microsoft.com/office/powerpoint/2010/main">
+    <mc:Choice Requires="p14">
       <p:transition spd="med" p14:dur="700">
         <p:fade/>
       </p:transition>
     </mc:Choice>
-    <mc:Fallback>
+    <mc:Fallback xmlns="">
       <p:transition spd="med">
         <p:fade/>
       </p:transition>
@@ -19966,13 +19964,13 @@
   <p:clrMapOvr>
     <a:masterClrMapping/>
   </p:clrMapOvr>
-  <mc:AlternateContent xmlns:mc="http://schemas.openxmlformats.org/markup-compatibility/2006">
-    <mc:Choice xmlns:p14="http://schemas.microsoft.com/office/powerpoint/2010/main" Requires="p14">
+  <mc:AlternateContent xmlns:mc="http://schemas.openxmlformats.org/markup-compatibility/2006" xmlns:p14="http://schemas.microsoft.com/office/powerpoint/2010/main">
+    <mc:Choice Requires="p14">
       <p:transition spd="med" p14:dur="700">
         <p:fade/>
       </p:transition>
     </mc:Choice>
-    <mc:Fallback>
+    <mc:Fallback xmlns="">
       <p:transition spd="med">
         <p:fade/>
       </p:transition>
@@ -20101,6 +20099,36 @@
           </a:p>
         </p:txBody>
       </p:sp>
+      <p:pic>
+        <p:nvPicPr>
+          <p:cNvPr id="4" name="Picture 3"/>
+          <p:cNvPicPr>
+            <a:picLocks noChangeAspect="1"/>
+          </p:cNvPicPr>
+          <p:nvPr/>
+        </p:nvPicPr>
+        <p:blipFill>
+          <a:blip r:embed="rId2" cstate="print">
+            <a:extLst>
+              <a:ext uri="{28A0092B-C50C-407E-A947-70E740481C1C}">
+                <a14:useLocalDpi xmlns:a14="http://schemas.microsoft.com/office/drawing/2010/main" val="0"/>
+              </a:ext>
+            </a:extLst>
+          </a:blip>
+          <a:stretch>
+            <a:fillRect/>
+          </a:stretch>
+        </p:blipFill>
+        <p:spPr>
+          <a:xfrm>
+            <a:off x="10737537" y="274637"/>
+            <a:ext cx="838200" cy="838200"/>
+          </a:xfrm>
+          <a:prstGeom prst="rect">
+            <a:avLst/>
+          </a:prstGeom>
+        </p:spPr>
+      </p:pic>
     </p:spTree>
     <p:extLst>
       <p:ext uri="{BB962C8B-B14F-4D97-AF65-F5344CB8AC3E}">
@@ -20111,13 +20139,13 @@
   <p:clrMapOvr>
     <a:masterClrMapping/>
   </p:clrMapOvr>
-  <mc:AlternateContent xmlns:mc="http://schemas.openxmlformats.org/markup-compatibility/2006">
-    <mc:Choice xmlns:p14="http://schemas.microsoft.com/office/powerpoint/2010/main" Requires="p14">
+  <mc:AlternateContent xmlns:mc="http://schemas.openxmlformats.org/markup-compatibility/2006" xmlns:p14="http://schemas.microsoft.com/office/powerpoint/2010/main">
+    <mc:Choice Requires="p14">
       <p:transition spd="med" p14:dur="700">
         <p:fade/>
       </p:transition>
     </mc:Choice>
-    <mc:Fallback>
+    <mc:Fallback xmlns="">
       <p:transition spd="med">
         <p:fade/>
       </p:transition>
@@ -20254,6 +20282,36 @@
           </a:p>
         </p:txBody>
       </p:sp>
+      <p:pic>
+        <p:nvPicPr>
+          <p:cNvPr id="4" name="Picture 3"/>
+          <p:cNvPicPr>
+            <a:picLocks noChangeAspect="1"/>
+          </p:cNvPicPr>
+          <p:nvPr/>
+        </p:nvPicPr>
+        <p:blipFill>
+          <a:blip r:embed="rId2" cstate="print">
+            <a:extLst>
+              <a:ext uri="{28A0092B-C50C-407E-A947-70E740481C1C}">
+                <a14:useLocalDpi xmlns:a14="http://schemas.microsoft.com/office/drawing/2010/main" val="0"/>
+              </a:ext>
+            </a:extLst>
+          </a:blip>
+          <a:stretch>
+            <a:fillRect/>
+          </a:stretch>
+        </p:blipFill>
+        <p:spPr>
+          <a:xfrm>
+            <a:off x="10737537" y="274637"/>
+            <a:ext cx="838200" cy="838200"/>
+          </a:xfrm>
+          <a:prstGeom prst="rect">
+            <a:avLst/>
+          </a:prstGeom>
+        </p:spPr>
+      </p:pic>
     </p:spTree>
     <p:extLst>
       <p:ext uri="{BB962C8B-B14F-4D97-AF65-F5344CB8AC3E}">
@@ -20264,13 +20322,13 @@
   <p:clrMapOvr>
     <a:masterClrMapping/>
   </p:clrMapOvr>
-  <mc:AlternateContent xmlns:mc="http://schemas.openxmlformats.org/markup-compatibility/2006">
-    <mc:Choice xmlns:p14="http://schemas.microsoft.com/office/powerpoint/2010/main" Requires="p14">
+  <mc:AlternateContent xmlns:mc="http://schemas.openxmlformats.org/markup-compatibility/2006" xmlns:p14="http://schemas.microsoft.com/office/powerpoint/2010/main">
+    <mc:Choice Requires="p14">
       <p:transition spd="med" p14:dur="700">
         <p:fade/>
       </p:transition>
     </mc:Choice>
-    <mc:Fallback>
+    <mc:Fallback xmlns="">
       <p:transition spd="med">
         <p:fade/>
       </p:transition>
@@ -20410,6 +20468,36 @@
           </a:p>
         </p:txBody>
       </p:sp>
+      <p:pic>
+        <p:nvPicPr>
+          <p:cNvPr id="4" name="Picture 3"/>
+          <p:cNvPicPr>
+            <a:picLocks noChangeAspect="1"/>
+          </p:cNvPicPr>
+          <p:nvPr/>
+        </p:nvPicPr>
+        <p:blipFill>
+          <a:blip r:embed="rId2" cstate="print">
+            <a:extLst>
+              <a:ext uri="{28A0092B-C50C-407E-A947-70E740481C1C}">
+                <a14:useLocalDpi xmlns:a14="http://schemas.microsoft.com/office/drawing/2010/main" val="0"/>
+              </a:ext>
+            </a:extLst>
+          </a:blip>
+          <a:stretch>
+            <a:fillRect/>
+          </a:stretch>
+        </p:blipFill>
+        <p:spPr>
+          <a:xfrm>
+            <a:off x="10737537" y="274637"/>
+            <a:ext cx="838200" cy="838200"/>
+          </a:xfrm>
+          <a:prstGeom prst="rect">
+            <a:avLst/>
+          </a:prstGeom>
+        </p:spPr>
+      </p:pic>
     </p:spTree>
     <p:extLst>
       <p:ext uri="{BB962C8B-B14F-4D97-AF65-F5344CB8AC3E}">
@@ -20420,13 +20508,13 @@
   <p:clrMapOvr>
     <a:masterClrMapping/>
   </p:clrMapOvr>
-  <mc:AlternateContent xmlns:mc="http://schemas.openxmlformats.org/markup-compatibility/2006">
-    <mc:Choice xmlns:p14="http://schemas.microsoft.com/office/powerpoint/2010/main" Requires="p14">
+  <mc:AlternateContent xmlns:mc="http://schemas.openxmlformats.org/markup-compatibility/2006" xmlns:p14="http://schemas.microsoft.com/office/powerpoint/2010/main">
+    <mc:Choice Requires="p14">
       <p:transition spd="med" p14:dur="700">
         <p:fade/>
       </p:transition>
     </mc:Choice>
-    <mc:Fallback>
+    <mc:Fallback xmlns="">
       <p:transition spd="med">
         <p:fade/>
       </p:transition>
@@ -20526,6 +20614,36 @@
           </a:p>
         </p:txBody>
       </p:sp>
+      <p:pic>
+        <p:nvPicPr>
+          <p:cNvPr id="4" name="Picture 3"/>
+          <p:cNvPicPr>
+            <a:picLocks noChangeAspect="1"/>
+          </p:cNvPicPr>
+          <p:nvPr/>
+        </p:nvPicPr>
+        <p:blipFill>
+          <a:blip r:embed="rId2" cstate="print">
+            <a:extLst>
+              <a:ext uri="{28A0092B-C50C-407E-A947-70E740481C1C}">
+                <a14:useLocalDpi xmlns:a14="http://schemas.microsoft.com/office/drawing/2010/main" val="0"/>
+              </a:ext>
+            </a:extLst>
+          </a:blip>
+          <a:stretch>
+            <a:fillRect/>
+          </a:stretch>
+        </p:blipFill>
+        <p:spPr>
+          <a:xfrm>
+            <a:off x="10737537" y="274637"/>
+            <a:ext cx="838200" cy="838200"/>
+          </a:xfrm>
+          <a:prstGeom prst="rect">
+            <a:avLst/>
+          </a:prstGeom>
+        </p:spPr>
+      </p:pic>
     </p:spTree>
     <p:extLst>
       <p:ext uri="{BB962C8B-B14F-4D97-AF65-F5344CB8AC3E}">
@@ -20536,13 +20654,13 @@
   <p:clrMapOvr>
     <a:masterClrMapping/>
   </p:clrMapOvr>
-  <mc:AlternateContent xmlns:mc="http://schemas.openxmlformats.org/markup-compatibility/2006">
-    <mc:Choice xmlns:p14="http://schemas.microsoft.com/office/powerpoint/2010/main" Requires="p14">
+  <mc:AlternateContent xmlns:mc="http://schemas.openxmlformats.org/markup-compatibility/2006" xmlns:p14="http://schemas.microsoft.com/office/powerpoint/2010/main">
+    <mc:Choice Requires="p14">
       <p:transition spd="med" p14:dur="700">
         <p:fade/>
       </p:transition>
     </mc:Choice>
-    <mc:Fallback>
+    <mc:Fallback xmlns="">
       <p:transition spd="med">
         <p:fade/>
       </p:transition>
@@ -20717,6 +20835,36 @@
           </a:p>
         </p:txBody>
       </p:sp>
+      <p:pic>
+        <p:nvPicPr>
+          <p:cNvPr id="4" name="Picture 3"/>
+          <p:cNvPicPr>
+            <a:picLocks noChangeAspect="1"/>
+          </p:cNvPicPr>
+          <p:nvPr/>
+        </p:nvPicPr>
+        <p:blipFill>
+          <a:blip r:embed="rId2" cstate="print">
+            <a:extLst>
+              <a:ext uri="{28A0092B-C50C-407E-A947-70E740481C1C}">
+                <a14:useLocalDpi xmlns:a14="http://schemas.microsoft.com/office/drawing/2010/main" val="0"/>
+              </a:ext>
+            </a:extLst>
+          </a:blip>
+          <a:stretch>
+            <a:fillRect/>
+          </a:stretch>
+        </p:blipFill>
+        <p:spPr>
+          <a:xfrm>
+            <a:off x="10737537" y="274637"/>
+            <a:ext cx="838200" cy="838200"/>
+          </a:xfrm>
+          <a:prstGeom prst="rect">
+            <a:avLst/>
+          </a:prstGeom>
+        </p:spPr>
+      </p:pic>
     </p:spTree>
     <p:extLst>
       <p:ext uri="{BB962C8B-B14F-4D97-AF65-F5344CB8AC3E}">
@@ -20727,13 +20875,13 @@
   <p:clrMapOvr>
     <a:masterClrMapping/>
   </p:clrMapOvr>
-  <mc:AlternateContent xmlns:mc="http://schemas.openxmlformats.org/markup-compatibility/2006">
-    <mc:Choice xmlns:p14="http://schemas.microsoft.com/office/powerpoint/2010/main" Requires="p14">
+  <mc:AlternateContent xmlns:mc="http://schemas.openxmlformats.org/markup-compatibility/2006" xmlns:p14="http://schemas.microsoft.com/office/powerpoint/2010/main">
+    <mc:Choice Requires="p14">
       <p:transition spd="med" p14:dur="700">
         <p:fade/>
       </p:transition>
     </mc:Choice>
-    <mc:Fallback>
+    <mc:Fallback xmlns="">
       <p:transition spd="med">
         <p:fade/>
       </p:transition>
@@ -20779,14 +20927,29 @@
         <p:spPr/>
         <p:txBody>
           <a:bodyPr>
-            <a:normAutofit/>
+            <a:normAutofit fontScale="90000"/>
           </a:bodyPr>
           <a:lstStyle/>
           <a:p>
             <a:pPr algn="ctr"/>
             <a:r>
               <a:rPr lang="en-US" sz="4400" b="1" dirty="0" smtClean="0"/>
-              <a:t>Project Team Roles and Responsibilities</a:t>
+              <a:t>Project Team Roles </a:t>
+            </a:r>
+            <a:r>
+              <a:rPr lang="en-US" sz="4400" b="1" dirty="0" smtClean="0"/>
+              <a:t/>
+            </a:r>
+            <a:br>
+              <a:rPr lang="en-US" sz="4400" b="1" dirty="0" smtClean="0"/>
+            </a:br>
+            <a:r>
+              <a:rPr lang="en-US" sz="4400" b="1" dirty="0" smtClean="0"/>
+              <a:t>and </a:t>
+            </a:r>
+            <a:r>
+              <a:rPr lang="en-US" sz="4400" b="1" dirty="0" smtClean="0"/>
+              <a:t>Responsibilities</a:t>
             </a:r>
             <a:endParaRPr lang="en-US" sz="4400" b="1" dirty="0"/>
           </a:p>
@@ -20813,6 +20976,36 @@
           </a:graphicData>
         </a:graphic>
       </p:graphicFrame>
+      <p:pic>
+        <p:nvPicPr>
+          <p:cNvPr id="4" name="Picture 3"/>
+          <p:cNvPicPr>
+            <a:picLocks noChangeAspect="1"/>
+          </p:cNvPicPr>
+          <p:nvPr/>
+        </p:nvPicPr>
+        <p:blipFill>
+          <a:blip r:embed="rId8" cstate="print">
+            <a:extLst>
+              <a:ext uri="{28A0092B-C50C-407E-A947-70E740481C1C}">
+                <a14:useLocalDpi xmlns:a14="http://schemas.microsoft.com/office/drawing/2010/main" val="0"/>
+              </a:ext>
+            </a:extLst>
+          </a:blip>
+          <a:stretch>
+            <a:fillRect/>
+          </a:stretch>
+        </p:blipFill>
+        <p:spPr>
+          <a:xfrm>
+            <a:off x="10737537" y="274637"/>
+            <a:ext cx="838200" cy="838200"/>
+          </a:xfrm>
+          <a:prstGeom prst="rect">
+            <a:avLst/>
+          </a:prstGeom>
+        </p:spPr>
+      </p:pic>
     </p:spTree>
     <p:extLst>
       <p:ext uri="{BB962C8B-B14F-4D97-AF65-F5344CB8AC3E}">
@@ -20823,13 +21016,13 @@
   <p:clrMapOvr>
     <a:masterClrMapping/>
   </p:clrMapOvr>
-  <mc:AlternateContent xmlns:mc="http://schemas.openxmlformats.org/markup-compatibility/2006">
-    <mc:Choice xmlns:p14="http://schemas.microsoft.com/office/powerpoint/2010/main" Requires="p14">
+  <mc:AlternateContent xmlns:mc="http://schemas.openxmlformats.org/markup-compatibility/2006" xmlns:p14="http://schemas.microsoft.com/office/powerpoint/2010/main">
+    <mc:Choice Requires="p14">
       <p:transition spd="med" p14:dur="700">
         <p:fade/>
       </p:transition>
     </mc:Choice>
-    <mc:Fallback>
+    <mc:Fallback xmlns="">
       <p:transition spd="med">
         <p:fade/>
       </p:transition>
@@ -21051,6 +21244,36 @@
           </a:p>
         </p:txBody>
       </p:sp>
+      <p:pic>
+        <p:nvPicPr>
+          <p:cNvPr id="7" name="Picture 6"/>
+          <p:cNvPicPr>
+            <a:picLocks noChangeAspect="1"/>
+          </p:cNvPicPr>
+          <p:nvPr/>
+        </p:nvPicPr>
+        <p:blipFill>
+          <a:blip r:embed="rId3" cstate="print">
+            <a:extLst>
+              <a:ext uri="{28A0092B-C50C-407E-A947-70E740481C1C}">
+                <a14:useLocalDpi xmlns:a14="http://schemas.microsoft.com/office/drawing/2010/main" val="0"/>
+              </a:ext>
+            </a:extLst>
+          </a:blip>
+          <a:stretch>
+            <a:fillRect/>
+          </a:stretch>
+        </p:blipFill>
+        <p:spPr>
+          <a:xfrm>
+            <a:off x="10737537" y="274637"/>
+            <a:ext cx="838200" cy="838200"/>
+          </a:xfrm>
+          <a:prstGeom prst="rect">
+            <a:avLst/>
+          </a:prstGeom>
+        </p:spPr>
+      </p:pic>
     </p:spTree>
     <p:extLst>
       <p:ext uri="{BB962C8B-B14F-4D97-AF65-F5344CB8AC3E}">
@@ -21061,13 +21284,13 @@
   <p:clrMapOvr>
     <a:masterClrMapping/>
   </p:clrMapOvr>
-  <mc:AlternateContent xmlns:mc="http://schemas.openxmlformats.org/markup-compatibility/2006">
-    <mc:Choice xmlns:p14="http://schemas.microsoft.com/office/powerpoint/2010/main" Requires="p14">
+  <mc:AlternateContent xmlns:mc="http://schemas.openxmlformats.org/markup-compatibility/2006" xmlns:p14="http://schemas.microsoft.com/office/powerpoint/2010/main">
+    <mc:Choice Requires="p14">
       <p:transition spd="med" p14:dur="700">
         <p:fade/>
       </p:transition>
     </mc:Choice>
-    <mc:Fallback>
+    <mc:Fallback xmlns="">
       <p:transition spd="med">
         <p:fade/>
       </p:transition>
@@ -22999,17 +23222,8 @@
               <a:rPr lang="en-US" sz="1100" b="1" spc="-6" dirty="0">
                 <a:latin typeface="Calibri" panose="020F0502020204030204" pitchFamily="34" charset="0"/>
               </a:rPr>
-              <a:t>Eagles </a:t>
+              <a:t>Eagles Consulting</a:t>
             </a:r>
-            <a:r>
-              <a:rPr lang="en-US" sz="1100" b="1" spc="-6" dirty="0">
-                <a:latin typeface="Calibri" panose="020F0502020204030204" pitchFamily="34" charset="0"/>
-              </a:rPr>
-              <a:t>Consulting</a:t>
-            </a:r>
-            <a:endParaRPr lang="en-US" sz="1100" b="1" spc="-6" dirty="0">
-              <a:latin typeface="Calibri" panose="020F0502020204030204" pitchFamily="34" charset="0"/>
-            </a:endParaRPr>
           </a:p>
         </p:txBody>
       </p:sp>
@@ -25564,6 +25778,36 @@
           </a:p>
         </p:txBody>
       </p:sp>
+      <p:pic>
+        <p:nvPicPr>
+          <p:cNvPr id="105" name="Picture 104"/>
+          <p:cNvPicPr>
+            <a:picLocks noChangeAspect="1"/>
+          </p:cNvPicPr>
+          <p:nvPr/>
+        </p:nvPicPr>
+        <p:blipFill>
+          <a:blip r:embed="rId105" cstate="print">
+            <a:extLst>
+              <a:ext uri="{28A0092B-C50C-407E-A947-70E740481C1C}">
+                <a14:useLocalDpi xmlns:a14="http://schemas.microsoft.com/office/drawing/2010/main" val="0"/>
+              </a:ext>
+            </a:extLst>
+          </a:blip>
+          <a:stretch>
+            <a:fillRect/>
+          </a:stretch>
+        </p:blipFill>
+        <p:spPr>
+          <a:xfrm>
+            <a:off x="10737537" y="274637"/>
+            <a:ext cx="838200" cy="838200"/>
+          </a:xfrm>
+          <a:prstGeom prst="rect">
+            <a:avLst/>
+          </a:prstGeom>
+        </p:spPr>
+      </p:pic>
     </p:spTree>
     <p:custDataLst>
       <p:tags r:id="rId1"/>
@@ -25577,13 +25821,13 @@
   <p:clrMapOvr>
     <a:masterClrMapping/>
   </p:clrMapOvr>
-  <mc:AlternateContent xmlns:mc="http://schemas.openxmlformats.org/markup-compatibility/2006">
-    <mc:Choice xmlns:p14="http://schemas.microsoft.com/office/powerpoint/2010/main" Requires="p14">
+  <mc:AlternateContent xmlns:mc="http://schemas.openxmlformats.org/markup-compatibility/2006" xmlns:p14="http://schemas.microsoft.com/office/powerpoint/2010/main">
+    <mc:Choice Requires="p14">
       <p:transition spd="med" p14:dur="700">
         <p:fade/>
       </p:transition>
     </mc:Choice>
-    <mc:Fallback>
+    <mc:Fallback xmlns="">
       <p:transition spd="med">
         <p:fade/>
       </p:transition>
@@ -27534,17 +27778,8 @@
               <a:rPr lang="en-US" sz="1100" b="1" spc="-6" dirty="0">
                 <a:latin typeface="Calibri" panose="020F0502020204030204" pitchFamily="34" charset="0"/>
               </a:rPr>
-              <a:t>Eagles </a:t>
+              <a:t>Eagles Consulting</a:t>
             </a:r>
-            <a:r>
-              <a:rPr lang="en-US" sz="1100" b="1" spc="-6" dirty="0">
-                <a:latin typeface="Calibri" panose="020F0502020204030204" pitchFamily="34" charset="0"/>
-              </a:rPr>
-              <a:t>Consulting</a:t>
-            </a:r>
-            <a:endParaRPr lang="en-US" sz="1100" b="1" spc="-6" dirty="0">
-              <a:latin typeface="Calibri" panose="020F0502020204030204" pitchFamily="34" charset="0"/>
-            </a:endParaRPr>
           </a:p>
         </p:txBody>
       </p:sp>
@@ -30158,6 +30393,36 @@
           </a:p>
         </p:txBody>
       </p:sp>
+      <p:pic>
+        <p:nvPicPr>
+          <p:cNvPr id="105" name="Picture 104"/>
+          <p:cNvPicPr>
+            <a:picLocks noChangeAspect="1"/>
+          </p:cNvPicPr>
+          <p:nvPr/>
+        </p:nvPicPr>
+        <p:blipFill>
+          <a:blip r:embed="rId106" cstate="print">
+            <a:extLst>
+              <a:ext uri="{28A0092B-C50C-407E-A947-70E740481C1C}">
+                <a14:useLocalDpi xmlns:a14="http://schemas.microsoft.com/office/drawing/2010/main" val="0"/>
+              </a:ext>
+            </a:extLst>
+          </a:blip>
+          <a:stretch>
+            <a:fillRect/>
+          </a:stretch>
+        </p:blipFill>
+        <p:spPr>
+          <a:xfrm>
+            <a:off x="10737537" y="274637"/>
+            <a:ext cx="838200" cy="838200"/>
+          </a:xfrm>
+          <a:prstGeom prst="rect">
+            <a:avLst/>
+          </a:prstGeom>
+        </p:spPr>
+      </p:pic>
     </p:spTree>
     <p:custDataLst>
       <p:tags r:id="rId1"/>
@@ -30171,13 +30436,13 @@
   <p:clrMapOvr>
     <a:masterClrMapping/>
   </p:clrMapOvr>
-  <mc:AlternateContent xmlns:mc="http://schemas.openxmlformats.org/markup-compatibility/2006">
-    <mc:Choice xmlns:p14="http://schemas.microsoft.com/office/powerpoint/2010/main" Requires="p14">
+  <mc:AlternateContent xmlns:mc="http://schemas.openxmlformats.org/markup-compatibility/2006" xmlns:p14="http://schemas.microsoft.com/office/powerpoint/2010/main">
+    <mc:Choice Requires="p14">
       <p:transition spd="med" p14:dur="700">
         <p:fade/>
       </p:transition>
     </mc:Choice>
-    <mc:Fallback>
+    <mc:Fallback xmlns="">
       <p:transition spd="med">
         <p:fade/>
       </p:transition>
@@ -30315,6 +30580,36 @@
           </a:p>
         </p:txBody>
       </p:sp>
+      <p:pic>
+        <p:nvPicPr>
+          <p:cNvPr id="4" name="Picture 3"/>
+          <p:cNvPicPr>
+            <a:picLocks noChangeAspect="1"/>
+          </p:cNvPicPr>
+          <p:nvPr/>
+        </p:nvPicPr>
+        <p:blipFill>
+          <a:blip r:embed="rId2" cstate="print">
+            <a:extLst>
+              <a:ext uri="{28A0092B-C50C-407E-A947-70E740481C1C}">
+                <a14:useLocalDpi xmlns:a14="http://schemas.microsoft.com/office/drawing/2010/main" val="0"/>
+              </a:ext>
+            </a:extLst>
+          </a:blip>
+          <a:stretch>
+            <a:fillRect/>
+          </a:stretch>
+        </p:blipFill>
+        <p:spPr>
+          <a:xfrm>
+            <a:off x="10737537" y="274637"/>
+            <a:ext cx="838200" cy="838200"/>
+          </a:xfrm>
+          <a:prstGeom prst="rect">
+            <a:avLst/>
+          </a:prstGeom>
+        </p:spPr>
+      </p:pic>
     </p:spTree>
     <p:extLst>
       <p:ext uri="{BB962C8B-B14F-4D97-AF65-F5344CB8AC3E}">
@@ -30325,13 +30620,13 @@
   <p:clrMapOvr>
     <a:masterClrMapping/>
   </p:clrMapOvr>
-  <mc:AlternateContent xmlns:mc="http://schemas.openxmlformats.org/markup-compatibility/2006">
-    <mc:Choice xmlns:p14="http://schemas.microsoft.com/office/powerpoint/2010/main" Requires="p14">
+  <mc:AlternateContent xmlns:mc="http://schemas.openxmlformats.org/markup-compatibility/2006" xmlns:p14="http://schemas.microsoft.com/office/powerpoint/2010/main">
+    <mc:Choice Requires="p14">
       <p:transition spd="med" p14:dur="700">
         <p:fade/>
       </p:transition>
     </mc:Choice>
-    <mc:Fallback>
+    <mc:Fallback xmlns="">
       <p:transition spd="med">
         <p:fade/>
       </p:transition>
@@ -30383,11 +30678,7 @@
           <a:p>
             <a:r>
               <a:rPr lang="en-US" sz="4900" b="1" dirty="0"/>
-              <a:t>EAGLE </a:t>
-            </a:r>
-            <a:r>
-              <a:rPr lang="en-US" sz="4900" b="1" dirty="0"/>
-              <a:t>CONSULTING</a:t>
+              <a:t>EAGLE CONSULTING</a:t>
             </a:r>
             <a:r>
               <a:rPr lang="en-US" sz="4799" b="1" dirty="0"/>
@@ -30425,7 +30716,6 @@
               <a:rPr lang="en-US" sz="3199" dirty="0"/>
               <a:t>IT Consultancy and contracting agency for over 20 years</a:t>
             </a:r>
-            <a:endParaRPr lang="en-US" sz="3199" dirty="0"/>
           </a:p>
           <a:p>
             <a:r>
@@ -30436,15 +30726,7 @@
           <a:p>
             <a:r>
               <a:rPr lang="en-US" sz="3199" dirty="0"/>
-              <a:t>Goal </a:t>
-            </a:r>
-            <a:r>
-              <a:rPr lang="en-US" sz="3199" dirty="0"/>
-              <a:t>of assisting businesses in staying up to date with the technological world around </a:t>
-            </a:r>
-            <a:r>
-              <a:rPr lang="en-US" sz="3199" dirty="0"/>
-              <a:t>them</a:t>
+              <a:t>Goal of assisting businesses in staying up to date with the technological world around them</a:t>
             </a:r>
           </a:p>
           <a:p>
@@ -30452,10 +30734,39 @@
               <a:rPr lang="en-US" sz="3199" dirty="0"/>
               <a:t>Acts as “Middle Man” for bringing close and personalized technology services to businesses in need</a:t>
             </a:r>
-            <a:endParaRPr lang="en-US" sz="3199" dirty="0"/>
           </a:p>
         </p:txBody>
       </p:sp>
+      <p:pic>
+        <p:nvPicPr>
+          <p:cNvPr id="4" name="Picture 3"/>
+          <p:cNvPicPr>
+            <a:picLocks noChangeAspect="1"/>
+          </p:cNvPicPr>
+          <p:nvPr/>
+        </p:nvPicPr>
+        <p:blipFill>
+          <a:blip r:embed="rId2" cstate="print">
+            <a:extLst>
+              <a:ext uri="{28A0092B-C50C-407E-A947-70E740481C1C}">
+                <a14:useLocalDpi xmlns:a14="http://schemas.microsoft.com/office/drawing/2010/main" val="0"/>
+              </a:ext>
+            </a:extLst>
+          </a:blip>
+          <a:stretch>
+            <a:fillRect/>
+          </a:stretch>
+        </p:blipFill>
+        <p:spPr>
+          <a:xfrm>
+            <a:off x="10737537" y="274637"/>
+            <a:ext cx="838200" cy="838200"/>
+          </a:xfrm>
+          <a:prstGeom prst="rect">
+            <a:avLst/>
+          </a:prstGeom>
+        </p:spPr>
+      </p:pic>
     </p:spTree>
     <p:extLst>
       <p:ext uri="{BB962C8B-B14F-4D97-AF65-F5344CB8AC3E}">
@@ -30466,13 +30777,13 @@
   <p:clrMapOvr>
     <a:masterClrMapping/>
   </p:clrMapOvr>
-  <mc:AlternateContent xmlns:mc="http://schemas.openxmlformats.org/markup-compatibility/2006">
-    <mc:Choice xmlns:p14="http://schemas.microsoft.com/office/powerpoint/2010/main" Requires="p14">
+  <mc:AlternateContent xmlns:mc="http://schemas.openxmlformats.org/markup-compatibility/2006" xmlns:p14="http://schemas.microsoft.com/office/powerpoint/2010/main">
+    <mc:Choice Requires="p14">
       <p:transition spd="med" p14:dur="700">
         <p:fade/>
       </p:transition>
     </mc:Choice>
-    <mc:Fallback>
+    <mc:Fallback xmlns="">
       <p:transition spd="med">
         <p:fade/>
       </p:transition>
@@ -30603,6 +30914,36 @@
           </a:p>
         </p:txBody>
       </p:sp>
+      <p:pic>
+        <p:nvPicPr>
+          <p:cNvPr id="4" name="Picture 3"/>
+          <p:cNvPicPr>
+            <a:picLocks noChangeAspect="1"/>
+          </p:cNvPicPr>
+          <p:nvPr/>
+        </p:nvPicPr>
+        <p:blipFill>
+          <a:blip r:embed="rId2" cstate="print">
+            <a:extLst>
+              <a:ext uri="{28A0092B-C50C-407E-A947-70E740481C1C}">
+                <a14:useLocalDpi xmlns:a14="http://schemas.microsoft.com/office/drawing/2010/main" val="0"/>
+              </a:ext>
+            </a:extLst>
+          </a:blip>
+          <a:stretch>
+            <a:fillRect/>
+          </a:stretch>
+        </p:blipFill>
+        <p:spPr>
+          <a:xfrm>
+            <a:off x="10737537" y="274637"/>
+            <a:ext cx="838200" cy="838200"/>
+          </a:xfrm>
+          <a:prstGeom prst="rect">
+            <a:avLst/>
+          </a:prstGeom>
+        </p:spPr>
+      </p:pic>
     </p:spTree>
     <p:extLst>
       <p:ext uri="{BB962C8B-B14F-4D97-AF65-F5344CB8AC3E}">
@@ -30613,13 +30954,13 @@
   <p:clrMapOvr>
     <a:masterClrMapping/>
   </p:clrMapOvr>
-  <mc:AlternateContent xmlns:mc="http://schemas.openxmlformats.org/markup-compatibility/2006">
-    <mc:Choice xmlns:p14="http://schemas.microsoft.com/office/powerpoint/2010/main" Requires="p14">
+  <mc:AlternateContent xmlns:mc="http://schemas.openxmlformats.org/markup-compatibility/2006" xmlns:p14="http://schemas.microsoft.com/office/powerpoint/2010/main">
+    <mc:Choice Requires="p14">
       <p:transition spd="med" p14:dur="700">
         <p:fade/>
       </p:transition>
     </mc:Choice>
-    <mc:Fallback>
+    <mc:Fallback xmlns="">
       <p:transition spd="med">
         <p:fade/>
       </p:transition>
@@ -30694,11 +31035,7 @@
           <a:p>
             <a:r>
               <a:rPr lang="en-US" sz="3200" dirty="0" smtClean="0"/>
-              <a:t>GYM </a:t>
-            </a:r>
-            <a:r>
-              <a:rPr lang="en-US" sz="3200" dirty="0" smtClean="0"/>
-              <a:t>MEMBERS – anonymous survey</a:t>
+              <a:t>GYM MEMBERS – anonymous survey</a:t>
             </a:r>
           </a:p>
           <a:p>
@@ -30759,6 +31096,36 @@
           </a:p>
         </p:txBody>
       </p:sp>
+      <p:pic>
+        <p:nvPicPr>
+          <p:cNvPr id="4" name="Picture 3"/>
+          <p:cNvPicPr>
+            <a:picLocks noChangeAspect="1"/>
+          </p:cNvPicPr>
+          <p:nvPr/>
+        </p:nvPicPr>
+        <p:blipFill>
+          <a:blip r:embed="rId2" cstate="print">
+            <a:extLst>
+              <a:ext uri="{28A0092B-C50C-407E-A947-70E740481C1C}">
+                <a14:useLocalDpi xmlns:a14="http://schemas.microsoft.com/office/drawing/2010/main" val="0"/>
+              </a:ext>
+            </a:extLst>
+          </a:blip>
+          <a:stretch>
+            <a:fillRect/>
+          </a:stretch>
+        </p:blipFill>
+        <p:spPr>
+          <a:xfrm>
+            <a:off x="10737537" y="274637"/>
+            <a:ext cx="838200" cy="838200"/>
+          </a:xfrm>
+          <a:prstGeom prst="rect">
+            <a:avLst/>
+          </a:prstGeom>
+        </p:spPr>
+      </p:pic>
     </p:spTree>
     <p:extLst>
       <p:ext uri="{BB962C8B-B14F-4D97-AF65-F5344CB8AC3E}">
@@ -30769,13 +31136,776 @@
   <p:clrMapOvr>
     <a:masterClrMapping/>
   </p:clrMapOvr>
-  <mc:AlternateContent xmlns:mc="http://schemas.openxmlformats.org/markup-compatibility/2006">
-    <mc:Choice xmlns:p14="http://schemas.microsoft.com/office/powerpoint/2010/main" Requires="p14">
+  <mc:AlternateContent xmlns:mc="http://schemas.openxmlformats.org/markup-compatibility/2006" xmlns:p14="http://schemas.microsoft.com/office/powerpoint/2010/main">
+    <mc:Choice Requires="p14">
       <p:transition spd="med" p14:dur="700">
         <p:fade/>
       </p:transition>
     </mc:Choice>
-    <mc:Fallback>
+    <mc:Fallback xmlns="">
+      <p:transition spd="med">
+        <p:fade/>
+      </p:transition>
+    </mc:Fallback>
+  </mc:AlternateContent>
+  <p:timing>
+    <p:tnLst>
+      <p:par>
+        <p:cTn id="1" dur="indefinite" restart="never" nodeType="tmRoot"/>
+      </p:par>
+    </p:tnLst>
+  </p:timing>
+</p:sld>
+</file>
+
+<file path=ppt/slides/slide22.xml><?xml version="1.0" encoding="utf-8"?>
+<p:sld xmlns:a="http://schemas.openxmlformats.org/drawingml/2006/main" xmlns:r="http://schemas.openxmlformats.org/officeDocument/2006/relationships" xmlns:p="http://schemas.openxmlformats.org/presentationml/2006/main">
+  <p:cSld>
+    <p:spTree>
+      <p:nvGrpSpPr>
+        <p:cNvPr id="1" name=""/>
+        <p:cNvGrpSpPr/>
+        <p:nvPr/>
+      </p:nvGrpSpPr>
+      <p:grpSpPr>
+        <a:xfrm>
+          <a:off x="0" y="0"/>
+          <a:ext cx="0" cy="0"/>
+          <a:chOff x="0" y="0"/>
+          <a:chExt cx="0" cy="0"/>
+        </a:xfrm>
+      </p:grpSpPr>
+      <p:sp>
+        <p:nvSpPr>
+          <p:cNvPr id="2" name="Title 1"/>
+          <p:cNvSpPr>
+            <a:spLocks noGrp="1"/>
+          </p:cNvSpPr>
+          <p:nvPr>
+            <p:ph type="title"/>
+          </p:nvPr>
+        </p:nvSpPr>
+        <p:spPr/>
+        <p:txBody>
+          <a:bodyPr/>
+          <a:lstStyle/>
+          <a:p>
+            <a:r>
+              <a:rPr lang="en-US" dirty="0" smtClean="0"/>
+              <a:t>Member Login</a:t>
+            </a:r>
+            <a:endParaRPr lang="en-US" dirty="0"/>
+          </a:p>
+        </p:txBody>
+      </p:sp>
+      <p:pic>
+        <p:nvPicPr>
+          <p:cNvPr id="4" name="Content Placeholder 3"/>
+          <p:cNvPicPr>
+            <a:picLocks noGrp="1" noChangeAspect="1"/>
+          </p:cNvPicPr>
+          <p:nvPr>
+            <p:ph idx="1"/>
+          </p:nvPr>
+        </p:nvPicPr>
+        <p:blipFill>
+          <a:blip r:embed="rId2">
+            <a:extLst>
+              <a:ext uri="{28A0092B-C50C-407E-A947-70E740481C1C}">
+                <a14:useLocalDpi xmlns:a14="http://schemas.microsoft.com/office/drawing/2010/main" val="0"/>
+              </a:ext>
+            </a:extLst>
+          </a:blip>
+          <a:stretch>
+            <a:fillRect/>
+          </a:stretch>
+        </p:blipFill>
+        <p:spPr>
+          <a:xfrm>
+            <a:off x="3586174" y="1701800"/>
+            <a:ext cx="5626077" cy="4462463"/>
+          </a:xfrm>
+        </p:spPr>
+      </p:pic>
+      <p:pic>
+        <p:nvPicPr>
+          <p:cNvPr id="5" name="Picture 4"/>
+          <p:cNvPicPr>
+            <a:picLocks noChangeAspect="1"/>
+          </p:cNvPicPr>
+          <p:nvPr/>
+        </p:nvPicPr>
+        <p:blipFill>
+          <a:blip r:embed="rId3" cstate="print">
+            <a:extLst>
+              <a:ext uri="{28A0092B-C50C-407E-A947-70E740481C1C}">
+                <a14:useLocalDpi xmlns:a14="http://schemas.microsoft.com/office/drawing/2010/main" val="0"/>
+              </a:ext>
+            </a:extLst>
+          </a:blip>
+          <a:stretch>
+            <a:fillRect/>
+          </a:stretch>
+        </p:blipFill>
+        <p:spPr>
+          <a:xfrm>
+            <a:off x="10737537" y="274637"/>
+            <a:ext cx="838200" cy="838200"/>
+          </a:xfrm>
+          <a:prstGeom prst="rect">
+            <a:avLst/>
+          </a:prstGeom>
+        </p:spPr>
+      </p:pic>
+    </p:spTree>
+    <p:extLst>
+      <p:ext uri="{BB962C8B-B14F-4D97-AF65-F5344CB8AC3E}">
+        <p14:creationId xmlns:p14="http://schemas.microsoft.com/office/powerpoint/2010/main" val="4053354180"/>
+      </p:ext>
+    </p:extLst>
+  </p:cSld>
+  <p:clrMapOvr>
+    <a:masterClrMapping/>
+  </p:clrMapOvr>
+  <mc:AlternateContent xmlns:mc="http://schemas.openxmlformats.org/markup-compatibility/2006" xmlns:p14="http://schemas.microsoft.com/office/powerpoint/2010/main">
+    <mc:Choice Requires="p14">
+      <p:transition spd="med" p14:dur="700">
+        <p:fade/>
+      </p:transition>
+    </mc:Choice>
+    <mc:Fallback xmlns="">
+      <p:transition spd="med">
+        <p:fade/>
+      </p:transition>
+    </mc:Fallback>
+  </mc:AlternateContent>
+  <p:timing>
+    <p:tnLst>
+      <p:par>
+        <p:cTn id="1" dur="indefinite" restart="never" nodeType="tmRoot"/>
+      </p:par>
+    </p:tnLst>
+  </p:timing>
+</p:sld>
+</file>
+
+<file path=ppt/slides/slide23.xml><?xml version="1.0" encoding="utf-8"?>
+<p:sld xmlns:a="http://schemas.openxmlformats.org/drawingml/2006/main" xmlns:r="http://schemas.openxmlformats.org/officeDocument/2006/relationships" xmlns:p="http://schemas.openxmlformats.org/presentationml/2006/main">
+  <p:cSld>
+    <p:spTree>
+      <p:nvGrpSpPr>
+        <p:cNvPr id="1" name=""/>
+        <p:cNvGrpSpPr/>
+        <p:nvPr/>
+      </p:nvGrpSpPr>
+      <p:grpSpPr>
+        <a:xfrm>
+          <a:off x="0" y="0"/>
+          <a:ext cx="0" cy="0"/>
+          <a:chOff x="0" y="0"/>
+          <a:chExt cx="0" cy="0"/>
+        </a:xfrm>
+      </p:grpSpPr>
+      <p:sp>
+        <p:nvSpPr>
+          <p:cNvPr id="2" name="Title 1"/>
+          <p:cNvSpPr>
+            <a:spLocks noGrp="1"/>
+          </p:cNvSpPr>
+          <p:nvPr>
+            <p:ph type="title"/>
+          </p:nvPr>
+        </p:nvSpPr>
+        <p:spPr/>
+        <p:txBody>
+          <a:bodyPr/>
+          <a:lstStyle/>
+          <a:p>
+            <a:r>
+              <a:rPr lang="en-US" dirty="0" smtClean="0"/>
+              <a:t>Create Account</a:t>
+            </a:r>
+            <a:endParaRPr lang="en-US" dirty="0"/>
+          </a:p>
+        </p:txBody>
+      </p:sp>
+      <p:pic>
+        <p:nvPicPr>
+          <p:cNvPr id="4" name="Content Placeholder 3"/>
+          <p:cNvPicPr>
+            <a:picLocks noGrp="1" noChangeAspect="1"/>
+          </p:cNvPicPr>
+          <p:nvPr>
+            <p:ph idx="1"/>
+          </p:nvPr>
+        </p:nvPicPr>
+        <p:blipFill>
+          <a:blip r:embed="rId2">
+            <a:extLst>
+              <a:ext uri="{28A0092B-C50C-407E-A947-70E740481C1C}">
+                <a14:useLocalDpi xmlns:a14="http://schemas.microsoft.com/office/drawing/2010/main" val="0"/>
+              </a:ext>
+            </a:extLst>
+          </a:blip>
+          <a:stretch>
+            <a:fillRect/>
+          </a:stretch>
+        </p:blipFill>
+        <p:spPr>
+          <a:xfrm>
+            <a:off x="3424237" y="1701800"/>
+            <a:ext cx="5949950" cy="4462463"/>
+          </a:xfrm>
+        </p:spPr>
+      </p:pic>
+      <p:pic>
+        <p:nvPicPr>
+          <p:cNvPr id="5" name="Picture 4"/>
+          <p:cNvPicPr>
+            <a:picLocks noChangeAspect="1"/>
+          </p:cNvPicPr>
+          <p:nvPr/>
+        </p:nvPicPr>
+        <p:blipFill>
+          <a:blip r:embed="rId3" cstate="print">
+            <a:extLst>
+              <a:ext uri="{28A0092B-C50C-407E-A947-70E740481C1C}">
+                <a14:useLocalDpi xmlns:a14="http://schemas.microsoft.com/office/drawing/2010/main" val="0"/>
+              </a:ext>
+            </a:extLst>
+          </a:blip>
+          <a:stretch>
+            <a:fillRect/>
+          </a:stretch>
+        </p:blipFill>
+        <p:spPr>
+          <a:xfrm>
+            <a:off x="10737537" y="274637"/>
+            <a:ext cx="838200" cy="838200"/>
+          </a:xfrm>
+          <a:prstGeom prst="rect">
+            <a:avLst/>
+          </a:prstGeom>
+        </p:spPr>
+      </p:pic>
+    </p:spTree>
+    <p:extLst>
+      <p:ext uri="{BB962C8B-B14F-4D97-AF65-F5344CB8AC3E}">
+        <p14:creationId xmlns:p14="http://schemas.microsoft.com/office/powerpoint/2010/main" val="3141578429"/>
+      </p:ext>
+    </p:extLst>
+  </p:cSld>
+  <p:clrMapOvr>
+    <a:masterClrMapping/>
+  </p:clrMapOvr>
+  <mc:AlternateContent xmlns:mc="http://schemas.openxmlformats.org/markup-compatibility/2006" xmlns:p14="http://schemas.microsoft.com/office/powerpoint/2010/main">
+    <mc:Choice Requires="p14">
+      <p:transition spd="med" p14:dur="700">
+        <p:fade/>
+      </p:transition>
+    </mc:Choice>
+    <mc:Fallback xmlns="">
+      <p:transition spd="med">
+        <p:fade/>
+      </p:transition>
+    </mc:Fallback>
+  </mc:AlternateContent>
+  <p:timing>
+    <p:tnLst>
+      <p:par>
+        <p:cTn id="1" dur="indefinite" restart="never" nodeType="tmRoot"/>
+      </p:par>
+    </p:tnLst>
+  </p:timing>
+</p:sld>
+</file>
+
+<file path=ppt/slides/slide24.xml><?xml version="1.0" encoding="utf-8"?>
+<p:sld xmlns:a="http://schemas.openxmlformats.org/drawingml/2006/main" xmlns:r="http://schemas.openxmlformats.org/officeDocument/2006/relationships" xmlns:p="http://schemas.openxmlformats.org/presentationml/2006/main">
+  <p:cSld>
+    <p:spTree>
+      <p:nvGrpSpPr>
+        <p:cNvPr id="1" name=""/>
+        <p:cNvGrpSpPr/>
+        <p:nvPr/>
+      </p:nvGrpSpPr>
+      <p:grpSpPr>
+        <a:xfrm>
+          <a:off x="0" y="0"/>
+          <a:ext cx="0" cy="0"/>
+          <a:chOff x="0" y="0"/>
+          <a:chExt cx="0" cy="0"/>
+        </a:xfrm>
+      </p:grpSpPr>
+      <p:sp>
+        <p:nvSpPr>
+          <p:cNvPr id="2" name="Title 1"/>
+          <p:cNvSpPr>
+            <a:spLocks noGrp="1"/>
+          </p:cNvSpPr>
+          <p:nvPr>
+            <p:ph type="title"/>
+          </p:nvPr>
+        </p:nvSpPr>
+        <p:spPr/>
+        <p:txBody>
+          <a:bodyPr/>
+          <a:lstStyle/>
+          <a:p>
+            <a:r>
+              <a:rPr lang="en-US" dirty="0" smtClean="0"/>
+              <a:t>Member Landing Page</a:t>
+            </a:r>
+            <a:endParaRPr lang="en-US" dirty="0"/>
+          </a:p>
+        </p:txBody>
+      </p:sp>
+      <p:pic>
+        <p:nvPicPr>
+          <p:cNvPr id="4" name="Content Placeholder 3"/>
+          <p:cNvPicPr>
+            <a:picLocks noGrp="1" noChangeAspect="1"/>
+          </p:cNvPicPr>
+          <p:nvPr>
+            <p:ph idx="1"/>
+          </p:nvPr>
+        </p:nvPicPr>
+        <p:blipFill>
+          <a:blip r:embed="rId2">
+            <a:extLst>
+              <a:ext uri="{28A0092B-C50C-407E-A947-70E740481C1C}">
+                <a14:useLocalDpi xmlns:a14="http://schemas.microsoft.com/office/drawing/2010/main" val="0"/>
+              </a:ext>
+            </a:extLst>
+          </a:blip>
+          <a:stretch>
+            <a:fillRect/>
+          </a:stretch>
+        </p:blipFill>
+        <p:spPr>
+          <a:xfrm>
+            <a:off x="4183130" y="1701800"/>
+            <a:ext cx="4432164" cy="4462463"/>
+          </a:xfrm>
+        </p:spPr>
+      </p:pic>
+      <p:pic>
+        <p:nvPicPr>
+          <p:cNvPr id="5" name="Picture 4"/>
+          <p:cNvPicPr>
+            <a:picLocks noChangeAspect="1"/>
+          </p:cNvPicPr>
+          <p:nvPr/>
+        </p:nvPicPr>
+        <p:blipFill>
+          <a:blip r:embed="rId3" cstate="print">
+            <a:extLst>
+              <a:ext uri="{28A0092B-C50C-407E-A947-70E740481C1C}">
+                <a14:useLocalDpi xmlns:a14="http://schemas.microsoft.com/office/drawing/2010/main" val="0"/>
+              </a:ext>
+            </a:extLst>
+          </a:blip>
+          <a:stretch>
+            <a:fillRect/>
+          </a:stretch>
+        </p:blipFill>
+        <p:spPr>
+          <a:xfrm>
+            <a:off x="10737537" y="274637"/>
+            <a:ext cx="838200" cy="838200"/>
+          </a:xfrm>
+          <a:prstGeom prst="rect">
+            <a:avLst/>
+          </a:prstGeom>
+        </p:spPr>
+      </p:pic>
+    </p:spTree>
+    <p:extLst>
+      <p:ext uri="{BB962C8B-B14F-4D97-AF65-F5344CB8AC3E}">
+        <p14:creationId xmlns:p14="http://schemas.microsoft.com/office/powerpoint/2010/main" val="1844283175"/>
+      </p:ext>
+    </p:extLst>
+  </p:cSld>
+  <p:clrMapOvr>
+    <a:masterClrMapping/>
+  </p:clrMapOvr>
+  <mc:AlternateContent xmlns:mc="http://schemas.openxmlformats.org/markup-compatibility/2006" xmlns:p14="http://schemas.microsoft.com/office/powerpoint/2010/main">
+    <mc:Choice Requires="p14">
+      <p:transition spd="med" p14:dur="700">
+        <p:fade/>
+      </p:transition>
+    </mc:Choice>
+    <mc:Fallback xmlns="">
+      <p:transition spd="med">
+        <p:fade/>
+      </p:transition>
+    </mc:Fallback>
+  </mc:AlternateContent>
+  <p:timing>
+    <p:tnLst>
+      <p:par>
+        <p:cTn id="1" dur="indefinite" restart="never" nodeType="tmRoot"/>
+      </p:par>
+    </p:tnLst>
+  </p:timing>
+</p:sld>
+</file>
+
+<file path=ppt/slides/slide25.xml><?xml version="1.0" encoding="utf-8"?>
+<p:sld xmlns:a="http://schemas.openxmlformats.org/drawingml/2006/main" xmlns:r="http://schemas.openxmlformats.org/officeDocument/2006/relationships" xmlns:p="http://schemas.openxmlformats.org/presentationml/2006/main">
+  <p:cSld>
+    <p:spTree>
+      <p:nvGrpSpPr>
+        <p:cNvPr id="1" name=""/>
+        <p:cNvGrpSpPr/>
+        <p:nvPr/>
+      </p:nvGrpSpPr>
+      <p:grpSpPr>
+        <a:xfrm>
+          <a:off x="0" y="0"/>
+          <a:ext cx="0" cy="0"/>
+          <a:chOff x="0" y="0"/>
+          <a:chExt cx="0" cy="0"/>
+        </a:xfrm>
+      </p:grpSpPr>
+      <p:sp>
+        <p:nvSpPr>
+          <p:cNvPr id="2" name="Title 1"/>
+          <p:cNvSpPr>
+            <a:spLocks noGrp="1"/>
+          </p:cNvSpPr>
+          <p:nvPr>
+            <p:ph type="title"/>
+          </p:nvPr>
+        </p:nvSpPr>
+        <p:spPr/>
+        <p:txBody>
+          <a:bodyPr/>
+          <a:lstStyle/>
+          <a:p>
+            <a:r>
+              <a:rPr lang="en-US" dirty="0" smtClean="0"/>
+              <a:t>Change Password</a:t>
+            </a:r>
+            <a:endParaRPr lang="en-US" dirty="0"/>
+          </a:p>
+        </p:txBody>
+      </p:sp>
+      <p:pic>
+        <p:nvPicPr>
+          <p:cNvPr id="4" name="Content Placeholder 3"/>
+          <p:cNvPicPr>
+            <a:picLocks noGrp="1" noChangeAspect="1"/>
+          </p:cNvPicPr>
+          <p:nvPr>
+            <p:ph idx="1"/>
+          </p:nvPr>
+        </p:nvPicPr>
+        <p:blipFill>
+          <a:blip r:embed="rId2">
+            <a:extLst>
+              <a:ext uri="{28A0092B-C50C-407E-A947-70E740481C1C}">
+                <a14:useLocalDpi xmlns:a14="http://schemas.microsoft.com/office/drawing/2010/main" val="0"/>
+              </a:ext>
+            </a:extLst>
+          </a:blip>
+          <a:stretch>
+            <a:fillRect/>
+          </a:stretch>
+        </p:blipFill>
+        <p:spPr>
+          <a:xfrm>
+            <a:off x="3424237" y="1701800"/>
+            <a:ext cx="5949950" cy="4462463"/>
+          </a:xfrm>
+        </p:spPr>
+      </p:pic>
+      <p:pic>
+        <p:nvPicPr>
+          <p:cNvPr id="5" name="Picture 4"/>
+          <p:cNvPicPr>
+            <a:picLocks noChangeAspect="1"/>
+          </p:cNvPicPr>
+          <p:nvPr/>
+        </p:nvPicPr>
+        <p:blipFill>
+          <a:blip r:embed="rId3" cstate="print">
+            <a:extLst>
+              <a:ext uri="{28A0092B-C50C-407E-A947-70E740481C1C}">
+                <a14:useLocalDpi xmlns:a14="http://schemas.microsoft.com/office/drawing/2010/main" val="0"/>
+              </a:ext>
+            </a:extLst>
+          </a:blip>
+          <a:stretch>
+            <a:fillRect/>
+          </a:stretch>
+        </p:blipFill>
+        <p:spPr>
+          <a:xfrm>
+            <a:off x="10737537" y="274637"/>
+            <a:ext cx="838200" cy="838200"/>
+          </a:xfrm>
+          <a:prstGeom prst="rect">
+            <a:avLst/>
+          </a:prstGeom>
+        </p:spPr>
+      </p:pic>
+    </p:spTree>
+    <p:extLst>
+      <p:ext uri="{BB962C8B-B14F-4D97-AF65-F5344CB8AC3E}">
+        <p14:creationId xmlns:p14="http://schemas.microsoft.com/office/powerpoint/2010/main" val="1484889210"/>
+      </p:ext>
+    </p:extLst>
+  </p:cSld>
+  <p:clrMapOvr>
+    <a:masterClrMapping/>
+  </p:clrMapOvr>
+  <mc:AlternateContent xmlns:mc="http://schemas.openxmlformats.org/markup-compatibility/2006" xmlns:p14="http://schemas.microsoft.com/office/powerpoint/2010/main">
+    <mc:Choice Requires="p14">
+      <p:transition spd="med" p14:dur="700">
+        <p:fade/>
+      </p:transition>
+    </mc:Choice>
+    <mc:Fallback xmlns="">
+      <p:transition spd="med">
+        <p:fade/>
+      </p:transition>
+    </mc:Fallback>
+  </mc:AlternateContent>
+  <p:timing>
+    <p:tnLst>
+      <p:par>
+        <p:cTn id="1" dur="indefinite" restart="never" nodeType="tmRoot"/>
+      </p:par>
+    </p:tnLst>
+  </p:timing>
+</p:sld>
+</file>
+
+<file path=ppt/slides/slide26.xml><?xml version="1.0" encoding="utf-8"?>
+<p:sld xmlns:a="http://schemas.openxmlformats.org/drawingml/2006/main" xmlns:r="http://schemas.openxmlformats.org/officeDocument/2006/relationships" xmlns:p="http://schemas.openxmlformats.org/presentationml/2006/main">
+  <p:cSld>
+    <p:spTree>
+      <p:nvGrpSpPr>
+        <p:cNvPr id="1" name=""/>
+        <p:cNvGrpSpPr/>
+        <p:nvPr/>
+      </p:nvGrpSpPr>
+      <p:grpSpPr>
+        <a:xfrm>
+          <a:off x="0" y="0"/>
+          <a:ext cx="0" cy="0"/>
+          <a:chOff x="0" y="0"/>
+          <a:chExt cx="0" cy="0"/>
+        </a:xfrm>
+      </p:grpSpPr>
+      <p:sp>
+        <p:nvSpPr>
+          <p:cNvPr id="2" name="Title 1"/>
+          <p:cNvSpPr>
+            <a:spLocks noGrp="1"/>
+          </p:cNvSpPr>
+          <p:nvPr>
+            <p:ph type="title"/>
+          </p:nvPr>
+        </p:nvSpPr>
+        <p:spPr/>
+        <p:txBody>
+          <a:bodyPr/>
+          <a:lstStyle/>
+          <a:p>
+            <a:r>
+              <a:rPr lang="en-US" dirty="0" smtClean="0"/>
+              <a:t>Employee Login</a:t>
+            </a:r>
+            <a:endParaRPr lang="en-US" dirty="0"/>
+          </a:p>
+        </p:txBody>
+      </p:sp>
+      <p:pic>
+        <p:nvPicPr>
+          <p:cNvPr id="4" name="Content Placeholder 3"/>
+          <p:cNvPicPr>
+            <a:picLocks noGrp="1" noChangeAspect="1"/>
+          </p:cNvPicPr>
+          <p:nvPr>
+            <p:ph idx="1"/>
+          </p:nvPr>
+        </p:nvPicPr>
+        <p:blipFill>
+          <a:blip r:embed="rId2">
+            <a:extLst>
+              <a:ext uri="{28A0092B-C50C-407E-A947-70E740481C1C}">
+                <a14:useLocalDpi xmlns:a14="http://schemas.microsoft.com/office/drawing/2010/main" val="0"/>
+              </a:ext>
+            </a:extLst>
+          </a:blip>
+          <a:stretch>
+            <a:fillRect/>
+          </a:stretch>
+        </p:blipFill>
+        <p:spPr>
+          <a:xfrm>
+            <a:off x="3424237" y="1701800"/>
+            <a:ext cx="5949950" cy="4462463"/>
+          </a:xfrm>
+        </p:spPr>
+      </p:pic>
+      <p:pic>
+        <p:nvPicPr>
+          <p:cNvPr id="5" name="Picture 4"/>
+          <p:cNvPicPr>
+            <a:picLocks noChangeAspect="1"/>
+          </p:cNvPicPr>
+          <p:nvPr/>
+        </p:nvPicPr>
+        <p:blipFill>
+          <a:blip r:embed="rId3" cstate="print">
+            <a:extLst>
+              <a:ext uri="{28A0092B-C50C-407E-A947-70E740481C1C}">
+                <a14:useLocalDpi xmlns:a14="http://schemas.microsoft.com/office/drawing/2010/main" val="0"/>
+              </a:ext>
+            </a:extLst>
+          </a:blip>
+          <a:stretch>
+            <a:fillRect/>
+          </a:stretch>
+        </p:blipFill>
+        <p:spPr>
+          <a:xfrm>
+            <a:off x="10737537" y="274637"/>
+            <a:ext cx="838200" cy="838200"/>
+          </a:xfrm>
+          <a:prstGeom prst="rect">
+            <a:avLst/>
+          </a:prstGeom>
+        </p:spPr>
+      </p:pic>
+    </p:spTree>
+    <p:extLst>
+      <p:ext uri="{BB962C8B-B14F-4D97-AF65-F5344CB8AC3E}">
+        <p14:creationId xmlns:p14="http://schemas.microsoft.com/office/powerpoint/2010/main" val="393787861"/>
+      </p:ext>
+    </p:extLst>
+  </p:cSld>
+  <p:clrMapOvr>
+    <a:masterClrMapping/>
+  </p:clrMapOvr>
+  <mc:AlternateContent xmlns:mc="http://schemas.openxmlformats.org/markup-compatibility/2006" xmlns:p14="http://schemas.microsoft.com/office/powerpoint/2010/main">
+    <mc:Choice Requires="p14">
+      <p:transition spd="med" p14:dur="700">
+        <p:fade/>
+      </p:transition>
+    </mc:Choice>
+    <mc:Fallback xmlns="">
+      <p:transition spd="med">
+        <p:fade/>
+      </p:transition>
+    </mc:Fallback>
+  </mc:AlternateContent>
+  <p:timing>
+    <p:tnLst>
+      <p:par>
+        <p:cTn id="1" dur="indefinite" restart="never" nodeType="tmRoot"/>
+      </p:par>
+    </p:tnLst>
+  </p:timing>
+</p:sld>
+</file>
+
+<file path=ppt/slides/slide27.xml><?xml version="1.0" encoding="utf-8"?>
+<p:sld xmlns:a="http://schemas.openxmlformats.org/drawingml/2006/main" xmlns:r="http://schemas.openxmlformats.org/officeDocument/2006/relationships" xmlns:p="http://schemas.openxmlformats.org/presentationml/2006/main">
+  <p:cSld>
+    <p:spTree>
+      <p:nvGrpSpPr>
+        <p:cNvPr id="1" name=""/>
+        <p:cNvGrpSpPr/>
+        <p:nvPr/>
+      </p:nvGrpSpPr>
+      <p:grpSpPr>
+        <a:xfrm>
+          <a:off x="0" y="0"/>
+          <a:ext cx="0" cy="0"/>
+          <a:chOff x="0" y="0"/>
+          <a:chExt cx="0" cy="0"/>
+        </a:xfrm>
+      </p:grpSpPr>
+      <p:sp>
+        <p:nvSpPr>
+          <p:cNvPr id="2" name="Title 1"/>
+          <p:cNvSpPr>
+            <a:spLocks noGrp="1"/>
+          </p:cNvSpPr>
+          <p:nvPr>
+            <p:ph type="title"/>
+          </p:nvPr>
+        </p:nvSpPr>
+        <p:spPr>
+          <a:xfrm>
+            <a:off x="10769" y="19264"/>
+            <a:ext cx="12178056" cy="6838736"/>
+          </a:xfrm>
+        </p:spPr>
+        <p:txBody>
+          <a:bodyPr anchor="ctr"/>
+          <a:lstStyle/>
+          <a:p>
+            <a:pPr algn="ctr"/>
+            <a:r>
+              <a:rPr lang="en-US" dirty="0" smtClean="0"/>
+              <a:t>Thank You!</a:t>
+            </a:r>
+            <a:endParaRPr lang="en-US" dirty="0"/>
+          </a:p>
+        </p:txBody>
+      </p:sp>
+      <p:pic>
+        <p:nvPicPr>
+          <p:cNvPr id="4" name="Picture 3"/>
+          <p:cNvPicPr>
+            <a:picLocks noChangeAspect="1"/>
+          </p:cNvPicPr>
+          <p:nvPr/>
+        </p:nvPicPr>
+        <p:blipFill>
+          <a:blip r:embed="rId2" cstate="print">
+            <a:extLst>
+              <a:ext uri="{28A0092B-C50C-407E-A947-70E740481C1C}">
+                <a14:useLocalDpi xmlns:a14="http://schemas.microsoft.com/office/drawing/2010/main" val="0"/>
+              </a:ext>
+            </a:extLst>
+          </a:blip>
+          <a:stretch>
+            <a:fillRect/>
+          </a:stretch>
+        </p:blipFill>
+        <p:spPr>
+          <a:xfrm>
+            <a:off x="10737537" y="274637"/>
+            <a:ext cx="838200" cy="838200"/>
+          </a:xfrm>
+          <a:prstGeom prst="rect">
+            <a:avLst/>
+          </a:prstGeom>
+        </p:spPr>
+      </p:pic>
+    </p:spTree>
+    <p:extLst>
+      <p:ext uri="{BB962C8B-B14F-4D97-AF65-F5344CB8AC3E}">
+        <p14:creationId xmlns:p14="http://schemas.microsoft.com/office/powerpoint/2010/main" val="433978578"/>
+      </p:ext>
+    </p:extLst>
+  </p:cSld>
+  <p:clrMapOvr>
+    <a:masterClrMapping/>
+  </p:clrMapOvr>
+  <mc:AlternateContent xmlns:mc="http://schemas.openxmlformats.org/markup-compatibility/2006" xmlns:p14="http://schemas.microsoft.com/office/powerpoint/2010/main">
+    <mc:Choice Requires="p14">
+      <p:transition spd="med" p14:dur="700">
+        <p:fade/>
+      </p:transition>
+    </mc:Choice>
+    <mc:Fallback xmlns="">
       <p:transition spd="med">
         <p:fade/>
       </p:transition>
@@ -30827,11 +31957,7 @@
           <a:p>
             <a:r>
               <a:rPr lang="en-US" sz="4400" b="1" dirty="0"/>
-              <a:t>EAGLE </a:t>
-            </a:r>
-            <a:r>
-              <a:rPr lang="en-US" sz="4400" b="1" dirty="0"/>
-              <a:t>CONSULTING</a:t>
+              <a:t>EAGLE CONSULTING</a:t>
             </a:r>
             <a:r>
               <a:rPr lang="en-US" sz="4299" b="1" dirty="0"/>
@@ -30844,7 +31970,6 @@
               <a:rPr lang="en-US" sz="3199" b="1" dirty="0"/>
               <a:t>Mission</a:t>
             </a:r>
-            <a:endParaRPr lang="en-US" sz="3199" b="1" dirty="0"/>
           </a:p>
         </p:txBody>
       </p:sp>
@@ -30871,62 +31996,63 @@
             </a:r>
             <a:r>
               <a:rPr lang="en-US" sz="3200" dirty="0"/>
-              <a:t>up to date on current IT developments so that we may provide the most effective solution for your specific business </a:t>
+              <a:t>up to date on current IT developments so that we may provide the most effective solution for your specific business needs</a:t>
             </a:r>
+          </a:p>
+          <a:p>
             <a:r>
               <a:rPr lang="en-US" sz="3200" dirty="0"/>
-              <a:t>needs</a:t>
+              <a:t>Aim to provide a fast, efficient, and most importantly effective IT answers</a:t>
             </a:r>
           </a:p>
           <a:p>
             <a:r>
               <a:rPr lang="en-US" sz="3200" dirty="0"/>
-              <a:t>Aim </a:t>
+              <a:t>Save you time and money</a:t>
             </a:r>
+          </a:p>
+          <a:p>
             <a:r>
               <a:rPr lang="en-US" sz="3200" dirty="0"/>
-              <a:t>to provide a fast, efficient, and most importantly effective IT </a:t>
-            </a:r>
-            <a:r>
-              <a:rPr lang="en-US" sz="3200" dirty="0"/>
-              <a:t>answers</a:t>
-            </a:r>
-          </a:p>
-          <a:p>
-            <a:r>
-              <a:rPr lang="en-US" sz="3200" dirty="0"/>
-              <a:t>Save </a:t>
-            </a:r>
-            <a:r>
-              <a:rPr lang="en-US" sz="3200" dirty="0"/>
-              <a:t>you time and </a:t>
-            </a:r>
-            <a:r>
-              <a:rPr lang="en-US" sz="3200" dirty="0"/>
-              <a:t>money</a:t>
-            </a:r>
-          </a:p>
-          <a:p>
-            <a:r>
-              <a:rPr lang="en-US" sz="3200" dirty="0"/>
-              <a:t>Have </a:t>
-            </a:r>
-            <a:r>
-              <a:rPr lang="en-US" sz="3200" dirty="0"/>
-              <a:t>a positive effect on the clientele you </a:t>
+              <a:t>Have a positive effect on the clientele you </a:t>
             </a:r>
             <a:r>
               <a:rPr lang="en-US" sz="2799" dirty="0"/>
-              <a:t>closely interact </a:t>
+              <a:t>closely interact with</a:t>
             </a:r>
-            <a:r>
-              <a:rPr lang="en-US" sz="2799" dirty="0"/>
-              <a:t>with</a:t>
-            </a:r>
-            <a:endParaRPr lang="en-US" sz="2799" dirty="0"/>
           </a:p>
         </p:txBody>
       </p:sp>
+      <p:pic>
+        <p:nvPicPr>
+          <p:cNvPr id="4" name="Picture 3"/>
+          <p:cNvPicPr>
+            <a:picLocks noChangeAspect="1"/>
+          </p:cNvPicPr>
+          <p:nvPr/>
+        </p:nvPicPr>
+        <p:blipFill>
+          <a:blip r:embed="rId2" cstate="print">
+            <a:extLst>
+              <a:ext uri="{28A0092B-C50C-407E-A947-70E740481C1C}">
+                <a14:useLocalDpi xmlns:a14="http://schemas.microsoft.com/office/drawing/2010/main" val="0"/>
+              </a:ext>
+            </a:extLst>
+          </a:blip>
+          <a:stretch>
+            <a:fillRect/>
+          </a:stretch>
+        </p:blipFill>
+        <p:spPr>
+          <a:xfrm>
+            <a:off x="10737537" y="274637"/>
+            <a:ext cx="838200" cy="838200"/>
+          </a:xfrm>
+          <a:prstGeom prst="rect">
+            <a:avLst/>
+          </a:prstGeom>
+        </p:spPr>
+      </p:pic>
     </p:spTree>
     <p:extLst>
       <p:ext uri="{BB962C8B-B14F-4D97-AF65-F5344CB8AC3E}">
@@ -30937,13 +32063,13 @@
   <p:clrMapOvr>
     <a:masterClrMapping/>
   </p:clrMapOvr>
-  <mc:AlternateContent xmlns:mc="http://schemas.openxmlformats.org/markup-compatibility/2006">
-    <mc:Choice xmlns:p14="http://schemas.microsoft.com/office/powerpoint/2010/main" Requires="p14">
+  <mc:AlternateContent xmlns:mc="http://schemas.openxmlformats.org/markup-compatibility/2006" xmlns:p14="http://schemas.microsoft.com/office/powerpoint/2010/main">
+    <mc:Choice Requires="p14">
       <p:transition spd="med" p14:dur="700">
         <p:fade/>
       </p:transition>
     </mc:Choice>
-    <mc:Fallback>
+    <mc:Fallback xmlns="">
       <p:transition spd="med">
         <p:fade/>
       </p:transition>
@@ -30995,11 +32121,7 @@
           <a:p>
             <a:r>
               <a:rPr lang="en-US" sz="4400" b="1" dirty="0"/>
-              <a:t>EAGLE </a:t>
-            </a:r>
-            <a:r>
-              <a:rPr lang="en-US" sz="4400" b="1" dirty="0"/>
-              <a:t>CONSULTING</a:t>
+              <a:t>EAGLE CONSULTING</a:t>
             </a:r>
             <a:r>
               <a:rPr lang="en-US" sz="4299" b="1" dirty="0"/>
@@ -31012,7 +32134,6 @@
               <a:rPr lang="en-US" sz="3199" b="1" dirty="0"/>
               <a:t>Vision</a:t>
             </a:r>
-            <a:endParaRPr lang="en-US" sz="3199" b="1" dirty="0"/>
           </a:p>
         </p:txBody>
       </p:sp>
@@ -31035,11 +32156,7 @@
           <a:p>
             <a:r>
               <a:rPr lang="en-US" sz="3199" dirty="0"/>
-              <a:t>Facilitate </a:t>
-            </a:r>
-            <a:r>
-              <a:rPr lang="en-US" sz="3199" dirty="0"/>
-              <a:t>an ever increasing amount of </a:t>
+              <a:t>Facilitate an ever increasing amount of </a:t>
             </a:r>
             <a:r>
               <a:rPr lang="en-US" sz="3199" dirty="0" smtClean="0"/>
@@ -31058,41 +32175,13 @@
           <a:p>
             <a:r>
               <a:rPr lang="en-US" sz="3199" dirty="0"/>
-              <a:t>Our </a:t>
+              <a:t>Our desire is to constantly learn and develop new techniques</a:t>
             </a:r>
+          </a:p>
+          <a:p>
             <a:r>
               <a:rPr lang="en-US" sz="3199" dirty="0"/>
-              <a:t>desire is to constantly learn and develop new </a:t>
-            </a:r>
-            <a:r>
-              <a:rPr lang="en-US" sz="3199" dirty="0"/>
-              <a:t>techniques</a:t>
-            </a:r>
-          </a:p>
-          <a:p>
-            <a:r>
-              <a:rPr lang="en-US" sz="3199" dirty="0"/>
-              <a:t>Aim </a:t>
-            </a:r>
-            <a:r>
-              <a:rPr lang="en-US" sz="3199" dirty="0"/>
-              <a:t>is to be the best at understanding what makes your company </a:t>
-            </a:r>
-            <a:r>
-              <a:rPr lang="en-US" sz="3199" dirty="0"/>
-              <a:t>special</a:t>
-            </a:r>
-            <a:r>
-              <a:rPr lang="en-US" sz="3199" dirty="0"/>
-              <a:t> </a:t>
-            </a:r>
-            <a:r>
-              <a:rPr lang="en-US" sz="3199" dirty="0"/>
-              <a:t>to provide the best </a:t>
-            </a:r>
-            <a:r>
-              <a:rPr lang="en-US" sz="3199" dirty="0"/>
-              <a:t>i</a:t>
+              <a:t>Aim is to be the best at understanding what makes your company special to provide the best i</a:t>
             </a:r>
             <a:r>
               <a:rPr lang="en-US" sz="3199" dirty="0" smtClean="0"/>
@@ -31118,6 +32207,36 @@
           </a:p>
         </p:txBody>
       </p:sp>
+      <p:pic>
+        <p:nvPicPr>
+          <p:cNvPr id="4" name="Picture 3"/>
+          <p:cNvPicPr>
+            <a:picLocks noChangeAspect="1"/>
+          </p:cNvPicPr>
+          <p:nvPr/>
+        </p:nvPicPr>
+        <p:blipFill>
+          <a:blip r:embed="rId2" cstate="print">
+            <a:extLst>
+              <a:ext uri="{28A0092B-C50C-407E-A947-70E740481C1C}">
+                <a14:useLocalDpi xmlns:a14="http://schemas.microsoft.com/office/drawing/2010/main" val="0"/>
+              </a:ext>
+            </a:extLst>
+          </a:blip>
+          <a:stretch>
+            <a:fillRect/>
+          </a:stretch>
+        </p:blipFill>
+        <p:spPr>
+          <a:xfrm>
+            <a:off x="10737537" y="274637"/>
+            <a:ext cx="838200" cy="838200"/>
+          </a:xfrm>
+          <a:prstGeom prst="rect">
+            <a:avLst/>
+          </a:prstGeom>
+        </p:spPr>
+      </p:pic>
     </p:spTree>
     <p:extLst>
       <p:ext uri="{BB962C8B-B14F-4D97-AF65-F5344CB8AC3E}">
@@ -31128,13 +32247,13 @@
   <p:clrMapOvr>
     <a:masterClrMapping/>
   </p:clrMapOvr>
-  <mc:AlternateContent xmlns:mc="http://schemas.openxmlformats.org/markup-compatibility/2006">
-    <mc:Choice xmlns:p14="http://schemas.microsoft.com/office/powerpoint/2010/main" Requires="p14">
+  <mc:AlternateContent xmlns:mc="http://schemas.openxmlformats.org/markup-compatibility/2006" xmlns:p14="http://schemas.microsoft.com/office/powerpoint/2010/main">
+    <mc:Choice Requires="p14">
       <p:transition spd="med" p14:dur="700">
         <p:fade/>
       </p:transition>
     </mc:Choice>
-    <mc:Fallback>
+    <mc:Fallback xmlns="">
       <p:transition spd="med">
         <p:fade/>
       </p:transition>
@@ -31242,10 +32361,39 @@
               <a:rPr lang="en-US" sz="3200" dirty="0"/>
               <a:t>Their corporate location currently operates out of Columbus, Ohio</a:t>
             </a:r>
-            <a:endParaRPr lang="en-US" sz="3200" dirty="0"/>
           </a:p>
         </p:txBody>
       </p:sp>
+      <p:pic>
+        <p:nvPicPr>
+          <p:cNvPr id="4" name="Picture 3"/>
+          <p:cNvPicPr>
+            <a:picLocks noChangeAspect="1"/>
+          </p:cNvPicPr>
+          <p:nvPr/>
+        </p:nvPicPr>
+        <p:blipFill>
+          <a:blip r:embed="rId2" cstate="print">
+            <a:extLst>
+              <a:ext uri="{28A0092B-C50C-407E-A947-70E740481C1C}">
+                <a14:useLocalDpi xmlns:a14="http://schemas.microsoft.com/office/drawing/2010/main" val="0"/>
+              </a:ext>
+            </a:extLst>
+          </a:blip>
+          <a:stretch>
+            <a:fillRect/>
+          </a:stretch>
+        </p:blipFill>
+        <p:spPr>
+          <a:xfrm>
+            <a:off x="10737537" y="274637"/>
+            <a:ext cx="838200" cy="838200"/>
+          </a:xfrm>
+          <a:prstGeom prst="rect">
+            <a:avLst/>
+          </a:prstGeom>
+        </p:spPr>
+      </p:pic>
     </p:spTree>
     <p:extLst>
       <p:ext uri="{BB962C8B-B14F-4D97-AF65-F5344CB8AC3E}">
@@ -31256,13 +32404,13 @@
   <p:clrMapOvr>
     <a:masterClrMapping/>
   </p:clrMapOvr>
-  <mc:AlternateContent xmlns:mc="http://schemas.openxmlformats.org/markup-compatibility/2006">
-    <mc:Choice xmlns:p14="http://schemas.microsoft.com/office/powerpoint/2010/main" Requires="p14">
+  <mc:AlternateContent xmlns:mc="http://schemas.openxmlformats.org/markup-compatibility/2006" xmlns:p14="http://schemas.microsoft.com/office/powerpoint/2010/main">
+    <mc:Choice Requires="p14">
       <p:transition spd="med" p14:dur="700">
         <p:fade/>
       </p:transition>
     </mc:Choice>
-    <mc:Fallback>
+    <mc:Fallback xmlns="">
       <p:transition spd="med">
         <p:fade/>
       </p:transition>
@@ -31382,6 +32530,36 @@
           </a:p>
         </p:txBody>
       </p:sp>
+      <p:pic>
+        <p:nvPicPr>
+          <p:cNvPr id="4" name="Picture 3"/>
+          <p:cNvPicPr>
+            <a:picLocks noChangeAspect="1"/>
+          </p:cNvPicPr>
+          <p:nvPr/>
+        </p:nvPicPr>
+        <p:blipFill>
+          <a:blip r:embed="rId2" cstate="print">
+            <a:extLst>
+              <a:ext uri="{28A0092B-C50C-407E-A947-70E740481C1C}">
+                <a14:useLocalDpi xmlns:a14="http://schemas.microsoft.com/office/drawing/2010/main" val="0"/>
+              </a:ext>
+            </a:extLst>
+          </a:blip>
+          <a:stretch>
+            <a:fillRect/>
+          </a:stretch>
+        </p:blipFill>
+        <p:spPr>
+          <a:xfrm>
+            <a:off x="10737537" y="274637"/>
+            <a:ext cx="838200" cy="838200"/>
+          </a:xfrm>
+          <a:prstGeom prst="rect">
+            <a:avLst/>
+          </a:prstGeom>
+        </p:spPr>
+      </p:pic>
     </p:spTree>
     <p:extLst>
       <p:ext uri="{BB962C8B-B14F-4D97-AF65-F5344CB8AC3E}">
@@ -31392,13 +32570,13 @@
   <p:clrMapOvr>
     <a:masterClrMapping/>
   </p:clrMapOvr>
-  <mc:AlternateContent xmlns:mc="http://schemas.openxmlformats.org/markup-compatibility/2006">
-    <mc:Choice xmlns:p14="http://schemas.microsoft.com/office/powerpoint/2010/main" Requires="p14">
+  <mc:AlternateContent xmlns:mc="http://schemas.openxmlformats.org/markup-compatibility/2006" xmlns:p14="http://schemas.microsoft.com/office/powerpoint/2010/main">
+    <mc:Choice Requires="p14">
       <p:transition spd="med" p14:dur="700">
         <p:fade/>
       </p:transition>
     </mc:Choice>
-    <mc:Fallback>
+    <mc:Fallback xmlns="">
       <p:transition spd="med">
         <p:fade/>
       </p:transition>
@@ -31443,7 +32621,7 @@
         </p:nvSpPr>
         <p:spPr>
           <a:xfrm>
-            <a:off x="1340770" y="305614"/>
+            <a:off x="999356" y="305614"/>
             <a:ext cx="9507284" cy="533261"/>
           </a:xfrm>
         </p:spPr>
@@ -31487,6 +32665,36 @@
           </a:graphicData>
         </a:graphic>
       </p:graphicFrame>
+      <p:pic>
+        <p:nvPicPr>
+          <p:cNvPr id="5" name="Picture 4"/>
+          <p:cNvPicPr>
+            <a:picLocks noChangeAspect="1"/>
+          </p:cNvPicPr>
+          <p:nvPr/>
+        </p:nvPicPr>
+        <p:blipFill>
+          <a:blip r:embed="rId7" cstate="print">
+            <a:extLst>
+              <a:ext uri="{28A0092B-C50C-407E-A947-70E740481C1C}">
+                <a14:useLocalDpi xmlns:a14="http://schemas.microsoft.com/office/drawing/2010/main" val="0"/>
+              </a:ext>
+            </a:extLst>
+          </a:blip>
+          <a:stretch>
+            <a:fillRect/>
+          </a:stretch>
+        </p:blipFill>
+        <p:spPr>
+          <a:xfrm>
+            <a:off x="10737537" y="274637"/>
+            <a:ext cx="838200" cy="838200"/>
+          </a:xfrm>
+          <a:prstGeom prst="rect">
+            <a:avLst/>
+          </a:prstGeom>
+        </p:spPr>
+      </p:pic>
     </p:spTree>
     <p:extLst>
       <p:ext uri="{BB962C8B-B14F-4D97-AF65-F5344CB8AC3E}">
@@ -31497,13 +32705,13 @@
   <p:clrMapOvr>
     <a:masterClrMapping/>
   </p:clrMapOvr>
-  <mc:AlternateContent xmlns:mc="http://schemas.openxmlformats.org/markup-compatibility/2006">
-    <mc:Choice xmlns:p14="http://schemas.microsoft.com/office/powerpoint/2010/main" Requires="p14">
+  <mc:AlternateContent xmlns:mc="http://schemas.openxmlformats.org/markup-compatibility/2006" xmlns:p14="http://schemas.microsoft.com/office/powerpoint/2010/main">
+    <mc:Choice Requires="p14">
       <p:transition spd="med" p14:dur="700">
         <p:fade/>
       </p:transition>
     </mc:Choice>
-    <mc:Fallback>
+    <mc:Fallback xmlns="">
       <p:transition spd="med">
         <p:fade/>
       </p:transition>
@@ -31589,6 +32797,36 @@
           </a:graphicData>
         </a:graphic>
       </p:graphicFrame>
+      <p:pic>
+        <p:nvPicPr>
+          <p:cNvPr id="5" name="Picture 4"/>
+          <p:cNvPicPr>
+            <a:picLocks noChangeAspect="1"/>
+          </p:cNvPicPr>
+          <p:nvPr/>
+        </p:nvPicPr>
+        <p:blipFill>
+          <a:blip r:embed="rId7" cstate="print">
+            <a:extLst>
+              <a:ext uri="{28A0092B-C50C-407E-A947-70E740481C1C}">
+                <a14:useLocalDpi xmlns:a14="http://schemas.microsoft.com/office/drawing/2010/main" val="0"/>
+              </a:ext>
+            </a:extLst>
+          </a:blip>
+          <a:stretch>
+            <a:fillRect/>
+          </a:stretch>
+        </p:blipFill>
+        <p:spPr>
+          <a:xfrm>
+            <a:off x="10737537" y="274637"/>
+            <a:ext cx="838200" cy="838200"/>
+          </a:xfrm>
+          <a:prstGeom prst="rect">
+            <a:avLst/>
+          </a:prstGeom>
+        </p:spPr>
+      </p:pic>
     </p:spTree>
     <p:extLst>
       <p:ext uri="{BB962C8B-B14F-4D97-AF65-F5344CB8AC3E}">
@@ -31599,13 +32837,13 @@
   <p:clrMapOvr>
     <a:masterClrMapping/>
   </p:clrMapOvr>
-  <mc:AlternateContent xmlns:mc="http://schemas.openxmlformats.org/markup-compatibility/2006">
-    <mc:Choice xmlns:p14="http://schemas.microsoft.com/office/powerpoint/2010/main" Requires="p14">
+  <mc:AlternateContent xmlns:mc="http://schemas.openxmlformats.org/markup-compatibility/2006" xmlns:p14="http://schemas.microsoft.com/office/powerpoint/2010/main">
+    <mc:Choice Requires="p14">
       <p:transition spd="med" p14:dur="700">
         <p:fade/>
       </p:transition>
     </mc:Choice>
-    <mc:Fallback>
+    <mc:Fallback xmlns="">
       <p:transition spd="med">
         <p:fade/>
       </p:transition>
@@ -31714,6 +32952,36 @@
           </a:p>
         </p:txBody>
       </p:sp>
+      <p:pic>
+        <p:nvPicPr>
+          <p:cNvPr id="4" name="Picture 3"/>
+          <p:cNvPicPr>
+            <a:picLocks noChangeAspect="1"/>
+          </p:cNvPicPr>
+          <p:nvPr/>
+        </p:nvPicPr>
+        <p:blipFill>
+          <a:blip r:embed="rId2" cstate="print">
+            <a:extLst>
+              <a:ext uri="{28A0092B-C50C-407E-A947-70E740481C1C}">
+                <a14:useLocalDpi xmlns:a14="http://schemas.microsoft.com/office/drawing/2010/main" val="0"/>
+              </a:ext>
+            </a:extLst>
+          </a:blip>
+          <a:stretch>
+            <a:fillRect/>
+          </a:stretch>
+        </p:blipFill>
+        <p:spPr>
+          <a:xfrm>
+            <a:off x="10737537" y="274637"/>
+            <a:ext cx="838200" cy="838200"/>
+          </a:xfrm>
+          <a:prstGeom prst="rect">
+            <a:avLst/>
+          </a:prstGeom>
+        </p:spPr>
+      </p:pic>
     </p:spTree>
     <p:extLst>
       <p:ext uri="{BB962C8B-B14F-4D97-AF65-F5344CB8AC3E}">
@@ -31724,13 +32992,13 @@
   <p:clrMapOvr>
     <a:masterClrMapping/>
   </p:clrMapOvr>
-  <mc:AlternateContent xmlns:mc="http://schemas.openxmlformats.org/markup-compatibility/2006">
-    <mc:Choice xmlns:p14="http://schemas.microsoft.com/office/powerpoint/2010/main" Requires="p14">
+  <mc:AlternateContent xmlns:mc="http://schemas.openxmlformats.org/markup-compatibility/2006" xmlns:p14="http://schemas.microsoft.com/office/powerpoint/2010/main">
+    <mc:Choice Requires="p14">
       <p:transition spd="med" p14:dur="700">
         <p:fade/>
       </p:transition>
     </mc:Choice>
-    <mc:Fallback>
+    <mc:Fallback xmlns="">
       <p:transition spd="med">
         <p:fade/>
       </p:transition>
@@ -33941,6 +35209,15 @@
 </file>
 
 <file path=customXml/item1.xml><?xml version="1.0" encoding="utf-8"?>
+<?mso-contentType ?>
+<FormTemplates xmlns="http://schemas.microsoft.com/sharepoint/v3/contenttype/forms">
+  <Display>DocumentLibraryForm</Display>
+  <Edit>AssetEditForm</Edit>
+  <New>DocumentLibraryForm</New>
+</FormTemplates>
+</file>
+
+<file path=customXml/item2.xml><?xml version="1.0" encoding="utf-8"?>
 <ct:contentTypeSchema xmlns:ct="http://schemas.microsoft.com/office/2006/metadata/contentType" xmlns:ma="http://schemas.microsoft.com/office/2006/metadata/properties/metaAttributes" ct:_="" ma:_="" ma:contentTypeName="TemplateFile" ma:contentTypeID="0x0101006EDDDB5EE6D98C44930B742096920B300400F5B6D36B3EF94B4E9A635CDF2A18F5B8" ma:contentTypeVersion="72" ma:contentTypeDescription="Create a new document." ma:contentTypeScope="" ma:versionID="a23e56308344d904b51738559c3d67c9">
   <xsd:schema xmlns:xsd="http://www.w3.org/2001/XMLSchema" xmlns:xs="http://www.w3.org/2001/XMLSchema" xmlns:p="http://schemas.microsoft.com/office/2006/metadata/properties" xmlns:ns2="4873beb7-5857-4685-be1f-d57550cc96cc" targetNamespace="http://schemas.microsoft.com/office/2006/metadata/properties" ma:root="true" ma:fieldsID="cd0908cc4600e77bf5da051303e00c8d" ns2:_="">
     <xsd:import namespace="4873beb7-5857-4685-be1f-d57550cc96cc"/>
@@ -34980,15 +36257,6 @@
 </ct:contentTypeSchema>
 </file>
 
-<file path=customXml/item2.xml><?xml version="1.0" encoding="utf-8"?>
-<?mso-contentType ?>
-<FormTemplates xmlns="http://schemas.microsoft.com/sharepoint/v3/contenttype/forms">
-  <Display>DocumentLibraryForm</Display>
-  <Edit>AssetEditForm</Edit>
-  <New>DocumentLibraryForm</New>
-</FormTemplates>
-</file>
-
 <file path=customXml/item3.xml><?xml version="1.0" encoding="utf-8"?>
 <p:properties xmlns:p="http://schemas.microsoft.com/office/2006/metadata/properties" xmlns:xsi="http://www.w3.org/2001/XMLSchema-instance" xmlns:pc="http://schemas.microsoft.com/office/infopath/2007/PartnerControls">
   <documentManagement>
@@ -35126,6 +36394,14 @@
 </file>
 
 <file path=customXml/itemProps1.xml><?xml version="1.0" encoding="utf-8"?>
+<ds:datastoreItem xmlns:ds="http://schemas.openxmlformats.org/officeDocument/2006/customXml" ds:itemID="{3836F65B-1B07-41EE-A0E8-BC6EF3855225}">
+  <ds:schemaRefs>
+    <ds:schemaRef ds:uri="http://schemas.microsoft.com/sharepoint/v3/contenttype/forms"/>
+  </ds:schemaRefs>
+</ds:datastoreItem>
+</file>
+
+<file path=customXml/itemProps2.xml><?xml version="1.0" encoding="utf-8"?>
 <ds:datastoreItem xmlns:ds="http://schemas.openxmlformats.org/officeDocument/2006/customXml" ds:itemID="{A09BF4D4-EF60-4196-BFC3-9462D607978C}">
   <ds:schemaRefs>
     <ds:schemaRef ds:uri="http://schemas.microsoft.com/office/2006/metadata/contentType"/>
@@ -35139,14 +36415,6 @@
     <ds:schemaRef ds:uri="http://purl.org/dc/elements/1.1/"/>
     <ds:schemaRef ds:uri="http://purl.org/dc/terms/"/>
     <ds:schemaRef ds:uri="http://schemas.microsoft.com/internal/obd"/>
-  </ds:schemaRefs>
-</ds:datastoreItem>
-</file>
-
-<file path=customXml/itemProps2.xml><?xml version="1.0" encoding="utf-8"?>
-<ds:datastoreItem xmlns:ds="http://schemas.openxmlformats.org/officeDocument/2006/customXml" ds:itemID="{3836F65B-1B07-41EE-A0E8-BC6EF3855225}">
-  <ds:schemaRefs>
-    <ds:schemaRef ds:uri="http://schemas.microsoft.com/sharepoint/v3/contenttype/forms"/>
   </ds:schemaRefs>
 </ds:datastoreItem>
 </file>

--- a/week3/thursday/Ever Health Final Plan.pptx
+++ b/week3/thursday/Ever Health Final Plan.pptx
@@ -5554,2785 +5554,6 @@
       <dsp:cNvGrpSpPr/>
     </dsp:nvGrpSpPr>
     <dsp:grpSpPr/>
-    <dsp:sp modelId="{86886F70-53AC-4A1D-B166-B252409AE4D6}">
-      <dsp:nvSpPr>
-        <dsp:cNvPr id="0" name=""/>
-        <dsp:cNvSpPr/>
-      </dsp:nvSpPr>
-      <dsp:spPr>
-        <a:xfrm>
-          <a:off x="9114911" y="1985159"/>
-          <a:ext cx="770468" cy="366672"/>
-        </a:xfrm>
-        <a:custGeom>
-          <a:avLst/>
-          <a:gdLst/>
-          <a:ahLst/>
-          <a:cxnLst/>
-          <a:rect l="0" t="0" r="0" b="0"/>
-          <a:pathLst>
-            <a:path>
-              <a:moveTo>
-                <a:pt x="0" y="0"/>
-              </a:moveTo>
-              <a:lnTo>
-                <a:pt x="0" y="249876"/>
-              </a:lnTo>
-              <a:lnTo>
-                <a:pt x="770468" y="249876"/>
-              </a:lnTo>
-              <a:lnTo>
-                <a:pt x="770468" y="366672"/>
-              </a:lnTo>
-            </a:path>
-          </a:pathLst>
-        </a:custGeom>
-        <a:noFill/>
-        <a:ln w="25400" cap="flat" cmpd="sng" algn="ctr">
-          <a:solidFill>
-            <a:schemeClr val="accent1">
-              <a:shade val="80000"/>
-              <a:hueOff val="0"/>
-              <a:satOff val="0"/>
-              <a:lumOff val="0"/>
-              <a:alphaOff val="0"/>
-            </a:schemeClr>
-          </a:solidFill>
-          <a:miter lim="800000"/>
-        </a:ln>
-        <a:effectLst/>
-      </dsp:spPr>
-      <dsp:style>
-        <a:lnRef idx="2">
-          <a:scrgbClr r="0" g="0" b="0"/>
-        </a:lnRef>
-        <a:fillRef idx="0">
-          <a:scrgbClr r="0" g="0" b="0"/>
-        </a:fillRef>
-        <a:effectRef idx="0">
-          <a:scrgbClr r="0" g="0" b="0"/>
-        </a:effectRef>
-        <a:fontRef idx="minor"/>
-      </dsp:style>
-    </dsp:sp>
-    <dsp:sp modelId="{119D0B73-716F-4D2A-AEE4-D492EC9766E1}">
-      <dsp:nvSpPr>
-        <dsp:cNvPr id="0" name=""/>
-        <dsp:cNvSpPr/>
-      </dsp:nvSpPr>
-      <dsp:spPr>
-        <a:xfrm>
-          <a:off x="8344442" y="1985159"/>
-          <a:ext cx="770468" cy="366672"/>
-        </a:xfrm>
-        <a:custGeom>
-          <a:avLst/>
-          <a:gdLst/>
-          <a:ahLst/>
-          <a:cxnLst/>
-          <a:rect l="0" t="0" r="0" b="0"/>
-          <a:pathLst>
-            <a:path>
-              <a:moveTo>
-                <a:pt x="770468" y="0"/>
-              </a:moveTo>
-              <a:lnTo>
-                <a:pt x="770468" y="249876"/>
-              </a:lnTo>
-              <a:lnTo>
-                <a:pt x="0" y="249876"/>
-              </a:lnTo>
-              <a:lnTo>
-                <a:pt x="0" y="366672"/>
-              </a:lnTo>
-            </a:path>
-          </a:pathLst>
-        </a:custGeom>
-        <a:noFill/>
-        <a:ln w="25400" cap="flat" cmpd="sng" algn="ctr">
-          <a:solidFill>
-            <a:schemeClr val="accent1">
-              <a:shade val="80000"/>
-              <a:hueOff val="0"/>
-              <a:satOff val="0"/>
-              <a:lumOff val="0"/>
-              <a:alphaOff val="0"/>
-            </a:schemeClr>
-          </a:solidFill>
-          <a:miter lim="800000"/>
-        </a:ln>
-        <a:effectLst/>
-      </dsp:spPr>
-      <dsp:style>
-        <a:lnRef idx="2">
-          <a:scrgbClr r="0" g="0" b="0"/>
-        </a:lnRef>
-        <a:fillRef idx="0">
-          <a:scrgbClr r="0" g="0" b="0"/>
-        </a:fillRef>
-        <a:effectRef idx="0">
-          <a:scrgbClr r="0" g="0" b="0"/>
-        </a:effectRef>
-        <a:fontRef idx="minor"/>
-      </dsp:style>
-    </dsp:sp>
-    <dsp:sp modelId="{63C1F878-72D2-4A3E-8C52-F4A9B1783C33}">
-      <dsp:nvSpPr>
-        <dsp:cNvPr id="0" name=""/>
-        <dsp:cNvSpPr/>
-      </dsp:nvSpPr>
-      <dsp:spPr>
-        <a:xfrm>
-          <a:off x="5647802" y="817899"/>
-          <a:ext cx="3467108" cy="366672"/>
-        </a:xfrm>
-        <a:custGeom>
-          <a:avLst/>
-          <a:gdLst/>
-          <a:ahLst/>
-          <a:cxnLst/>
-          <a:rect l="0" t="0" r="0" b="0"/>
-          <a:pathLst>
-            <a:path>
-              <a:moveTo>
-                <a:pt x="0" y="0"/>
-              </a:moveTo>
-              <a:lnTo>
-                <a:pt x="0" y="249876"/>
-              </a:lnTo>
-              <a:lnTo>
-                <a:pt x="3467108" y="249876"/>
-              </a:lnTo>
-              <a:lnTo>
-                <a:pt x="3467108" y="366672"/>
-              </a:lnTo>
-            </a:path>
-          </a:pathLst>
-        </a:custGeom>
-        <a:noFill/>
-        <a:ln w="25400" cap="flat" cmpd="sng" algn="ctr">
-          <a:solidFill>
-            <a:schemeClr val="accent1">
-              <a:shade val="60000"/>
-              <a:hueOff val="0"/>
-              <a:satOff val="0"/>
-              <a:lumOff val="0"/>
-              <a:alphaOff val="0"/>
-            </a:schemeClr>
-          </a:solidFill>
-          <a:miter lim="800000"/>
-        </a:ln>
-        <a:effectLst/>
-      </dsp:spPr>
-      <dsp:style>
-        <a:lnRef idx="2">
-          <a:scrgbClr r="0" g="0" b="0"/>
-        </a:lnRef>
-        <a:fillRef idx="0">
-          <a:scrgbClr r="0" g="0" b="0"/>
-        </a:fillRef>
-        <a:effectRef idx="0">
-          <a:scrgbClr r="0" g="0" b="0"/>
-        </a:effectRef>
-        <a:fontRef idx="minor"/>
-      </dsp:style>
-    </dsp:sp>
-    <dsp:sp modelId="{E71D3D05-A41D-4581-93F6-4963BA212C02}">
-      <dsp:nvSpPr>
-        <dsp:cNvPr id="0" name=""/>
-        <dsp:cNvSpPr/>
-      </dsp:nvSpPr>
-      <dsp:spPr>
-        <a:xfrm>
-          <a:off x="6033036" y="1985159"/>
-          <a:ext cx="770468" cy="366672"/>
-        </a:xfrm>
-        <a:custGeom>
-          <a:avLst/>
-          <a:gdLst/>
-          <a:ahLst/>
-          <a:cxnLst/>
-          <a:rect l="0" t="0" r="0" b="0"/>
-          <a:pathLst>
-            <a:path>
-              <a:moveTo>
-                <a:pt x="0" y="0"/>
-              </a:moveTo>
-              <a:lnTo>
-                <a:pt x="0" y="249876"/>
-              </a:lnTo>
-              <a:lnTo>
-                <a:pt x="770468" y="249876"/>
-              </a:lnTo>
-              <a:lnTo>
-                <a:pt x="770468" y="366672"/>
-              </a:lnTo>
-            </a:path>
-          </a:pathLst>
-        </a:custGeom>
-        <a:noFill/>
-        <a:ln w="25400" cap="flat" cmpd="sng" algn="ctr">
-          <a:solidFill>
-            <a:schemeClr val="accent1">
-              <a:shade val="80000"/>
-              <a:hueOff val="0"/>
-              <a:satOff val="0"/>
-              <a:lumOff val="0"/>
-              <a:alphaOff val="0"/>
-            </a:schemeClr>
-          </a:solidFill>
-          <a:miter lim="800000"/>
-        </a:ln>
-        <a:effectLst/>
-      </dsp:spPr>
-      <dsp:style>
-        <a:lnRef idx="2">
-          <a:scrgbClr r="0" g="0" b="0"/>
-        </a:lnRef>
-        <a:fillRef idx="0">
-          <a:scrgbClr r="0" g="0" b="0"/>
-        </a:fillRef>
-        <a:effectRef idx="0">
-          <a:scrgbClr r="0" g="0" b="0"/>
-        </a:effectRef>
-        <a:fontRef idx="minor"/>
-      </dsp:style>
-    </dsp:sp>
-    <dsp:sp modelId="{BFC7338C-D613-42CE-A3C8-1E1BCE0FEA62}">
-      <dsp:nvSpPr>
-        <dsp:cNvPr id="0" name=""/>
-        <dsp:cNvSpPr/>
-      </dsp:nvSpPr>
-      <dsp:spPr>
-        <a:xfrm>
-          <a:off x="5262568" y="1985159"/>
-          <a:ext cx="770468" cy="366672"/>
-        </a:xfrm>
-        <a:custGeom>
-          <a:avLst/>
-          <a:gdLst/>
-          <a:ahLst/>
-          <a:cxnLst/>
-          <a:rect l="0" t="0" r="0" b="0"/>
-          <a:pathLst>
-            <a:path>
-              <a:moveTo>
-                <a:pt x="770468" y="0"/>
-              </a:moveTo>
-              <a:lnTo>
-                <a:pt x="770468" y="249876"/>
-              </a:lnTo>
-              <a:lnTo>
-                <a:pt x="0" y="249876"/>
-              </a:lnTo>
-              <a:lnTo>
-                <a:pt x="0" y="366672"/>
-              </a:lnTo>
-            </a:path>
-          </a:pathLst>
-        </a:custGeom>
-        <a:noFill/>
-        <a:ln w="25400" cap="flat" cmpd="sng" algn="ctr">
-          <a:solidFill>
-            <a:schemeClr val="accent1">
-              <a:shade val="80000"/>
-              <a:hueOff val="0"/>
-              <a:satOff val="0"/>
-              <a:lumOff val="0"/>
-              <a:alphaOff val="0"/>
-            </a:schemeClr>
-          </a:solidFill>
-          <a:miter lim="800000"/>
-        </a:ln>
-        <a:effectLst/>
-      </dsp:spPr>
-      <dsp:style>
-        <a:lnRef idx="2">
-          <a:scrgbClr r="0" g="0" b="0"/>
-        </a:lnRef>
-        <a:fillRef idx="0">
-          <a:scrgbClr r="0" g="0" b="0"/>
-        </a:fillRef>
-        <a:effectRef idx="0">
-          <a:scrgbClr r="0" g="0" b="0"/>
-        </a:effectRef>
-        <a:fontRef idx="minor"/>
-      </dsp:style>
-    </dsp:sp>
-    <dsp:sp modelId="{13E913A0-B01D-43F1-B1A3-E3D474304F95}">
-      <dsp:nvSpPr>
-        <dsp:cNvPr id="0" name=""/>
-        <dsp:cNvSpPr/>
-      </dsp:nvSpPr>
-      <dsp:spPr>
-        <a:xfrm>
-          <a:off x="5647802" y="817899"/>
-          <a:ext cx="385234" cy="366672"/>
-        </a:xfrm>
-        <a:custGeom>
-          <a:avLst/>
-          <a:gdLst/>
-          <a:ahLst/>
-          <a:cxnLst/>
-          <a:rect l="0" t="0" r="0" b="0"/>
-          <a:pathLst>
-            <a:path>
-              <a:moveTo>
-                <a:pt x="0" y="0"/>
-              </a:moveTo>
-              <a:lnTo>
-                <a:pt x="0" y="249876"/>
-              </a:lnTo>
-              <a:lnTo>
-                <a:pt x="385234" y="249876"/>
-              </a:lnTo>
-              <a:lnTo>
-                <a:pt x="385234" y="366672"/>
-              </a:lnTo>
-            </a:path>
-          </a:pathLst>
-        </a:custGeom>
-        <a:noFill/>
-        <a:ln w="25400" cap="flat" cmpd="sng" algn="ctr">
-          <a:solidFill>
-            <a:schemeClr val="accent1">
-              <a:shade val="60000"/>
-              <a:hueOff val="0"/>
-              <a:satOff val="0"/>
-              <a:lumOff val="0"/>
-              <a:alphaOff val="0"/>
-            </a:schemeClr>
-          </a:solidFill>
-          <a:miter lim="800000"/>
-        </a:ln>
-        <a:effectLst/>
-      </dsp:spPr>
-      <dsp:style>
-        <a:lnRef idx="2">
-          <a:scrgbClr r="0" g="0" b="0"/>
-        </a:lnRef>
-        <a:fillRef idx="0">
-          <a:scrgbClr r="0" g="0" b="0"/>
-        </a:fillRef>
-        <a:effectRef idx="0">
-          <a:scrgbClr r="0" g="0" b="0"/>
-        </a:effectRef>
-        <a:fontRef idx="minor"/>
-      </dsp:style>
-    </dsp:sp>
-    <dsp:sp modelId="{E14DB863-679E-4258-8402-2159575E641E}">
-      <dsp:nvSpPr>
-        <dsp:cNvPr id="0" name=""/>
-        <dsp:cNvSpPr/>
-      </dsp:nvSpPr>
-      <dsp:spPr>
-        <a:xfrm>
-          <a:off x="2180694" y="1985159"/>
-          <a:ext cx="1540937" cy="366672"/>
-        </a:xfrm>
-        <a:custGeom>
-          <a:avLst/>
-          <a:gdLst/>
-          <a:ahLst/>
-          <a:cxnLst/>
-          <a:rect l="0" t="0" r="0" b="0"/>
-          <a:pathLst>
-            <a:path>
-              <a:moveTo>
-                <a:pt x="0" y="0"/>
-              </a:moveTo>
-              <a:lnTo>
-                <a:pt x="0" y="249876"/>
-              </a:lnTo>
-              <a:lnTo>
-                <a:pt x="1540937" y="249876"/>
-              </a:lnTo>
-              <a:lnTo>
-                <a:pt x="1540937" y="366672"/>
-              </a:lnTo>
-            </a:path>
-          </a:pathLst>
-        </a:custGeom>
-        <a:noFill/>
-        <a:ln w="25400" cap="flat" cmpd="sng" algn="ctr">
-          <a:solidFill>
-            <a:schemeClr val="accent1">
-              <a:shade val="80000"/>
-              <a:hueOff val="0"/>
-              <a:satOff val="0"/>
-              <a:lumOff val="0"/>
-              <a:alphaOff val="0"/>
-            </a:schemeClr>
-          </a:solidFill>
-          <a:miter lim="800000"/>
-        </a:ln>
-        <a:effectLst/>
-      </dsp:spPr>
-      <dsp:style>
-        <a:lnRef idx="2">
-          <a:scrgbClr r="0" g="0" b="0"/>
-        </a:lnRef>
-        <a:fillRef idx="0">
-          <a:scrgbClr r="0" g="0" b="0"/>
-        </a:fillRef>
-        <a:effectRef idx="0">
-          <a:scrgbClr r="0" g="0" b="0"/>
-        </a:effectRef>
-        <a:fontRef idx="minor"/>
-      </dsp:style>
-    </dsp:sp>
-    <dsp:sp modelId="{B7EAC32E-5B12-4CF8-A403-4ABB602D7616}">
-      <dsp:nvSpPr>
-        <dsp:cNvPr id="0" name=""/>
-        <dsp:cNvSpPr/>
-      </dsp:nvSpPr>
-      <dsp:spPr>
-        <a:xfrm>
-          <a:off x="2180694" y="3152418"/>
-          <a:ext cx="747371" cy="371148"/>
-        </a:xfrm>
-        <a:custGeom>
-          <a:avLst/>
-          <a:gdLst/>
-          <a:ahLst/>
-          <a:cxnLst/>
-          <a:rect l="0" t="0" r="0" b="0"/>
-          <a:pathLst>
-            <a:path>
-              <a:moveTo>
-                <a:pt x="0" y="0"/>
-              </a:moveTo>
-              <a:lnTo>
-                <a:pt x="0" y="254352"/>
-              </a:lnTo>
-              <a:lnTo>
-                <a:pt x="747371" y="254352"/>
-              </a:lnTo>
-              <a:lnTo>
-                <a:pt x="747371" y="371148"/>
-              </a:lnTo>
-            </a:path>
-          </a:pathLst>
-        </a:custGeom>
-        <a:noFill/>
-        <a:ln w="25400" cap="flat" cmpd="sng" algn="ctr">
-          <a:solidFill>
-            <a:schemeClr val="accent1">
-              <a:shade val="80000"/>
-              <a:hueOff val="0"/>
-              <a:satOff val="0"/>
-              <a:lumOff val="0"/>
-              <a:alphaOff val="0"/>
-            </a:schemeClr>
-          </a:solidFill>
-          <a:miter lim="800000"/>
-        </a:ln>
-        <a:effectLst/>
-      </dsp:spPr>
-      <dsp:style>
-        <a:lnRef idx="2">
-          <a:scrgbClr r="0" g="0" b="0"/>
-        </a:lnRef>
-        <a:fillRef idx="0">
-          <a:scrgbClr r="0" g="0" b="0"/>
-        </a:fillRef>
-        <a:effectRef idx="0">
-          <a:scrgbClr r="0" g="0" b="0"/>
-        </a:effectRef>
-        <a:fontRef idx="minor"/>
-      </dsp:style>
-    </dsp:sp>
-    <dsp:sp modelId="{64D0538D-E072-4653-B991-7AC462ECA95E}">
-      <dsp:nvSpPr>
-        <dsp:cNvPr id="0" name=""/>
-        <dsp:cNvSpPr/>
-      </dsp:nvSpPr>
-      <dsp:spPr>
-        <a:xfrm>
-          <a:off x="1364505" y="4319678"/>
-          <a:ext cx="91440" cy="366672"/>
-        </a:xfrm>
-        <a:custGeom>
-          <a:avLst/>
-          <a:gdLst/>
-          <a:ahLst/>
-          <a:cxnLst/>
-          <a:rect l="0" t="0" r="0" b="0"/>
-          <a:pathLst>
-            <a:path>
-              <a:moveTo>
-                <a:pt x="45720" y="0"/>
-              </a:moveTo>
-              <a:lnTo>
-                <a:pt x="45720" y="366672"/>
-              </a:lnTo>
-            </a:path>
-          </a:pathLst>
-        </a:custGeom>
-        <a:noFill/>
-        <a:ln w="25400" cap="flat" cmpd="sng" algn="ctr">
-          <a:solidFill>
-            <a:schemeClr val="accent1">
-              <a:shade val="80000"/>
-              <a:hueOff val="0"/>
-              <a:satOff val="0"/>
-              <a:lumOff val="0"/>
-              <a:alphaOff val="0"/>
-            </a:schemeClr>
-          </a:solidFill>
-          <a:miter lim="800000"/>
-        </a:ln>
-        <a:effectLst/>
-      </dsp:spPr>
-      <dsp:style>
-        <a:lnRef idx="2">
-          <a:scrgbClr r="0" g="0" b="0"/>
-        </a:lnRef>
-        <a:fillRef idx="0">
-          <a:scrgbClr r="0" g="0" b="0"/>
-        </a:fillRef>
-        <a:effectRef idx="0">
-          <a:scrgbClr r="0" g="0" b="0"/>
-        </a:effectRef>
-        <a:fontRef idx="minor"/>
-      </dsp:style>
-    </dsp:sp>
-    <dsp:sp modelId="{A5505B47-1C8A-4C07-AF2D-C665D2BAA430}">
-      <dsp:nvSpPr>
-        <dsp:cNvPr id="0" name=""/>
-        <dsp:cNvSpPr/>
-      </dsp:nvSpPr>
-      <dsp:spPr>
-        <a:xfrm>
-          <a:off x="1410225" y="3152418"/>
-          <a:ext cx="770468" cy="366672"/>
-        </a:xfrm>
-        <a:custGeom>
-          <a:avLst/>
-          <a:gdLst/>
-          <a:ahLst/>
-          <a:cxnLst/>
-          <a:rect l="0" t="0" r="0" b="0"/>
-          <a:pathLst>
-            <a:path>
-              <a:moveTo>
-                <a:pt x="770468" y="0"/>
-              </a:moveTo>
-              <a:lnTo>
-                <a:pt x="770468" y="249876"/>
-              </a:lnTo>
-              <a:lnTo>
-                <a:pt x="0" y="249876"/>
-              </a:lnTo>
-              <a:lnTo>
-                <a:pt x="0" y="366672"/>
-              </a:lnTo>
-            </a:path>
-          </a:pathLst>
-        </a:custGeom>
-        <a:noFill/>
-        <a:ln w="25400" cap="flat" cmpd="sng" algn="ctr">
-          <a:solidFill>
-            <a:schemeClr val="accent1">
-              <a:shade val="80000"/>
-              <a:hueOff val="0"/>
-              <a:satOff val="0"/>
-              <a:lumOff val="0"/>
-              <a:alphaOff val="0"/>
-            </a:schemeClr>
-          </a:solidFill>
-          <a:miter lim="800000"/>
-        </a:ln>
-        <a:effectLst/>
-      </dsp:spPr>
-      <dsp:style>
-        <a:lnRef idx="2">
-          <a:scrgbClr r="0" g="0" b="0"/>
-        </a:lnRef>
-        <a:fillRef idx="0">
-          <a:scrgbClr r="0" g="0" b="0"/>
-        </a:fillRef>
-        <a:effectRef idx="0">
-          <a:scrgbClr r="0" g="0" b="0"/>
-        </a:effectRef>
-        <a:fontRef idx="minor"/>
-      </dsp:style>
-    </dsp:sp>
-    <dsp:sp modelId="{6B5FEBAB-8837-4482-8475-02454E646497}">
-      <dsp:nvSpPr>
-        <dsp:cNvPr id="0" name=""/>
-        <dsp:cNvSpPr/>
-      </dsp:nvSpPr>
-      <dsp:spPr>
-        <a:xfrm>
-          <a:off x="2134974" y="1985159"/>
-          <a:ext cx="91440" cy="366672"/>
-        </a:xfrm>
-        <a:custGeom>
-          <a:avLst/>
-          <a:gdLst/>
-          <a:ahLst/>
-          <a:cxnLst/>
-          <a:rect l="0" t="0" r="0" b="0"/>
-          <a:pathLst>
-            <a:path>
-              <a:moveTo>
-                <a:pt x="45720" y="0"/>
-              </a:moveTo>
-              <a:lnTo>
-                <a:pt x="45720" y="366672"/>
-              </a:lnTo>
-            </a:path>
-          </a:pathLst>
-        </a:custGeom>
-        <a:noFill/>
-        <a:ln w="25400" cap="flat" cmpd="sng" algn="ctr">
-          <a:solidFill>
-            <a:schemeClr val="accent1">
-              <a:shade val="80000"/>
-              <a:hueOff val="0"/>
-              <a:satOff val="0"/>
-              <a:lumOff val="0"/>
-              <a:alphaOff val="0"/>
-            </a:schemeClr>
-          </a:solidFill>
-          <a:miter lim="800000"/>
-        </a:ln>
-        <a:effectLst/>
-      </dsp:spPr>
-      <dsp:style>
-        <a:lnRef idx="2">
-          <a:scrgbClr r="0" g="0" b="0"/>
-        </a:lnRef>
-        <a:fillRef idx="0">
-          <a:scrgbClr r="0" g="0" b="0"/>
-        </a:fillRef>
-        <a:effectRef idx="0">
-          <a:scrgbClr r="0" g="0" b="0"/>
-        </a:effectRef>
-        <a:fontRef idx="minor"/>
-      </dsp:style>
-    </dsp:sp>
-    <dsp:sp modelId="{EB928631-2B17-47FC-8968-E2AAB4978614}">
-      <dsp:nvSpPr>
-        <dsp:cNvPr id="0" name=""/>
-        <dsp:cNvSpPr/>
-      </dsp:nvSpPr>
-      <dsp:spPr>
-        <a:xfrm>
-          <a:off x="639757" y="1985159"/>
-          <a:ext cx="1540937" cy="366672"/>
-        </a:xfrm>
-        <a:custGeom>
-          <a:avLst/>
-          <a:gdLst/>
-          <a:ahLst/>
-          <a:cxnLst/>
-          <a:rect l="0" t="0" r="0" b="0"/>
-          <a:pathLst>
-            <a:path>
-              <a:moveTo>
-                <a:pt x="1540937" y="0"/>
-              </a:moveTo>
-              <a:lnTo>
-                <a:pt x="1540937" y="249876"/>
-              </a:lnTo>
-              <a:lnTo>
-                <a:pt x="0" y="249876"/>
-              </a:lnTo>
-              <a:lnTo>
-                <a:pt x="0" y="366672"/>
-              </a:lnTo>
-            </a:path>
-          </a:pathLst>
-        </a:custGeom>
-        <a:noFill/>
-        <a:ln w="25400" cap="flat" cmpd="sng" algn="ctr">
-          <a:solidFill>
-            <a:schemeClr val="accent1">
-              <a:shade val="80000"/>
-              <a:hueOff val="0"/>
-              <a:satOff val="0"/>
-              <a:lumOff val="0"/>
-              <a:alphaOff val="0"/>
-            </a:schemeClr>
-          </a:solidFill>
-          <a:miter lim="800000"/>
-        </a:ln>
-        <a:effectLst/>
-      </dsp:spPr>
-      <dsp:style>
-        <a:lnRef idx="2">
-          <a:scrgbClr r="0" g="0" b="0"/>
-        </a:lnRef>
-        <a:fillRef idx="0">
-          <a:scrgbClr r="0" g="0" b="0"/>
-        </a:fillRef>
-        <a:effectRef idx="0">
-          <a:scrgbClr r="0" g="0" b="0"/>
-        </a:effectRef>
-        <a:fontRef idx="minor"/>
-      </dsp:style>
-    </dsp:sp>
-    <dsp:sp modelId="{47C6150A-D796-4FB1-9AC7-64B824B4A8AC}">
-      <dsp:nvSpPr>
-        <dsp:cNvPr id="0" name=""/>
-        <dsp:cNvSpPr/>
-      </dsp:nvSpPr>
-      <dsp:spPr>
-        <a:xfrm>
-          <a:off x="2180694" y="817899"/>
-          <a:ext cx="3467108" cy="366672"/>
-        </a:xfrm>
-        <a:custGeom>
-          <a:avLst/>
-          <a:gdLst/>
-          <a:ahLst/>
-          <a:cxnLst/>
-          <a:rect l="0" t="0" r="0" b="0"/>
-          <a:pathLst>
-            <a:path>
-              <a:moveTo>
-                <a:pt x="3467108" y="0"/>
-              </a:moveTo>
-              <a:lnTo>
-                <a:pt x="3467108" y="249876"/>
-              </a:lnTo>
-              <a:lnTo>
-                <a:pt x="0" y="249876"/>
-              </a:lnTo>
-              <a:lnTo>
-                <a:pt x="0" y="366672"/>
-              </a:lnTo>
-            </a:path>
-          </a:pathLst>
-        </a:custGeom>
-        <a:noFill/>
-        <a:ln w="25400" cap="flat" cmpd="sng" algn="ctr">
-          <a:solidFill>
-            <a:schemeClr val="accent1">
-              <a:shade val="60000"/>
-              <a:hueOff val="0"/>
-              <a:satOff val="0"/>
-              <a:lumOff val="0"/>
-              <a:alphaOff val="0"/>
-            </a:schemeClr>
-          </a:solidFill>
-          <a:miter lim="800000"/>
-        </a:ln>
-        <a:effectLst/>
-      </dsp:spPr>
-      <dsp:style>
-        <a:lnRef idx="2">
-          <a:scrgbClr r="0" g="0" b="0"/>
-        </a:lnRef>
-        <a:fillRef idx="0">
-          <a:scrgbClr r="0" g="0" b="0"/>
-        </a:fillRef>
-        <a:effectRef idx="0">
-          <a:scrgbClr r="0" g="0" b="0"/>
-        </a:effectRef>
-        <a:fontRef idx="minor"/>
-      </dsp:style>
-    </dsp:sp>
-    <dsp:sp modelId="{987E00FC-04B5-4421-A96F-CA460E2B19DF}">
-      <dsp:nvSpPr>
-        <dsp:cNvPr id="0" name=""/>
-        <dsp:cNvSpPr/>
-      </dsp:nvSpPr>
-      <dsp:spPr>
-        <a:xfrm>
-          <a:off x="5017419" y="17312"/>
-          <a:ext cx="1260766" cy="800586"/>
-        </a:xfrm>
-        <a:prstGeom prst="roundRect">
-          <a:avLst>
-            <a:gd name="adj" fmla="val 10000"/>
-          </a:avLst>
-        </a:prstGeom>
-        <a:solidFill>
-          <a:schemeClr val="accent1">
-            <a:hueOff val="0"/>
-            <a:satOff val="0"/>
-            <a:lumOff val="0"/>
-            <a:alphaOff val="0"/>
-          </a:schemeClr>
-        </a:solidFill>
-        <a:ln w="25400" cap="flat" cmpd="sng" algn="ctr">
-          <a:solidFill>
-            <a:schemeClr val="lt1">
-              <a:hueOff val="0"/>
-              <a:satOff val="0"/>
-              <a:lumOff val="0"/>
-              <a:alphaOff val="0"/>
-            </a:schemeClr>
-          </a:solidFill>
-          <a:miter lim="800000"/>
-        </a:ln>
-        <a:effectLst/>
-      </dsp:spPr>
-      <dsp:style>
-        <a:lnRef idx="2">
-          <a:scrgbClr r="0" g="0" b="0"/>
-        </a:lnRef>
-        <a:fillRef idx="1">
-          <a:scrgbClr r="0" g="0" b="0"/>
-        </a:fillRef>
-        <a:effectRef idx="0">
-          <a:scrgbClr r="0" g="0" b="0"/>
-        </a:effectRef>
-        <a:fontRef idx="minor">
-          <a:schemeClr val="lt1"/>
-        </a:fontRef>
-      </dsp:style>
-    </dsp:sp>
-    <dsp:sp modelId="{868D9E49-D88B-430E-AC72-CD00412C6BE0}">
-      <dsp:nvSpPr>
-        <dsp:cNvPr id="0" name=""/>
-        <dsp:cNvSpPr/>
-      </dsp:nvSpPr>
-      <dsp:spPr>
-        <a:xfrm>
-          <a:off x="5157504" y="150393"/>
-          <a:ext cx="1260766" cy="800586"/>
-        </a:xfrm>
-        <a:prstGeom prst="roundRect">
-          <a:avLst>
-            <a:gd name="adj" fmla="val 10000"/>
-          </a:avLst>
-        </a:prstGeom>
-        <a:solidFill>
-          <a:schemeClr val="lt1">
-            <a:alpha val="90000"/>
-            <a:hueOff val="0"/>
-            <a:satOff val="0"/>
-            <a:lumOff val="0"/>
-            <a:alphaOff val="0"/>
-          </a:schemeClr>
-        </a:solidFill>
-        <a:ln w="25400" cap="flat" cmpd="sng" algn="ctr">
-          <a:solidFill>
-            <a:schemeClr val="accent1">
-              <a:hueOff val="0"/>
-              <a:satOff val="0"/>
-              <a:lumOff val="0"/>
-              <a:alphaOff val="0"/>
-            </a:schemeClr>
-          </a:solidFill>
-          <a:miter lim="800000"/>
-        </a:ln>
-        <a:effectLst/>
-      </dsp:spPr>
-      <dsp:style>
-        <a:lnRef idx="2">
-          <a:scrgbClr r="0" g="0" b="0"/>
-        </a:lnRef>
-        <a:fillRef idx="1">
-          <a:scrgbClr r="0" g="0" b="0"/>
-        </a:fillRef>
-        <a:effectRef idx="0">
-          <a:scrgbClr r="0" g="0" b="0"/>
-        </a:effectRef>
-        <a:fontRef idx="minor"/>
-      </dsp:style>
-      <dsp:txBody>
-        <a:bodyPr spcFirstLastPara="0" vert="horz" wrap="square" lIns="41910" tIns="41910" rIns="41910" bIns="41910" numCol="1" spcCol="1270" anchor="ctr" anchorCtr="0">
-          <a:noAutofit/>
-        </a:bodyPr>
-        <a:lstStyle/>
-        <a:p>
-          <a:pPr lvl="0" algn="ctr" defTabSz="488950">
-            <a:lnSpc>
-              <a:spcPct val="90000"/>
-            </a:lnSpc>
-            <a:spcBef>
-              <a:spcPct val="0"/>
-            </a:spcBef>
-            <a:spcAft>
-              <a:spcPct val="35000"/>
-            </a:spcAft>
-          </a:pPr>
-          <a:r>
-            <a:rPr lang="en-US" sz="1100" b="1" kern="1200" dirty="0" smtClean="0"/>
-            <a:t>Jason Zander</a:t>
-          </a:r>
-          <a:r>
-            <a:rPr lang="en-US" sz="1100" kern="1200" dirty="0" smtClean="0"/>
-            <a:t/>
-          </a:r>
-          <a:br>
-            <a:rPr lang="en-US" sz="1100" kern="1200" dirty="0" smtClean="0"/>
-          </a:br>
-          <a:r>
-            <a:rPr lang="en-US" sz="1100" i="1" kern="1200" dirty="0" smtClean="0"/>
-            <a:t>President &amp; CEO</a:t>
-          </a:r>
-          <a:endParaRPr lang="en-US" sz="1100" kern="1200" dirty="0"/>
-        </a:p>
-      </dsp:txBody>
-      <dsp:txXfrm>
-        <a:off x="5180952" y="173841"/>
-        <a:ext cx="1213870" cy="753690"/>
-      </dsp:txXfrm>
-    </dsp:sp>
-    <dsp:sp modelId="{E5517394-D959-43B0-B5C5-7EB48695E2C4}">
-      <dsp:nvSpPr>
-        <dsp:cNvPr id="0" name=""/>
-        <dsp:cNvSpPr/>
-      </dsp:nvSpPr>
-      <dsp:spPr>
-        <a:xfrm>
-          <a:off x="1550310" y="1184572"/>
-          <a:ext cx="1260766" cy="800586"/>
-        </a:xfrm>
-        <a:prstGeom prst="roundRect">
-          <a:avLst>
-            <a:gd name="adj" fmla="val 10000"/>
-          </a:avLst>
-        </a:prstGeom>
-        <a:solidFill>
-          <a:schemeClr val="accent1">
-            <a:hueOff val="0"/>
-            <a:satOff val="0"/>
-            <a:lumOff val="0"/>
-            <a:alphaOff val="0"/>
-          </a:schemeClr>
-        </a:solidFill>
-        <a:ln w="25400" cap="flat" cmpd="sng" algn="ctr">
-          <a:solidFill>
-            <a:schemeClr val="lt1">
-              <a:hueOff val="0"/>
-              <a:satOff val="0"/>
-              <a:lumOff val="0"/>
-              <a:alphaOff val="0"/>
-            </a:schemeClr>
-          </a:solidFill>
-          <a:miter lim="800000"/>
-        </a:ln>
-        <a:effectLst/>
-      </dsp:spPr>
-      <dsp:style>
-        <a:lnRef idx="2">
-          <a:scrgbClr r="0" g="0" b="0"/>
-        </a:lnRef>
-        <a:fillRef idx="1">
-          <a:scrgbClr r="0" g="0" b="0"/>
-        </a:fillRef>
-        <a:effectRef idx="0">
-          <a:scrgbClr r="0" g="0" b="0"/>
-        </a:effectRef>
-        <a:fontRef idx="minor">
-          <a:schemeClr val="lt1"/>
-        </a:fontRef>
-      </dsp:style>
-    </dsp:sp>
-    <dsp:sp modelId="{D8BBCCEC-793A-4277-AD06-599860F93258}">
-      <dsp:nvSpPr>
-        <dsp:cNvPr id="0" name=""/>
-        <dsp:cNvSpPr/>
-      </dsp:nvSpPr>
-      <dsp:spPr>
-        <a:xfrm>
-          <a:off x="1690396" y="1317653"/>
-          <a:ext cx="1260766" cy="800586"/>
-        </a:xfrm>
-        <a:prstGeom prst="roundRect">
-          <a:avLst>
-            <a:gd name="adj" fmla="val 10000"/>
-          </a:avLst>
-        </a:prstGeom>
-        <a:solidFill>
-          <a:schemeClr val="lt1">
-            <a:alpha val="90000"/>
-            <a:hueOff val="0"/>
-            <a:satOff val="0"/>
-            <a:lumOff val="0"/>
-            <a:alphaOff val="0"/>
-          </a:schemeClr>
-        </a:solidFill>
-        <a:ln w="25400" cap="flat" cmpd="sng" algn="ctr">
-          <a:solidFill>
-            <a:schemeClr val="accent1">
-              <a:hueOff val="0"/>
-              <a:satOff val="0"/>
-              <a:lumOff val="0"/>
-              <a:alphaOff val="0"/>
-            </a:schemeClr>
-          </a:solidFill>
-          <a:miter lim="800000"/>
-        </a:ln>
-        <a:effectLst/>
-      </dsp:spPr>
-      <dsp:style>
-        <a:lnRef idx="2">
-          <a:scrgbClr r="0" g="0" b="0"/>
-        </a:lnRef>
-        <a:fillRef idx="1">
-          <a:scrgbClr r="0" g="0" b="0"/>
-        </a:fillRef>
-        <a:effectRef idx="0">
-          <a:scrgbClr r="0" g="0" b="0"/>
-        </a:effectRef>
-        <a:fontRef idx="minor"/>
-      </dsp:style>
-      <dsp:txBody>
-        <a:bodyPr spcFirstLastPara="0" vert="horz" wrap="square" lIns="41910" tIns="41910" rIns="41910" bIns="41910" numCol="1" spcCol="1270" anchor="ctr" anchorCtr="0">
-          <a:noAutofit/>
-        </a:bodyPr>
-        <a:lstStyle/>
-        <a:p>
-          <a:pPr lvl="0" algn="ctr" defTabSz="488950">
-            <a:lnSpc>
-              <a:spcPct val="90000"/>
-            </a:lnSpc>
-            <a:spcBef>
-              <a:spcPct val="0"/>
-            </a:spcBef>
-            <a:spcAft>
-              <a:spcPct val="35000"/>
-            </a:spcAft>
-          </a:pPr>
-          <a:r>
-            <a:rPr lang="en-US" sz="1100" b="1" kern="1200" dirty="0" smtClean="0"/>
-            <a:t>Olivier Renaud</a:t>
-          </a:r>
-          <a:r>
-            <a:rPr lang="en-US" sz="1100" kern="1200" dirty="0" smtClean="0"/>
-            <a:t/>
-          </a:r>
-          <a:br>
-            <a:rPr lang="en-US" sz="1100" kern="1200" dirty="0" smtClean="0"/>
-          </a:br>
-          <a:r>
-            <a:rPr lang="en-US" sz="1100" kern="1200" dirty="0" smtClean="0"/>
-            <a:t>Team Director</a:t>
-          </a:r>
-          <a:endParaRPr lang="en-US" sz="1100" i="1" kern="1200" dirty="0"/>
-        </a:p>
-      </dsp:txBody>
-      <dsp:txXfrm>
-        <a:off x="1713844" y="1341101"/>
-        <a:ext cx="1213870" cy="753690"/>
-      </dsp:txXfrm>
-    </dsp:sp>
-    <dsp:sp modelId="{3D56BD52-D03A-4047-AD41-D4D4A6EFB434}">
-      <dsp:nvSpPr>
-        <dsp:cNvPr id="0" name=""/>
-        <dsp:cNvSpPr/>
-      </dsp:nvSpPr>
-      <dsp:spPr>
-        <a:xfrm>
-          <a:off x="9373" y="2351832"/>
-          <a:ext cx="1260766" cy="800586"/>
-        </a:xfrm>
-        <a:prstGeom prst="roundRect">
-          <a:avLst>
-            <a:gd name="adj" fmla="val 10000"/>
-          </a:avLst>
-        </a:prstGeom>
-        <a:solidFill>
-          <a:schemeClr val="accent1">
-            <a:hueOff val="0"/>
-            <a:satOff val="0"/>
-            <a:lumOff val="0"/>
-            <a:alphaOff val="0"/>
-          </a:schemeClr>
-        </a:solidFill>
-        <a:ln w="25400" cap="flat" cmpd="sng" algn="ctr">
-          <a:solidFill>
-            <a:schemeClr val="lt1">
-              <a:hueOff val="0"/>
-              <a:satOff val="0"/>
-              <a:lumOff val="0"/>
-              <a:alphaOff val="0"/>
-            </a:schemeClr>
-          </a:solidFill>
-          <a:miter lim="800000"/>
-        </a:ln>
-        <a:effectLst/>
-      </dsp:spPr>
-      <dsp:style>
-        <a:lnRef idx="2">
-          <a:scrgbClr r="0" g="0" b="0"/>
-        </a:lnRef>
-        <a:fillRef idx="1">
-          <a:scrgbClr r="0" g="0" b="0"/>
-        </a:fillRef>
-        <a:effectRef idx="0">
-          <a:scrgbClr r="0" g="0" b="0"/>
-        </a:effectRef>
-        <a:fontRef idx="minor">
-          <a:schemeClr val="lt1"/>
-        </a:fontRef>
-      </dsp:style>
-    </dsp:sp>
-    <dsp:sp modelId="{55FD57AA-D4E2-49CB-894F-A4546A90226D}">
-      <dsp:nvSpPr>
-        <dsp:cNvPr id="0" name=""/>
-        <dsp:cNvSpPr/>
-      </dsp:nvSpPr>
-      <dsp:spPr>
-        <a:xfrm>
-          <a:off x="149458" y="2484913"/>
-          <a:ext cx="1260766" cy="800586"/>
-        </a:xfrm>
-        <a:prstGeom prst="roundRect">
-          <a:avLst>
-            <a:gd name="adj" fmla="val 10000"/>
-          </a:avLst>
-        </a:prstGeom>
-        <a:solidFill>
-          <a:schemeClr val="lt1">
-            <a:alpha val="90000"/>
-            <a:hueOff val="0"/>
-            <a:satOff val="0"/>
-            <a:lumOff val="0"/>
-            <a:alphaOff val="0"/>
-          </a:schemeClr>
-        </a:solidFill>
-        <a:ln w="25400" cap="flat" cmpd="sng" algn="ctr">
-          <a:solidFill>
-            <a:schemeClr val="accent1">
-              <a:hueOff val="0"/>
-              <a:satOff val="0"/>
-              <a:lumOff val="0"/>
-              <a:alphaOff val="0"/>
-            </a:schemeClr>
-          </a:solidFill>
-          <a:miter lim="800000"/>
-        </a:ln>
-        <a:effectLst/>
-      </dsp:spPr>
-      <dsp:style>
-        <a:lnRef idx="2">
-          <a:scrgbClr r="0" g="0" b="0"/>
-        </a:lnRef>
-        <a:fillRef idx="1">
-          <a:scrgbClr r="0" g="0" b="0"/>
-        </a:fillRef>
-        <a:effectRef idx="0">
-          <a:scrgbClr r="0" g="0" b="0"/>
-        </a:effectRef>
-        <a:fontRef idx="minor"/>
-      </dsp:style>
-      <dsp:txBody>
-        <a:bodyPr spcFirstLastPara="0" vert="horz" wrap="square" lIns="41910" tIns="41910" rIns="41910" bIns="41910" numCol="1" spcCol="1270" anchor="ctr" anchorCtr="0">
-          <a:noAutofit/>
-        </a:bodyPr>
-        <a:lstStyle/>
-        <a:p>
-          <a:pPr lvl="0" algn="ctr" defTabSz="488950">
-            <a:lnSpc>
-              <a:spcPct val="90000"/>
-            </a:lnSpc>
-            <a:spcBef>
-              <a:spcPct val="0"/>
-            </a:spcBef>
-            <a:spcAft>
-              <a:spcPct val="35000"/>
-            </a:spcAft>
-          </a:pPr>
-          <a:r>
-            <a:rPr lang="en-US" sz="1100" b="1" kern="1200" dirty="0" smtClean="0"/>
-            <a:t>Spencer Lowe</a:t>
-          </a:r>
-          <a:r>
-            <a:rPr lang="en-US" sz="1100" kern="1200" dirty="0" smtClean="0"/>
-            <a:t/>
-          </a:r>
-          <a:br>
-            <a:rPr lang="en-US" sz="1100" kern="1200" dirty="0" smtClean="0"/>
-          </a:br>
-          <a:r>
-            <a:rPr lang="en-US" sz="1100" kern="1200" dirty="0" smtClean="0"/>
-            <a:t>Regional Manager</a:t>
-          </a:r>
-        </a:p>
-        <a:p>
-          <a:pPr lvl="0" algn="ctr" defTabSz="488950">
-            <a:lnSpc>
-              <a:spcPct val="90000"/>
-            </a:lnSpc>
-            <a:spcBef>
-              <a:spcPct val="0"/>
-            </a:spcBef>
-            <a:spcAft>
-              <a:spcPct val="35000"/>
-            </a:spcAft>
-          </a:pPr>
-          <a:r>
-            <a:rPr lang="en-US" sz="1100" i="1" kern="1200" dirty="0" smtClean="0"/>
-            <a:t>Of 5 Locations</a:t>
-          </a:r>
-          <a:endParaRPr lang="en-US" sz="1100" i="1" kern="1200" dirty="0"/>
-        </a:p>
-      </dsp:txBody>
-      <dsp:txXfrm>
-        <a:off x="172906" y="2508361"/>
-        <a:ext cx="1213870" cy="753690"/>
-      </dsp:txXfrm>
-    </dsp:sp>
-    <dsp:sp modelId="{DCB1E33D-13EC-4E25-974B-BEC1BFAB8C57}">
-      <dsp:nvSpPr>
-        <dsp:cNvPr id="0" name=""/>
-        <dsp:cNvSpPr/>
-      </dsp:nvSpPr>
-      <dsp:spPr>
-        <a:xfrm>
-          <a:off x="1550310" y="2351832"/>
-          <a:ext cx="1260766" cy="800586"/>
-        </a:xfrm>
-        <a:prstGeom prst="roundRect">
-          <a:avLst>
-            <a:gd name="adj" fmla="val 10000"/>
-          </a:avLst>
-        </a:prstGeom>
-        <a:solidFill>
-          <a:schemeClr val="accent1">
-            <a:hueOff val="0"/>
-            <a:satOff val="0"/>
-            <a:lumOff val="0"/>
-            <a:alphaOff val="0"/>
-          </a:schemeClr>
-        </a:solidFill>
-        <a:ln w="25400" cap="flat" cmpd="sng" algn="ctr">
-          <a:solidFill>
-            <a:schemeClr val="lt1">
-              <a:hueOff val="0"/>
-              <a:satOff val="0"/>
-              <a:lumOff val="0"/>
-              <a:alphaOff val="0"/>
-            </a:schemeClr>
-          </a:solidFill>
-          <a:miter lim="800000"/>
-        </a:ln>
-        <a:effectLst/>
-      </dsp:spPr>
-      <dsp:style>
-        <a:lnRef idx="2">
-          <a:scrgbClr r="0" g="0" b="0"/>
-        </a:lnRef>
-        <a:fillRef idx="1">
-          <a:scrgbClr r="0" g="0" b="0"/>
-        </a:fillRef>
-        <a:effectRef idx="0">
-          <a:scrgbClr r="0" g="0" b="0"/>
-        </a:effectRef>
-        <a:fontRef idx="minor">
-          <a:schemeClr val="lt1"/>
-        </a:fontRef>
-      </dsp:style>
-    </dsp:sp>
-    <dsp:sp modelId="{12B6613B-3143-4290-BD1E-F9C795102D53}">
-      <dsp:nvSpPr>
-        <dsp:cNvPr id="0" name=""/>
-        <dsp:cNvSpPr/>
-      </dsp:nvSpPr>
-      <dsp:spPr>
-        <a:xfrm>
-          <a:off x="1690396" y="2484913"/>
-          <a:ext cx="1260766" cy="800586"/>
-        </a:xfrm>
-        <a:prstGeom prst="roundRect">
-          <a:avLst>
-            <a:gd name="adj" fmla="val 10000"/>
-          </a:avLst>
-        </a:prstGeom>
-        <a:solidFill>
-          <a:schemeClr val="lt1">
-            <a:alpha val="90000"/>
-            <a:hueOff val="0"/>
-            <a:satOff val="0"/>
-            <a:lumOff val="0"/>
-            <a:alphaOff val="0"/>
-          </a:schemeClr>
-        </a:solidFill>
-        <a:ln w="25400" cap="flat" cmpd="sng" algn="ctr">
-          <a:solidFill>
-            <a:schemeClr val="accent1">
-              <a:hueOff val="0"/>
-              <a:satOff val="0"/>
-              <a:lumOff val="0"/>
-              <a:alphaOff val="0"/>
-            </a:schemeClr>
-          </a:solidFill>
-          <a:miter lim="800000"/>
-        </a:ln>
-        <a:effectLst/>
-      </dsp:spPr>
-      <dsp:style>
-        <a:lnRef idx="2">
-          <a:scrgbClr r="0" g="0" b="0"/>
-        </a:lnRef>
-        <a:fillRef idx="1">
-          <a:scrgbClr r="0" g="0" b="0"/>
-        </a:fillRef>
-        <a:effectRef idx="0">
-          <a:scrgbClr r="0" g="0" b="0"/>
-        </a:effectRef>
-        <a:fontRef idx="minor"/>
-      </dsp:style>
-      <dsp:txBody>
-        <a:bodyPr spcFirstLastPara="0" vert="horz" wrap="square" lIns="41910" tIns="41910" rIns="41910" bIns="41910" numCol="1" spcCol="1270" anchor="ctr" anchorCtr="0">
-          <a:noAutofit/>
-        </a:bodyPr>
-        <a:lstStyle/>
-        <a:p>
-          <a:pPr lvl="0" algn="ctr" defTabSz="488950">
-            <a:lnSpc>
-              <a:spcPct val="90000"/>
-            </a:lnSpc>
-            <a:spcBef>
-              <a:spcPct val="0"/>
-            </a:spcBef>
-            <a:spcAft>
-              <a:spcPct val="35000"/>
-            </a:spcAft>
-          </a:pPr>
-          <a:r>
-            <a:rPr lang="en-US" sz="1100" b="1" kern="1200" dirty="0" smtClean="0"/>
-            <a:t>Mike </a:t>
-          </a:r>
-          <a:r>
-            <a:rPr lang="en-US" sz="1100" b="1" kern="1200" dirty="0" err="1" smtClean="0"/>
-            <a:t>Danselio</a:t>
-          </a:r>
-          <a:r>
-            <a:rPr lang="en-US" sz="1100" kern="1200" dirty="0" smtClean="0"/>
-            <a:t/>
-          </a:r>
-          <a:br>
-            <a:rPr lang="en-US" sz="1100" kern="1200" dirty="0" smtClean="0"/>
-          </a:br>
-          <a:r>
-            <a:rPr lang="en-US" sz="1100" kern="1200" dirty="0" smtClean="0"/>
-            <a:t>Regional Manager</a:t>
-          </a:r>
-        </a:p>
-        <a:p>
-          <a:pPr lvl="0" algn="ctr" defTabSz="488950">
-            <a:lnSpc>
-              <a:spcPct val="90000"/>
-            </a:lnSpc>
-            <a:spcBef>
-              <a:spcPct val="0"/>
-            </a:spcBef>
-            <a:spcAft>
-              <a:spcPct val="35000"/>
-            </a:spcAft>
-          </a:pPr>
-          <a:r>
-            <a:rPr lang="en-US" sz="1100" i="1" kern="1200" dirty="0" smtClean="0"/>
-            <a:t>Of 5 Locations</a:t>
-          </a:r>
-          <a:endParaRPr lang="en-US" sz="1100" i="1" kern="1200" dirty="0"/>
-        </a:p>
-      </dsp:txBody>
-      <dsp:txXfrm>
-        <a:off x="1713844" y="2508361"/>
-        <a:ext cx="1213870" cy="753690"/>
-      </dsp:txXfrm>
-    </dsp:sp>
-    <dsp:sp modelId="{3EAB1CE4-68D7-4335-A270-8E3EB71A5790}">
-      <dsp:nvSpPr>
-        <dsp:cNvPr id="0" name=""/>
-        <dsp:cNvSpPr/>
-      </dsp:nvSpPr>
-      <dsp:spPr>
-        <a:xfrm>
-          <a:off x="779842" y="3519091"/>
-          <a:ext cx="1260766" cy="800586"/>
-        </a:xfrm>
-        <a:prstGeom prst="roundRect">
-          <a:avLst>
-            <a:gd name="adj" fmla="val 10000"/>
-          </a:avLst>
-        </a:prstGeom>
-        <a:solidFill>
-          <a:schemeClr val="accent1">
-            <a:hueOff val="0"/>
-            <a:satOff val="0"/>
-            <a:lumOff val="0"/>
-            <a:alphaOff val="0"/>
-          </a:schemeClr>
-        </a:solidFill>
-        <a:ln w="25400" cap="flat" cmpd="sng" algn="ctr">
-          <a:solidFill>
-            <a:schemeClr val="lt1">
-              <a:hueOff val="0"/>
-              <a:satOff val="0"/>
-              <a:lumOff val="0"/>
-              <a:alphaOff val="0"/>
-            </a:schemeClr>
-          </a:solidFill>
-          <a:miter lim="800000"/>
-        </a:ln>
-        <a:effectLst/>
-      </dsp:spPr>
-      <dsp:style>
-        <a:lnRef idx="2">
-          <a:scrgbClr r="0" g="0" b="0"/>
-        </a:lnRef>
-        <a:fillRef idx="1">
-          <a:scrgbClr r="0" g="0" b="0"/>
-        </a:fillRef>
-        <a:effectRef idx="0">
-          <a:scrgbClr r="0" g="0" b="0"/>
-        </a:effectRef>
-        <a:fontRef idx="minor">
-          <a:schemeClr val="lt1"/>
-        </a:fontRef>
-      </dsp:style>
-    </dsp:sp>
-    <dsp:sp modelId="{3B8B9209-6251-4FFD-B69F-48F18D4CC349}">
-      <dsp:nvSpPr>
-        <dsp:cNvPr id="0" name=""/>
-        <dsp:cNvSpPr/>
-      </dsp:nvSpPr>
-      <dsp:spPr>
-        <a:xfrm>
-          <a:off x="919927" y="3652172"/>
-          <a:ext cx="1260766" cy="800586"/>
-        </a:xfrm>
-        <a:prstGeom prst="roundRect">
-          <a:avLst>
-            <a:gd name="adj" fmla="val 10000"/>
-          </a:avLst>
-        </a:prstGeom>
-        <a:solidFill>
-          <a:schemeClr val="lt1">
-            <a:alpha val="90000"/>
-            <a:hueOff val="0"/>
-            <a:satOff val="0"/>
-            <a:lumOff val="0"/>
-            <a:alphaOff val="0"/>
-          </a:schemeClr>
-        </a:solidFill>
-        <a:ln w="25400" cap="flat" cmpd="sng" algn="ctr">
-          <a:solidFill>
-            <a:schemeClr val="accent1">
-              <a:hueOff val="0"/>
-              <a:satOff val="0"/>
-              <a:lumOff val="0"/>
-              <a:alphaOff val="0"/>
-            </a:schemeClr>
-          </a:solidFill>
-          <a:miter lim="800000"/>
-        </a:ln>
-        <a:effectLst/>
-      </dsp:spPr>
-      <dsp:style>
-        <a:lnRef idx="2">
-          <a:scrgbClr r="0" g="0" b="0"/>
-        </a:lnRef>
-        <a:fillRef idx="1">
-          <a:scrgbClr r="0" g="0" b="0"/>
-        </a:fillRef>
-        <a:effectRef idx="0">
-          <a:scrgbClr r="0" g="0" b="0"/>
-        </a:effectRef>
-        <a:fontRef idx="minor"/>
-      </dsp:style>
-      <dsp:txBody>
-        <a:bodyPr spcFirstLastPara="0" vert="horz" wrap="square" lIns="41910" tIns="41910" rIns="41910" bIns="41910" numCol="1" spcCol="1270" anchor="ctr" anchorCtr="0">
-          <a:noAutofit/>
-        </a:bodyPr>
-        <a:lstStyle/>
-        <a:p>
-          <a:pPr lvl="0" algn="ctr" defTabSz="488950">
-            <a:lnSpc>
-              <a:spcPct val="90000"/>
-            </a:lnSpc>
-            <a:spcBef>
-              <a:spcPct val="0"/>
-            </a:spcBef>
-            <a:spcAft>
-              <a:spcPct val="35000"/>
-            </a:spcAft>
-          </a:pPr>
-          <a:r>
-            <a:rPr lang="en-US" sz="1100" kern="1200" dirty="0" smtClean="0"/>
-            <a:t>Gym Manager</a:t>
-          </a:r>
-          <a:endParaRPr lang="en-US" sz="1100" kern="1200" dirty="0"/>
-        </a:p>
-      </dsp:txBody>
-      <dsp:txXfrm>
-        <a:off x="943375" y="3675620"/>
-        <a:ext cx="1213870" cy="753690"/>
-      </dsp:txXfrm>
-    </dsp:sp>
-    <dsp:sp modelId="{8629E89B-2488-4E84-8D53-9ABAE0E950DB}">
-      <dsp:nvSpPr>
-        <dsp:cNvPr id="0" name=""/>
-        <dsp:cNvSpPr/>
-      </dsp:nvSpPr>
-      <dsp:spPr>
-        <a:xfrm>
-          <a:off x="779842" y="4686351"/>
-          <a:ext cx="1260766" cy="800586"/>
-        </a:xfrm>
-        <a:prstGeom prst="roundRect">
-          <a:avLst>
-            <a:gd name="adj" fmla="val 10000"/>
-          </a:avLst>
-        </a:prstGeom>
-        <a:solidFill>
-          <a:schemeClr val="accent1">
-            <a:hueOff val="0"/>
-            <a:satOff val="0"/>
-            <a:lumOff val="0"/>
-            <a:alphaOff val="0"/>
-          </a:schemeClr>
-        </a:solidFill>
-        <a:ln w="25400" cap="flat" cmpd="sng" algn="ctr">
-          <a:solidFill>
-            <a:schemeClr val="lt1">
-              <a:hueOff val="0"/>
-              <a:satOff val="0"/>
-              <a:lumOff val="0"/>
-              <a:alphaOff val="0"/>
-            </a:schemeClr>
-          </a:solidFill>
-          <a:miter lim="800000"/>
-        </a:ln>
-        <a:effectLst/>
-      </dsp:spPr>
-      <dsp:style>
-        <a:lnRef idx="2">
-          <a:scrgbClr r="0" g="0" b="0"/>
-        </a:lnRef>
-        <a:fillRef idx="1">
-          <a:scrgbClr r="0" g="0" b="0"/>
-        </a:fillRef>
-        <a:effectRef idx="0">
-          <a:scrgbClr r="0" g="0" b="0"/>
-        </a:effectRef>
-        <a:fontRef idx="minor">
-          <a:schemeClr val="lt1"/>
-        </a:fontRef>
-      </dsp:style>
-    </dsp:sp>
-    <dsp:sp modelId="{6983FC9C-3F2A-407E-A90F-1A955985B64E}">
-      <dsp:nvSpPr>
-        <dsp:cNvPr id="0" name=""/>
-        <dsp:cNvSpPr/>
-      </dsp:nvSpPr>
-      <dsp:spPr>
-        <a:xfrm>
-          <a:off x="919927" y="4819432"/>
-          <a:ext cx="1260766" cy="800586"/>
-        </a:xfrm>
-        <a:prstGeom prst="roundRect">
-          <a:avLst>
-            <a:gd name="adj" fmla="val 10000"/>
-          </a:avLst>
-        </a:prstGeom>
-        <a:solidFill>
-          <a:schemeClr val="lt1">
-            <a:alpha val="90000"/>
-            <a:hueOff val="0"/>
-            <a:satOff val="0"/>
-            <a:lumOff val="0"/>
-            <a:alphaOff val="0"/>
-          </a:schemeClr>
-        </a:solidFill>
-        <a:ln w="25400" cap="flat" cmpd="sng" algn="ctr">
-          <a:solidFill>
-            <a:schemeClr val="accent1">
-              <a:hueOff val="0"/>
-              <a:satOff val="0"/>
-              <a:lumOff val="0"/>
-              <a:alphaOff val="0"/>
-            </a:schemeClr>
-          </a:solidFill>
-          <a:miter lim="800000"/>
-        </a:ln>
-        <a:effectLst/>
-      </dsp:spPr>
-      <dsp:style>
-        <a:lnRef idx="2">
-          <a:scrgbClr r="0" g="0" b="0"/>
-        </a:lnRef>
-        <a:fillRef idx="1">
-          <a:scrgbClr r="0" g="0" b="0"/>
-        </a:fillRef>
-        <a:effectRef idx="0">
-          <a:scrgbClr r="0" g="0" b="0"/>
-        </a:effectRef>
-        <a:fontRef idx="minor"/>
-      </dsp:style>
-      <dsp:txBody>
-        <a:bodyPr spcFirstLastPara="0" vert="horz" wrap="square" lIns="41910" tIns="41910" rIns="41910" bIns="41910" numCol="1" spcCol="1270" anchor="ctr" anchorCtr="0">
-          <a:noAutofit/>
-        </a:bodyPr>
-        <a:lstStyle/>
-        <a:p>
-          <a:pPr lvl="0" algn="ctr" defTabSz="488950">
-            <a:lnSpc>
-              <a:spcPct val="90000"/>
-            </a:lnSpc>
-            <a:spcBef>
-              <a:spcPct val="0"/>
-            </a:spcBef>
-            <a:spcAft>
-              <a:spcPct val="35000"/>
-            </a:spcAft>
-          </a:pPr>
-          <a:r>
-            <a:rPr lang="en-US" sz="1100" kern="1200" dirty="0" smtClean="0"/>
-            <a:t>Assistant Manager of Gym</a:t>
-          </a:r>
-          <a:endParaRPr lang="en-US" sz="1100" kern="1200" dirty="0"/>
-        </a:p>
-      </dsp:txBody>
-      <dsp:txXfrm>
-        <a:off x="943375" y="4842880"/>
-        <a:ext cx="1213870" cy="753690"/>
-      </dsp:txXfrm>
-    </dsp:sp>
-    <dsp:sp modelId="{1527F68E-B504-4B54-9F83-94EE448F2A71}">
-      <dsp:nvSpPr>
-        <dsp:cNvPr id="0" name=""/>
-        <dsp:cNvSpPr/>
-      </dsp:nvSpPr>
-      <dsp:spPr>
-        <a:xfrm>
-          <a:off x="2297682" y="3523567"/>
-          <a:ext cx="1260766" cy="800586"/>
-        </a:xfrm>
-        <a:prstGeom prst="roundRect">
-          <a:avLst>
-            <a:gd name="adj" fmla="val 10000"/>
-          </a:avLst>
-        </a:prstGeom>
-        <a:solidFill>
-          <a:schemeClr val="accent1">
-            <a:hueOff val="0"/>
-            <a:satOff val="0"/>
-            <a:lumOff val="0"/>
-            <a:alphaOff val="0"/>
-          </a:schemeClr>
-        </a:solidFill>
-        <a:ln w="25400" cap="flat" cmpd="sng" algn="ctr">
-          <a:solidFill>
-            <a:schemeClr val="lt1">
-              <a:hueOff val="0"/>
-              <a:satOff val="0"/>
-              <a:lumOff val="0"/>
-              <a:alphaOff val="0"/>
-            </a:schemeClr>
-          </a:solidFill>
-          <a:miter lim="800000"/>
-        </a:ln>
-        <a:effectLst/>
-      </dsp:spPr>
-      <dsp:style>
-        <a:lnRef idx="2">
-          <a:scrgbClr r="0" g="0" b="0"/>
-        </a:lnRef>
-        <a:fillRef idx="1">
-          <a:scrgbClr r="0" g="0" b="0"/>
-        </a:fillRef>
-        <a:effectRef idx="0">
-          <a:scrgbClr r="0" g="0" b="0"/>
-        </a:effectRef>
-        <a:fontRef idx="minor">
-          <a:schemeClr val="lt1"/>
-        </a:fontRef>
-      </dsp:style>
-    </dsp:sp>
-    <dsp:sp modelId="{5B801A85-6C38-4204-A802-154EC5C79269}">
-      <dsp:nvSpPr>
-        <dsp:cNvPr id="0" name=""/>
-        <dsp:cNvSpPr/>
-      </dsp:nvSpPr>
-      <dsp:spPr>
-        <a:xfrm>
-          <a:off x="2437767" y="3656648"/>
-          <a:ext cx="1260766" cy="800586"/>
-        </a:xfrm>
-        <a:prstGeom prst="roundRect">
-          <a:avLst>
-            <a:gd name="adj" fmla="val 10000"/>
-          </a:avLst>
-        </a:prstGeom>
-        <a:solidFill>
-          <a:schemeClr val="lt1">
-            <a:alpha val="90000"/>
-            <a:hueOff val="0"/>
-            <a:satOff val="0"/>
-            <a:lumOff val="0"/>
-            <a:alphaOff val="0"/>
-          </a:schemeClr>
-        </a:solidFill>
-        <a:ln w="25400" cap="flat" cmpd="sng" algn="ctr">
-          <a:solidFill>
-            <a:schemeClr val="accent1">
-              <a:hueOff val="0"/>
-              <a:satOff val="0"/>
-              <a:lumOff val="0"/>
-              <a:alphaOff val="0"/>
-            </a:schemeClr>
-          </a:solidFill>
-          <a:miter lim="800000"/>
-        </a:ln>
-        <a:effectLst/>
-      </dsp:spPr>
-      <dsp:style>
-        <a:lnRef idx="2">
-          <a:scrgbClr r="0" g="0" b="0"/>
-        </a:lnRef>
-        <a:fillRef idx="1">
-          <a:scrgbClr r="0" g="0" b="0"/>
-        </a:fillRef>
-        <a:effectRef idx="0">
-          <a:scrgbClr r="0" g="0" b="0"/>
-        </a:effectRef>
-        <a:fontRef idx="minor"/>
-      </dsp:style>
-      <dsp:txBody>
-        <a:bodyPr spcFirstLastPara="0" vert="horz" wrap="square" lIns="41910" tIns="41910" rIns="41910" bIns="41910" numCol="1" spcCol="1270" anchor="ctr" anchorCtr="0">
-          <a:noAutofit/>
-        </a:bodyPr>
-        <a:lstStyle/>
-        <a:p>
-          <a:pPr lvl="0" algn="ctr" defTabSz="488950">
-            <a:lnSpc>
-              <a:spcPct val="90000"/>
-            </a:lnSpc>
-            <a:spcBef>
-              <a:spcPct val="0"/>
-            </a:spcBef>
-            <a:spcAft>
-              <a:spcPct val="35000"/>
-            </a:spcAft>
-          </a:pPr>
-          <a:r>
-            <a:rPr lang="en-US" sz="1100" b="1" kern="1200" dirty="0" smtClean="0"/>
-            <a:t>HR representative</a:t>
-          </a:r>
-          <a:endParaRPr lang="en-US" sz="1100" b="1" kern="1200" dirty="0"/>
-        </a:p>
-      </dsp:txBody>
-      <dsp:txXfrm>
-        <a:off x="2461215" y="3680096"/>
-        <a:ext cx="1213870" cy="753690"/>
-      </dsp:txXfrm>
-    </dsp:sp>
-    <dsp:sp modelId="{0D430ACC-0A24-4E88-8E41-B626B052AB56}">
-      <dsp:nvSpPr>
-        <dsp:cNvPr id="0" name=""/>
-        <dsp:cNvSpPr/>
-      </dsp:nvSpPr>
-      <dsp:spPr>
-        <a:xfrm>
-          <a:off x="3091247" y="2351832"/>
-          <a:ext cx="1260766" cy="800586"/>
-        </a:xfrm>
-        <a:prstGeom prst="roundRect">
-          <a:avLst>
-            <a:gd name="adj" fmla="val 10000"/>
-          </a:avLst>
-        </a:prstGeom>
-        <a:solidFill>
-          <a:schemeClr val="accent1">
-            <a:hueOff val="0"/>
-            <a:satOff val="0"/>
-            <a:lumOff val="0"/>
-            <a:alphaOff val="0"/>
-          </a:schemeClr>
-        </a:solidFill>
-        <a:ln w="25400" cap="flat" cmpd="sng" algn="ctr">
-          <a:solidFill>
-            <a:schemeClr val="lt1">
-              <a:hueOff val="0"/>
-              <a:satOff val="0"/>
-              <a:lumOff val="0"/>
-              <a:alphaOff val="0"/>
-            </a:schemeClr>
-          </a:solidFill>
-          <a:miter lim="800000"/>
-        </a:ln>
-        <a:effectLst/>
-      </dsp:spPr>
-      <dsp:style>
-        <a:lnRef idx="2">
-          <a:scrgbClr r="0" g="0" b="0"/>
-        </a:lnRef>
-        <a:fillRef idx="1">
-          <a:scrgbClr r="0" g="0" b="0"/>
-        </a:fillRef>
-        <a:effectRef idx="0">
-          <a:scrgbClr r="0" g="0" b="0"/>
-        </a:effectRef>
-        <a:fontRef idx="minor">
-          <a:schemeClr val="lt1"/>
-        </a:fontRef>
-      </dsp:style>
-    </dsp:sp>
-    <dsp:sp modelId="{154549B9-146B-470F-8DA8-7473A3C06B36}">
-      <dsp:nvSpPr>
-        <dsp:cNvPr id="0" name=""/>
-        <dsp:cNvSpPr/>
-      </dsp:nvSpPr>
-      <dsp:spPr>
-        <a:xfrm>
-          <a:off x="3231333" y="2484913"/>
-          <a:ext cx="1260766" cy="800586"/>
-        </a:xfrm>
-        <a:prstGeom prst="roundRect">
-          <a:avLst>
-            <a:gd name="adj" fmla="val 10000"/>
-          </a:avLst>
-        </a:prstGeom>
-        <a:solidFill>
-          <a:schemeClr val="lt1">
-            <a:alpha val="90000"/>
-            <a:hueOff val="0"/>
-            <a:satOff val="0"/>
-            <a:lumOff val="0"/>
-            <a:alphaOff val="0"/>
-          </a:schemeClr>
-        </a:solidFill>
-        <a:ln w="25400" cap="flat" cmpd="sng" algn="ctr">
-          <a:solidFill>
-            <a:schemeClr val="accent1">
-              <a:hueOff val="0"/>
-              <a:satOff val="0"/>
-              <a:lumOff val="0"/>
-              <a:alphaOff val="0"/>
-            </a:schemeClr>
-          </a:solidFill>
-          <a:miter lim="800000"/>
-        </a:ln>
-        <a:effectLst/>
-      </dsp:spPr>
-      <dsp:style>
-        <a:lnRef idx="2">
-          <a:scrgbClr r="0" g="0" b="0"/>
-        </a:lnRef>
-        <a:fillRef idx="1">
-          <a:scrgbClr r="0" g="0" b="0"/>
-        </a:fillRef>
-        <a:effectRef idx="0">
-          <a:scrgbClr r="0" g="0" b="0"/>
-        </a:effectRef>
-        <a:fontRef idx="minor"/>
-      </dsp:style>
-      <dsp:txBody>
-        <a:bodyPr spcFirstLastPara="0" vert="horz" wrap="square" lIns="41910" tIns="41910" rIns="41910" bIns="41910" numCol="1" spcCol="1270" anchor="ctr" anchorCtr="0">
-          <a:noAutofit/>
-        </a:bodyPr>
-        <a:lstStyle/>
-        <a:p>
-          <a:pPr lvl="0" algn="ctr" defTabSz="488950">
-            <a:lnSpc>
-              <a:spcPct val="90000"/>
-            </a:lnSpc>
-            <a:spcBef>
-              <a:spcPct val="0"/>
-            </a:spcBef>
-            <a:spcAft>
-              <a:spcPct val="35000"/>
-            </a:spcAft>
-          </a:pPr>
-          <a:r>
-            <a:rPr lang="en-US" sz="1100" b="1" kern="1200" dirty="0" err="1" smtClean="0"/>
-            <a:t>Prashanth</a:t>
-          </a:r>
-          <a:r>
-            <a:rPr lang="en-US" sz="1100" b="1" kern="1200" dirty="0" smtClean="0"/>
-            <a:t> Desai</a:t>
-          </a:r>
-          <a:br>
-            <a:rPr lang="en-US" sz="1100" b="1" kern="1200" dirty="0" smtClean="0"/>
-          </a:br>
-          <a:r>
-            <a:rPr lang="en-US" sz="1100" b="0" kern="1200" dirty="0" smtClean="0"/>
-            <a:t>Regiona</a:t>
-          </a:r>
-          <a:r>
-            <a:rPr lang="en-US" sz="1100" b="1" kern="1200" dirty="0" smtClean="0"/>
-            <a:t>l</a:t>
-          </a:r>
-          <a:r>
-            <a:rPr lang="en-US" sz="1100" i="1" kern="1200" dirty="0" smtClean="0"/>
-            <a:t> Manager</a:t>
-          </a:r>
-        </a:p>
-        <a:p>
-          <a:pPr lvl="0" algn="ctr" defTabSz="488950">
-            <a:lnSpc>
-              <a:spcPct val="90000"/>
-            </a:lnSpc>
-            <a:spcBef>
-              <a:spcPct val="0"/>
-            </a:spcBef>
-            <a:spcAft>
-              <a:spcPct val="35000"/>
-            </a:spcAft>
-          </a:pPr>
-          <a:r>
-            <a:rPr lang="en-US" sz="1100" i="1" kern="1200" dirty="0" smtClean="0"/>
-            <a:t>Of 5 Locations</a:t>
-          </a:r>
-          <a:endParaRPr lang="en-US" sz="1100" i="1" kern="1200" dirty="0"/>
-        </a:p>
-      </dsp:txBody>
-      <dsp:txXfrm>
-        <a:off x="3254781" y="2508361"/>
-        <a:ext cx="1213870" cy="753690"/>
-      </dsp:txXfrm>
-    </dsp:sp>
-    <dsp:sp modelId="{814D968B-BB58-4009-A740-66AD03AAD2CC}">
-      <dsp:nvSpPr>
-        <dsp:cNvPr id="0" name=""/>
-        <dsp:cNvSpPr/>
-      </dsp:nvSpPr>
-      <dsp:spPr>
-        <a:xfrm>
-          <a:off x="5402653" y="1184572"/>
-          <a:ext cx="1260766" cy="800586"/>
-        </a:xfrm>
-        <a:prstGeom prst="roundRect">
-          <a:avLst>
-            <a:gd name="adj" fmla="val 10000"/>
-          </a:avLst>
-        </a:prstGeom>
-        <a:solidFill>
-          <a:schemeClr val="accent1">
-            <a:hueOff val="0"/>
-            <a:satOff val="0"/>
-            <a:lumOff val="0"/>
-            <a:alphaOff val="0"/>
-          </a:schemeClr>
-        </a:solidFill>
-        <a:ln w="25400" cap="flat" cmpd="sng" algn="ctr">
-          <a:solidFill>
-            <a:schemeClr val="lt1">
-              <a:hueOff val="0"/>
-              <a:satOff val="0"/>
-              <a:lumOff val="0"/>
-              <a:alphaOff val="0"/>
-            </a:schemeClr>
-          </a:solidFill>
-          <a:miter lim="800000"/>
-        </a:ln>
-        <a:effectLst/>
-      </dsp:spPr>
-      <dsp:style>
-        <a:lnRef idx="2">
-          <a:scrgbClr r="0" g="0" b="0"/>
-        </a:lnRef>
-        <a:fillRef idx="1">
-          <a:scrgbClr r="0" g="0" b="0"/>
-        </a:fillRef>
-        <a:effectRef idx="0">
-          <a:scrgbClr r="0" g="0" b="0"/>
-        </a:effectRef>
-        <a:fontRef idx="minor">
-          <a:schemeClr val="lt1"/>
-        </a:fontRef>
-      </dsp:style>
-    </dsp:sp>
-    <dsp:sp modelId="{F95FE02B-F52A-4D21-AD4B-153872E225D6}">
-      <dsp:nvSpPr>
-        <dsp:cNvPr id="0" name=""/>
-        <dsp:cNvSpPr/>
-      </dsp:nvSpPr>
-      <dsp:spPr>
-        <a:xfrm>
-          <a:off x="5542738" y="1317653"/>
-          <a:ext cx="1260766" cy="800586"/>
-        </a:xfrm>
-        <a:prstGeom prst="roundRect">
-          <a:avLst>
-            <a:gd name="adj" fmla="val 10000"/>
-          </a:avLst>
-        </a:prstGeom>
-        <a:solidFill>
-          <a:schemeClr val="lt1">
-            <a:alpha val="90000"/>
-            <a:hueOff val="0"/>
-            <a:satOff val="0"/>
-            <a:lumOff val="0"/>
-            <a:alphaOff val="0"/>
-          </a:schemeClr>
-        </a:solidFill>
-        <a:ln w="25400" cap="flat" cmpd="sng" algn="ctr">
-          <a:solidFill>
-            <a:schemeClr val="accent1">
-              <a:hueOff val="0"/>
-              <a:satOff val="0"/>
-              <a:lumOff val="0"/>
-              <a:alphaOff val="0"/>
-            </a:schemeClr>
-          </a:solidFill>
-          <a:miter lim="800000"/>
-        </a:ln>
-        <a:effectLst/>
-      </dsp:spPr>
-      <dsp:style>
-        <a:lnRef idx="2">
-          <a:scrgbClr r="0" g="0" b="0"/>
-        </a:lnRef>
-        <a:fillRef idx="1">
-          <a:scrgbClr r="0" g="0" b="0"/>
-        </a:fillRef>
-        <a:effectRef idx="0">
-          <a:scrgbClr r="0" g="0" b="0"/>
-        </a:effectRef>
-        <a:fontRef idx="minor"/>
-      </dsp:style>
-      <dsp:txBody>
-        <a:bodyPr spcFirstLastPara="0" vert="horz" wrap="square" lIns="41910" tIns="41910" rIns="41910" bIns="41910" numCol="1" spcCol="1270" anchor="ctr" anchorCtr="0">
-          <a:noAutofit/>
-        </a:bodyPr>
-        <a:lstStyle/>
-        <a:p>
-          <a:pPr lvl="0" algn="ctr" defTabSz="488950">
-            <a:lnSpc>
-              <a:spcPct val="90000"/>
-            </a:lnSpc>
-            <a:spcBef>
-              <a:spcPct val="0"/>
-            </a:spcBef>
-            <a:spcAft>
-              <a:spcPct val="35000"/>
-            </a:spcAft>
-          </a:pPr>
-          <a:r>
-            <a:rPr lang="en-US" sz="1100" b="1" kern="1200" dirty="0" smtClean="0"/>
-            <a:t>Lawrie Gaffney</a:t>
-          </a:r>
-          <a:r>
-            <a:rPr lang="en-US" sz="1100" kern="1200" dirty="0" smtClean="0"/>
-            <a:t/>
-          </a:r>
-          <a:br>
-            <a:rPr lang="en-US" sz="1100" kern="1200" dirty="0" smtClean="0"/>
-          </a:br>
-          <a:r>
-            <a:rPr lang="en-US" sz="1100" kern="1200" dirty="0" smtClean="0"/>
-            <a:t>CFO</a:t>
-          </a:r>
-          <a:endParaRPr lang="en-US" sz="1100" i="1" kern="1200" dirty="0"/>
-        </a:p>
-      </dsp:txBody>
-      <dsp:txXfrm>
-        <a:off x="5566186" y="1341101"/>
-        <a:ext cx="1213870" cy="753690"/>
-      </dsp:txXfrm>
-    </dsp:sp>
-    <dsp:sp modelId="{BB1DA2C6-9035-47F3-AABE-8B758B6D19F0}">
-      <dsp:nvSpPr>
-        <dsp:cNvPr id="0" name=""/>
-        <dsp:cNvSpPr/>
-      </dsp:nvSpPr>
-      <dsp:spPr>
-        <a:xfrm>
-          <a:off x="4632185" y="2351832"/>
-          <a:ext cx="1260766" cy="800586"/>
-        </a:xfrm>
-        <a:prstGeom prst="roundRect">
-          <a:avLst>
-            <a:gd name="adj" fmla="val 10000"/>
-          </a:avLst>
-        </a:prstGeom>
-        <a:solidFill>
-          <a:schemeClr val="accent1">
-            <a:hueOff val="0"/>
-            <a:satOff val="0"/>
-            <a:lumOff val="0"/>
-            <a:alphaOff val="0"/>
-          </a:schemeClr>
-        </a:solidFill>
-        <a:ln w="25400" cap="flat" cmpd="sng" algn="ctr">
-          <a:solidFill>
-            <a:schemeClr val="lt1">
-              <a:hueOff val="0"/>
-              <a:satOff val="0"/>
-              <a:lumOff val="0"/>
-              <a:alphaOff val="0"/>
-            </a:schemeClr>
-          </a:solidFill>
-          <a:miter lim="800000"/>
-        </a:ln>
-        <a:effectLst/>
-      </dsp:spPr>
-      <dsp:style>
-        <a:lnRef idx="2">
-          <a:scrgbClr r="0" g="0" b="0"/>
-        </a:lnRef>
-        <a:fillRef idx="1">
-          <a:scrgbClr r="0" g="0" b="0"/>
-        </a:fillRef>
-        <a:effectRef idx="0">
-          <a:scrgbClr r="0" g="0" b="0"/>
-        </a:effectRef>
-        <a:fontRef idx="minor">
-          <a:schemeClr val="lt1"/>
-        </a:fontRef>
-      </dsp:style>
-    </dsp:sp>
-    <dsp:sp modelId="{9D06AB76-11B4-4CAA-9887-9CEC3100795D}">
-      <dsp:nvSpPr>
-        <dsp:cNvPr id="0" name=""/>
-        <dsp:cNvSpPr/>
-      </dsp:nvSpPr>
-      <dsp:spPr>
-        <a:xfrm>
-          <a:off x="4772270" y="2484913"/>
-          <a:ext cx="1260766" cy="800586"/>
-        </a:xfrm>
-        <a:prstGeom prst="roundRect">
-          <a:avLst>
-            <a:gd name="adj" fmla="val 10000"/>
-          </a:avLst>
-        </a:prstGeom>
-        <a:solidFill>
-          <a:schemeClr val="lt1">
-            <a:alpha val="90000"/>
-            <a:hueOff val="0"/>
-            <a:satOff val="0"/>
-            <a:lumOff val="0"/>
-            <a:alphaOff val="0"/>
-          </a:schemeClr>
-        </a:solidFill>
-        <a:ln w="25400" cap="flat" cmpd="sng" algn="ctr">
-          <a:solidFill>
-            <a:schemeClr val="accent1">
-              <a:hueOff val="0"/>
-              <a:satOff val="0"/>
-              <a:lumOff val="0"/>
-              <a:alphaOff val="0"/>
-            </a:schemeClr>
-          </a:solidFill>
-          <a:miter lim="800000"/>
-        </a:ln>
-        <a:effectLst/>
-      </dsp:spPr>
-      <dsp:style>
-        <a:lnRef idx="2">
-          <a:scrgbClr r="0" g="0" b="0"/>
-        </a:lnRef>
-        <a:fillRef idx="1">
-          <a:scrgbClr r="0" g="0" b="0"/>
-        </a:fillRef>
-        <a:effectRef idx="0">
-          <a:scrgbClr r="0" g="0" b="0"/>
-        </a:effectRef>
-        <a:fontRef idx="minor"/>
-      </dsp:style>
-      <dsp:txBody>
-        <a:bodyPr spcFirstLastPara="0" vert="horz" wrap="square" lIns="41910" tIns="41910" rIns="41910" bIns="41910" numCol="1" spcCol="1270" anchor="ctr" anchorCtr="0">
-          <a:noAutofit/>
-        </a:bodyPr>
-        <a:lstStyle/>
-        <a:p>
-          <a:pPr lvl="0" algn="ctr" defTabSz="488950">
-            <a:lnSpc>
-              <a:spcPct val="90000"/>
-            </a:lnSpc>
-            <a:spcBef>
-              <a:spcPct val="0"/>
-            </a:spcBef>
-            <a:spcAft>
-              <a:spcPct val="35000"/>
-            </a:spcAft>
-          </a:pPr>
-          <a:r>
-            <a:rPr lang="en-US" sz="1100" b="1" kern="1200" smtClean="0"/>
-            <a:t>Patrick lliott</a:t>
-          </a:r>
-          <a:r>
-            <a:rPr lang="en-US" sz="1100" b="1" kern="1200" dirty="0" smtClean="0"/>
-            <a:t/>
-          </a:r>
-          <a:br>
-            <a:rPr lang="en-US" sz="1100" b="1" kern="1200" dirty="0" smtClean="0"/>
-          </a:br>
-          <a:r>
-            <a:rPr lang="en-US" sz="1100" i="1" kern="1200" dirty="0" smtClean="0"/>
-            <a:t>VP Finance</a:t>
-          </a:r>
-          <a:endParaRPr lang="en-US" sz="1100" i="1" kern="1200" dirty="0"/>
-        </a:p>
-      </dsp:txBody>
-      <dsp:txXfrm>
-        <a:off x="4795718" y="2508361"/>
-        <a:ext cx="1213870" cy="753690"/>
-      </dsp:txXfrm>
-    </dsp:sp>
-    <dsp:sp modelId="{C410A2C1-12AA-4197-9D2B-0529261F107A}">
-      <dsp:nvSpPr>
-        <dsp:cNvPr id="0" name=""/>
-        <dsp:cNvSpPr/>
-      </dsp:nvSpPr>
-      <dsp:spPr>
-        <a:xfrm>
-          <a:off x="6173122" y="2351832"/>
-          <a:ext cx="1260766" cy="800586"/>
-        </a:xfrm>
-        <a:prstGeom prst="roundRect">
-          <a:avLst>
-            <a:gd name="adj" fmla="val 10000"/>
-          </a:avLst>
-        </a:prstGeom>
-        <a:solidFill>
-          <a:schemeClr val="accent1">
-            <a:hueOff val="0"/>
-            <a:satOff val="0"/>
-            <a:lumOff val="0"/>
-            <a:alphaOff val="0"/>
-          </a:schemeClr>
-        </a:solidFill>
-        <a:ln w="25400" cap="flat" cmpd="sng" algn="ctr">
-          <a:solidFill>
-            <a:schemeClr val="lt1">
-              <a:hueOff val="0"/>
-              <a:satOff val="0"/>
-              <a:lumOff val="0"/>
-              <a:alphaOff val="0"/>
-            </a:schemeClr>
-          </a:solidFill>
-          <a:miter lim="800000"/>
-        </a:ln>
-        <a:effectLst/>
-      </dsp:spPr>
-      <dsp:style>
-        <a:lnRef idx="2">
-          <a:scrgbClr r="0" g="0" b="0"/>
-        </a:lnRef>
-        <a:fillRef idx="1">
-          <a:scrgbClr r="0" g="0" b="0"/>
-        </a:fillRef>
-        <a:effectRef idx="0">
-          <a:scrgbClr r="0" g="0" b="0"/>
-        </a:effectRef>
-        <a:fontRef idx="minor">
-          <a:schemeClr val="lt1"/>
-        </a:fontRef>
-      </dsp:style>
-    </dsp:sp>
-    <dsp:sp modelId="{CFD81334-87C5-4BAE-8B17-A68BD1AC0BD4}">
-      <dsp:nvSpPr>
-        <dsp:cNvPr id="0" name=""/>
-        <dsp:cNvSpPr/>
-      </dsp:nvSpPr>
-      <dsp:spPr>
-        <a:xfrm>
-          <a:off x="6313207" y="2484913"/>
-          <a:ext cx="1260766" cy="800586"/>
-        </a:xfrm>
-        <a:prstGeom prst="roundRect">
-          <a:avLst>
-            <a:gd name="adj" fmla="val 10000"/>
-          </a:avLst>
-        </a:prstGeom>
-        <a:solidFill>
-          <a:schemeClr val="lt1">
-            <a:alpha val="90000"/>
-            <a:hueOff val="0"/>
-            <a:satOff val="0"/>
-            <a:lumOff val="0"/>
-            <a:alphaOff val="0"/>
-          </a:schemeClr>
-        </a:solidFill>
-        <a:ln w="25400" cap="flat" cmpd="sng" algn="ctr">
-          <a:solidFill>
-            <a:schemeClr val="accent1">
-              <a:hueOff val="0"/>
-              <a:satOff val="0"/>
-              <a:lumOff val="0"/>
-              <a:alphaOff val="0"/>
-            </a:schemeClr>
-          </a:solidFill>
-          <a:miter lim="800000"/>
-        </a:ln>
-        <a:effectLst/>
-      </dsp:spPr>
-      <dsp:style>
-        <a:lnRef idx="2">
-          <a:scrgbClr r="0" g="0" b="0"/>
-        </a:lnRef>
-        <a:fillRef idx="1">
-          <a:scrgbClr r="0" g="0" b="0"/>
-        </a:fillRef>
-        <a:effectRef idx="0">
-          <a:scrgbClr r="0" g="0" b="0"/>
-        </a:effectRef>
-        <a:fontRef idx="minor"/>
-      </dsp:style>
-      <dsp:txBody>
-        <a:bodyPr spcFirstLastPara="0" vert="horz" wrap="square" lIns="41910" tIns="41910" rIns="41910" bIns="41910" numCol="1" spcCol="1270" anchor="ctr" anchorCtr="0">
-          <a:noAutofit/>
-        </a:bodyPr>
-        <a:lstStyle/>
-        <a:p>
-          <a:pPr lvl="0" algn="ctr" defTabSz="488950">
-            <a:lnSpc>
-              <a:spcPct val="90000"/>
-            </a:lnSpc>
-            <a:spcBef>
-              <a:spcPct val="0"/>
-            </a:spcBef>
-            <a:spcAft>
-              <a:spcPct val="35000"/>
-            </a:spcAft>
-          </a:pPr>
-          <a:r>
-            <a:rPr lang="en-US" sz="1100" b="1" kern="1200" dirty="0" smtClean="0"/>
-            <a:t>Lola Jacobsen</a:t>
-          </a:r>
-          <a:br>
-            <a:rPr lang="en-US" sz="1100" b="1" kern="1200" dirty="0" smtClean="0"/>
-          </a:br>
-          <a:r>
-            <a:rPr lang="en-US" sz="1100" i="1" kern="1200" dirty="0" smtClean="0"/>
-            <a:t>VP Accounting</a:t>
-          </a:r>
-          <a:endParaRPr lang="en-US" sz="1100" i="1" kern="1200" dirty="0"/>
-        </a:p>
-      </dsp:txBody>
-      <dsp:txXfrm>
-        <a:off x="6336655" y="2508361"/>
-        <a:ext cx="1213870" cy="753690"/>
-      </dsp:txXfrm>
-    </dsp:sp>
-    <dsp:sp modelId="{53DA5E8F-87F9-40FC-9678-EFD0486B275A}">
-      <dsp:nvSpPr>
-        <dsp:cNvPr id="0" name=""/>
-        <dsp:cNvSpPr/>
-      </dsp:nvSpPr>
-      <dsp:spPr>
-        <a:xfrm>
-          <a:off x="8484527" y="1184572"/>
-          <a:ext cx="1260766" cy="800586"/>
-        </a:xfrm>
-        <a:prstGeom prst="roundRect">
-          <a:avLst>
-            <a:gd name="adj" fmla="val 10000"/>
-          </a:avLst>
-        </a:prstGeom>
-        <a:solidFill>
-          <a:schemeClr val="accent1">
-            <a:hueOff val="0"/>
-            <a:satOff val="0"/>
-            <a:lumOff val="0"/>
-            <a:alphaOff val="0"/>
-          </a:schemeClr>
-        </a:solidFill>
-        <a:ln w="25400" cap="flat" cmpd="sng" algn="ctr">
-          <a:solidFill>
-            <a:schemeClr val="lt1">
-              <a:hueOff val="0"/>
-              <a:satOff val="0"/>
-              <a:lumOff val="0"/>
-              <a:alphaOff val="0"/>
-            </a:schemeClr>
-          </a:solidFill>
-          <a:miter lim="800000"/>
-        </a:ln>
-        <a:effectLst/>
-      </dsp:spPr>
-      <dsp:style>
-        <a:lnRef idx="2">
-          <a:scrgbClr r="0" g="0" b="0"/>
-        </a:lnRef>
-        <a:fillRef idx="1">
-          <a:scrgbClr r="0" g="0" b="0"/>
-        </a:fillRef>
-        <a:effectRef idx="0">
-          <a:scrgbClr r="0" g="0" b="0"/>
-        </a:effectRef>
-        <a:fontRef idx="minor">
-          <a:schemeClr val="lt1"/>
-        </a:fontRef>
-      </dsp:style>
-    </dsp:sp>
-    <dsp:sp modelId="{08017F3B-DDE1-42D3-931F-E089B2220CD1}">
-      <dsp:nvSpPr>
-        <dsp:cNvPr id="0" name=""/>
-        <dsp:cNvSpPr/>
-      </dsp:nvSpPr>
-      <dsp:spPr>
-        <a:xfrm>
-          <a:off x="8624612" y="1317653"/>
-          <a:ext cx="1260766" cy="800586"/>
-        </a:xfrm>
-        <a:prstGeom prst="roundRect">
-          <a:avLst>
-            <a:gd name="adj" fmla="val 10000"/>
-          </a:avLst>
-        </a:prstGeom>
-        <a:solidFill>
-          <a:schemeClr val="lt1">
-            <a:alpha val="90000"/>
-            <a:hueOff val="0"/>
-            <a:satOff val="0"/>
-            <a:lumOff val="0"/>
-            <a:alphaOff val="0"/>
-          </a:schemeClr>
-        </a:solidFill>
-        <a:ln w="25400" cap="flat" cmpd="sng" algn="ctr">
-          <a:solidFill>
-            <a:schemeClr val="accent1">
-              <a:hueOff val="0"/>
-              <a:satOff val="0"/>
-              <a:lumOff val="0"/>
-              <a:alphaOff val="0"/>
-            </a:schemeClr>
-          </a:solidFill>
-          <a:miter lim="800000"/>
-        </a:ln>
-        <a:effectLst/>
-      </dsp:spPr>
-      <dsp:style>
-        <a:lnRef idx="2">
-          <a:scrgbClr r="0" g="0" b="0"/>
-        </a:lnRef>
-        <a:fillRef idx="1">
-          <a:scrgbClr r="0" g="0" b="0"/>
-        </a:fillRef>
-        <a:effectRef idx="0">
-          <a:scrgbClr r="0" g="0" b="0"/>
-        </a:effectRef>
-        <a:fontRef idx="minor"/>
-      </dsp:style>
-      <dsp:txBody>
-        <a:bodyPr spcFirstLastPara="0" vert="horz" wrap="square" lIns="41910" tIns="41910" rIns="41910" bIns="41910" numCol="1" spcCol="1270" anchor="ctr" anchorCtr="0">
-          <a:noAutofit/>
-        </a:bodyPr>
-        <a:lstStyle/>
-        <a:p>
-          <a:pPr lvl="0" algn="ctr" defTabSz="488950">
-            <a:lnSpc>
-              <a:spcPct val="90000"/>
-            </a:lnSpc>
-            <a:spcBef>
-              <a:spcPct val="0"/>
-            </a:spcBef>
-            <a:spcAft>
-              <a:spcPct val="35000"/>
-            </a:spcAft>
-          </a:pPr>
-          <a:r>
-            <a:rPr lang="en-US" sz="1100" b="1" kern="1200" dirty="0" err="1" smtClean="0"/>
-            <a:t>Szabolcs</a:t>
-          </a:r>
-          <a:r>
-            <a:rPr lang="en-US" sz="1100" b="1" kern="1200" dirty="0" smtClean="0"/>
-            <a:t> </a:t>
-          </a:r>
-          <a:r>
-            <a:rPr lang="en-US" sz="1100" b="1" kern="1200" dirty="0" err="1" smtClean="0"/>
-            <a:t>Vajda</a:t>
-          </a:r>
-          <a:r>
-            <a:rPr lang="en-US" sz="1100" b="1" kern="1200" dirty="0" smtClean="0"/>
-            <a:t/>
-          </a:r>
-          <a:br>
-            <a:rPr lang="en-US" sz="1100" b="1" kern="1200" dirty="0" smtClean="0"/>
-          </a:br>
-          <a:r>
-            <a:rPr lang="en-US" sz="1100" b="0" kern="1200" dirty="0" smtClean="0"/>
-            <a:t>Director of Human Resources</a:t>
-          </a:r>
-          <a:endParaRPr lang="en-US" sz="1100" b="0" i="1" kern="1200" dirty="0"/>
-        </a:p>
-      </dsp:txBody>
-      <dsp:txXfrm>
-        <a:off x="8648060" y="1341101"/>
-        <a:ext cx="1213870" cy="753690"/>
-      </dsp:txXfrm>
-    </dsp:sp>
-    <dsp:sp modelId="{C1D5E974-C272-426D-9C3B-33FC0063D5F1}">
-      <dsp:nvSpPr>
-        <dsp:cNvPr id="0" name=""/>
-        <dsp:cNvSpPr/>
-      </dsp:nvSpPr>
-      <dsp:spPr>
-        <a:xfrm>
-          <a:off x="7714059" y="2351832"/>
-          <a:ext cx="1260766" cy="800586"/>
-        </a:xfrm>
-        <a:prstGeom prst="roundRect">
-          <a:avLst>
-            <a:gd name="adj" fmla="val 10000"/>
-          </a:avLst>
-        </a:prstGeom>
-        <a:solidFill>
-          <a:schemeClr val="accent1">
-            <a:hueOff val="0"/>
-            <a:satOff val="0"/>
-            <a:lumOff val="0"/>
-            <a:alphaOff val="0"/>
-          </a:schemeClr>
-        </a:solidFill>
-        <a:ln w="25400" cap="flat" cmpd="sng" algn="ctr">
-          <a:solidFill>
-            <a:schemeClr val="lt1">
-              <a:hueOff val="0"/>
-              <a:satOff val="0"/>
-              <a:lumOff val="0"/>
-              <a:alphaOff val="0"/>
-            </a:schemeClr>
-          </a:solidFill>
-          <a:miter lim="800000"/>
-        </a:ln>
-        <a:effectLst/>
-      </dsp:spPr>
-      <dsp:style>
-        <a:lnRef idx="2">
-          <a:scrgbClr r="0" g="0" b="0"/>
-        </a:lnRef>
-        <a:fillRef idx="1">
-          <a:scrgbClr r="0" g="0" b="0"/>
-        </a:fillRef>
-        <a:effectRef idx="0">
-          <a:scrgbClr r="0" g="0" b="0"/>
-        </a:effectRef>
-        <a:fontRef idx="minor">
-          <a:schemeClr val="lt1"/>
-        </a:fontRef>
-      </dsp:style>
-    </dsp:sp>
-    <dsp:sp modelId="{2890AA37-9CAE-47C1-8091-0E18D98AD0A1}">
-      <dsp:nvSpPr>
-        <dsp:cNvPr id="0" name=""/>
-        <dsp:cNvSpPr/>
-      </dsp:nvSpPr>
-      <dsp:spPr>
-        <a:xfrm>
-          <a:off x="7854144" y="2484913"/>
-          <a:ext cx="1260766" cy="800586"/>
-        </a:xfrm>
-        <a:prstGeom prst="roundRect">
-          <a:avLst>
-            <a:gd name="adj" fmla="val 10000"/>
-          </a:avLst>
-        </a:prstGeom>
-        <a:solidFill>
-          <a:schemeClr val="lt1">
-            <a:alpha val="90000"/>
-            <a:hueOff val="0"/>
-            <a:satOff val="0"/>
-            <a:lumOff val="0"/>
-            <a:alphaOff val="0"/>
-          </a:schemeClr>
-        </a:solidFill>
-        <a:ln w="25400" cap="flat" cmpd="sng" algn="ctr">
-          <a:solidFill>
-            <a:schemeClr val="accent1">
-              <a:hueOff val="0"/>
-              <a:satOff val="0"/>
-              <a:lumOff val="0"/>
-              <a:alphaOff val="0"/>
-            </a:schemeClr>
-          </a:solidFill>
-          <a:miter lim="800000"/>
-        </a:ln>
-        <a:effectLst/>
-      </dsp:spPr>
-      <dsp:style>
-        <a:lnRef idx="2">
-          <a:scrgbClr r="0" g="0" b="0"/>
-        </a:lnRef>
-        <a:fillRef idx="1">
-          <a:scrgbClr r="0" g="0" b="0"/>
-        </a:fillRef>
-        <a:effectRef idx="0">
-          <a:scrgbClr r="0" g="0" b="0"/>
-        </a:effectRef>
-        <a:fontRef idx="minor"/>
-      </dsp:style>
-      <dsp:txBody>
-        <a:bodyPr spcFirstLastPara="0" vert="horz" wrap="square" lIns="41910" tIns="41910" rIns="41910" bIns="41910" numCol="1" spcCol="1270" anchor="ctr" anchorCtr="0">
-          <a:noAutofit/>
-        </a:bodyPr>
-        <a:lstStyle/>
-        <a:p>
-          <a:pPr lvl="0" algn="ctr" defTabSz="488950">
-            <a:lnSpc>
-              <a:spcPct val="90000"/>
-            </a:lnSpc>
-            <a:spcBef>
-              <a:spcPct val="0"/>
-            </a:spcBef>
-            <a:spcAft>
-              <a:spcPct val="35000"/>
-            </a:spcAft>
-          </a:pPr>
-          <a:r>
-            <a:rPr lang="en-US" sz="1100" b="1" kern="1200" dirty="0" smtClean="0"/>
-            <a:t>Jason </a:t>
-          </a:r>
-          <a:r>
-            <a:rPr lang="en-US" sz="1100" b="1" kern="1200" dirty="0" err="1" smtClean="0"/>
-            <a:t>Kozleski</a:t>
-          </a:r>
-          <a:r>
-            <a:rPr lang="en-US" sz="1100" kern="1200" dirty="0" smtClean="0"/>
-            <a:t/>
-          </a:r>
-          <a:br>
-            <a:rPr lang="en-US" sz="1100" kern="1200" dirty="0" smtClean="0"/>
-          </a:br>
-          <a:r>
-            <a:rPr lang="en-US" sz="1100" i="1" kern="1200" dirty="0" smtClean="0"/>
-            <a:t>VP Human Resources</a:t>
-          </a:r>
-          <a:endParaRPr lang="en-US" sz="1100" i="1" kern="1200" dirty="0"/>
-        </a:p>
-      </dsp:txBody>
-      <dsp:txXfrm>
-        <a:off x="7877592" y="2508361"/>
-        <a:ext cx="1213870" cy="753690"/>
-      </dsp:txXfrm>
-    </dsp:sp>
-    <dsp:sp modelId="{50D474EC-98DC-4737-BC55-92D95CD2A76F}">
-      <dsp:nvSpPr>
-        <dsp:cNvPr id="0" name=""/>
-        <dsp:cNvSpPr/>
-      </dsp:nvSpPr>
-      <dsp:spPr>
-        <a:xfrm>
-          <a:off x="9254996" y="2351832"/>
-          <a:ext cx="1260766" cy="800586"/>
-        </a:xfrm>
-        <a:prstGeom prst="roundRect">
-          <a:avLst>
-            <a:gd name="adj" fmla="val 10000"/>
-          </a:avLst>
-        </a:prstGeom>
-        <a:solidFill>
-          <a:schemeClr val="accent1">
-            <a:hueOff val="0"/>
-            <a:satOff val="0"/>
-            <a:lumOff val="0"/>
-            <a:alphaOff val="0"/>
-          </a:schemeClr>
-        </a:solidFill>
-        <a:ln w="25400" cap="flat" cmpd="sng" algn="ctr">
-          <a:solidFill>
-            <a:schemeClr val="lt1">
-              <a:hueOff val="0"/>
-              <a:satOff val="0"/>
-              <a:lumOff val="0"/>
-              <a:alphaOff val="0"/>
-            </a:schemeClr>
-          </a:solidFill>
-          <a:miter lim="800000"/>
-        </a:ln>
-        <a:effectLst/>
-      </dsp:spPr>
-      <dsp:style>
-        <a:lnRef idx="2">
-          <a:scrgbClr r="0" g="0" b="0"/>
-        </a:lnRef>
-        <a:fillRef idx="1">
-          <a:scrgbClr r="0" g="0" b="0"/>
-        </a:fillRef>
-        <a:effectRef idx="0">
-          <a:scrgbClr r="0" g="0" b="0"/>
-        </a:effectRef>
-        <a:fontRef idx="minor">
-          <a:schemeClr val="lt1"/>
-        </a:fontRef>
-      </dsp:style>
-    </dsp:sp>
-    <dsp:sp modelId="{28F275B9-56B8-41B6-B830-2E9E5E01E9CB}">
-      <dsp:nvSpPr>
-        <dsp:cNvPr id="0" name=""/>
-        <dsp:cNvSpPr/>
-      </dsp:nvSpPr>
-      <dsp:spPr>
-        <a:xfrm>
-          <a:off x="9395081" y="2484913"/>
-          <a:ext cx="1260766" cy="800586"/>
-        </a:xfrm>
-        <a:prstGeom prst="roundRect">
-          <a:avLst>
-            <a:gd name="adj" fmla="val 10000"/>
-          </a:avLst>
-        </a:prstGeom>
-        <a:solidFill>
-          <a:schemeClr val="lt1">
-            <a:alpha val="90000"/>
-            <a:hueOff val="0"/>
-            <a:satOff val="0"/>
-            <a:lumOff val="0"/>
-            <a:alphaOff val="0"/>
-          </a:schemeClr>
-        </a:solidFill>
-        <a:ln w="25400" cap="flat" cmpd="sng" algn="ctr">
-          <a:solidFill>
-            <a:schemeClr val="accent1">
-              <a:hueOff val="0"/>
-              <a:satOff val="0"/>
-              <a:lumOff val="0"/>
-              <a:alphaOff val="0"/>
-            </a:schemeClr>
-          </a:solidFill>
-          <a:miter lim="800000"/>
-        </a:ln>
-        <a:effectLst/>
-      </dsp:spPr>
-      <dsp:style>
-        <a:lnRef idx="2">
-          <a:scrgbClr r="0" g="0" b="0"/>
-        </a:lnRef>
-        <a:fillRef idx="1">
-          <a:scrgbClr r="0" g="0" b="0"/>
-        </a:fillRef>
-        <a:effectRef idx="0">
-          <a:scrgbClr r="0" g="0" b="0"/>
-        </a:effectRef>
-        <a:fontRef idx="minor"/>
-      </dsp:style>
-      <dsp:txBody>
-        <a:bodyPr spcFirstLastPara="0" vert="horz" wrap="square" lIns="41910" tIns="41910" rIns="41910" bIns="41910" numCol="1" spcCol="1270" anchor="ctr" anchorCtr="0">
-          <a:noAutofit/>
-        </a:bodyPr>
-        <a:lstStyle/>
-        <a:p>
-          <a:pPr lvl="0" algn="ctr" defTabSz="488950">
-            <a:lnSpc>
-              <a:spcPct val="90000"/>
-            </a:lnSpc>
-            <a:spcBef>
-              <a:spcPct val="0"/>
-            </a:spcBef>
-            <a:spcAft>
-              <a:spcPct val="35000"/>
-            </a:spcAft>
-          </a:pPr>
-          <a:r>
-            <a:rPr lang="en-US" sz="1100" b="1" kern="1200" dirty="0" smtClean="0"/>
-            <a:t>Pat Coleman</a:t>
-          </a:r>
-          <a:r>
-            <a:rPr lang="en-US" sz="1100" kern="1200" dirty="0" smtClean="0"/>
-            <a:t/>
-          </a:r>
-          <a:br>
-            <a:rPr lang="en-US" sz="1100" kern="1200" dirty="0" smtClean="0"/>
-          </a:br>
-          <a:r>
-            <a:rPr lang="en-US" sz="1100" i="1" kern="1200" dirty="0" smtClean="0"/>
-            <a:t>VP Customer Svc</a:t>
-          </a:r>
-          <a:endParaRPr lang="en-US" sz="1100" i="1" kern="1200" dirty="0"/>
-        </a:p>
-      </dsp:txBody>
-      <dsp:txXfrm>
-        <a:off x="9418529" y="2508361"/>
-        <a:ext cx="1213870" cy="753690"/>
-      </dsp:txXfrm>
-    </dsp:sp>
   </dsp:spTree>
 </dsp:drawing>
 </file>
@@ -8345,659 +5566,6 @@
       <dsp:cNvGrpSpPr/>
     </dsp:nvGrpSpPr>
     <dsp:grpSpPr/>
-    <dsp:sp modelId="{3DFC4EBF-4C9E-4157-9DF4-BB5E784C47D7}">
-      <dsp:nvSpPr>
-        <dsp:cNvPr id="0" name=""/>
-        <dsp:cNvSpPr/>
-      </dsp:nvSpPr>
-      <dsp:spPr>
-        <a:xfrm>
-          <a:off x="1160" y="0"/>
-          <a:ext cx="3017246" cy="4656511"/>
-        </a:xfrm>
-        <a:prstGeom prst="roundRect">
-          <a:avLst>
-            <a:gd name="adj" fmla="val 10000"/>
-          </a:avLst>
-        </a:prstGeom>
-        <a:solidFill>
-          <a:schemeClr val="accent1">
-            <a:tint val="40000"/>
-            <a:hueOff val="0"/>
-            <a:satOff val="0"/>
-            <a:lumOff val="0"/>
-            <a:alphaOff val="0"/>
-          </a:schemeClr>
-        </a:solidFill>
-        <a:ln>
-          <a:noFill/>
-        </a:ln>
-        <a:effectLst/>
-      </dsp:spPr>
-      <dsp:style>
-        <a:lnRef idx="0">
-          <a:scrgbClr r="0" g="0" b="0"/>
-        </a:lnRef>
-        <a:fillRef idx="1">
-          <a:scrgbClr r="0" g="0" b="0"/>
-        </a:fillRef>
-        <a:effectRef idx="0">
-          <a:scrgbClr r="0" g="0" b="0"/>
-        </a:effectRef>
-        <a:fontRef idx="minor"/>
-      </dsp:style>
-      <dsp:txBody>
-        <a:bodyPr spcFirstLastPara="0" vert="horz" wrap="square" lIns="190500" tIns="190500" rIns="190500" bIns="190500" numCol="1" spcCol="1270" anchor="ctr" anchorCtr="0">
-          <a:noAutofit/>
-        </a:bodyPr>
-        <a:lstStyle/>
-        <a:p>
-          <a:pPr lvl="0" algn="ctr" defTabSz="2222500">
-            <a:lnSpc>
-              <a:spcPct val="90000"/>
-            </a:lnSpc>
-            <a:spcBef>
-              <a:spcPct val="0"/>
-            </a:spcBef>
-            <a:spcAft>
-              <a:spcPct val="35000"/>
-            </a:spcAft>
-          </a:pPr>
-          <a:r>
-            <a:rPr lang="en-US" sz="5000" kern="1200" dirty="0" smtClean="0"/>
-            <a:t>East Coast</a:t>
-          </a:r>
-          <a:endParaRPr lang="en-US" sz="5000" kern="1200" dirty="0"/>
-        </a:p>
-      </dsp:txBody>
-      <dsp:txXfrm>
-        <a:off x="1160" y="0"/>
-        <a:ext cx="3017246" cy="1396953"/>
-      </dsp:txXfrm>
-    </dsp:sp>
-    <dsp:sp modelId="{E428CD33-FA68-46B3-9F64-5AE50B0A48A7}">
-      <dsp:nvSpPr>
-        <dsp:cNvPr id="0" name=""/>
-        <dsp:cNvSpPr/>
-      </dsp:nvSpPr>
-      <dsp:spPr>
-        <a:xfrm>
-          <a:off x="302885" y="1396953"/>
-          <a:ext cx="2413797" cy="3026732"/>
-        </a:xfrm>
-        <a:prstGeom prst="roundRect">
-          <a:avLst>
-            <a:gd name="adj" fmla="val 10000"/>
-          </a:avLst>
-        </a:prstGeom>
-        <a:solidFill>
-          <a:schemeClr val="accent1">
-            <a:hueOff val="0"/>
-            <a:satOff val="0"/>
-            <a:lumOff val="0"/>
-            <a:alphaOff val="0"/>
-          </a:schemeClr>
-        </a:solidFill>
-        <a:ln w="25400" cap="flat" cmpd="sng" algn="ctr">
-          <a:solidFill>
-            <a:schemeClr val="lt1">
-              <a:hueOff val="0"/>
-              <a:satOff val="0"/>
-              <a:lumOff val="0"/>
-              <a:alphaOff val="0"/>
-            </a:schemeClr>
-          </a:solidFill>
-          <a:miter lim="800000"/>
-        </a:ln>
-        <a:effectLst/>
-      </dsp:spPr>
-      <dsp:style>
-        <a:lnRef idx="2">
-          <a:scrgbClr r="0" g="0" b="0"/>
-        </a:lnRef>
-        <a:fillRef idx="1">
-          <a:scrgbClr r="0" g="0" b="0"/>
-        </a:fillRef>
-        <a:effectRef idx="0">
-          <a:scrgbClr r="0" g="0" b="0"/>
-        </a:effectRef>
-        <a:fontRef idx="minor">
-          <a:schemeClr val="lt1"/>
-        </a:fontRef>
-      </dsp:style>
-      <dsp:txBody>
-        <a:bodyPr spcFirstLastPara="0" vert="horz" wrap="square" lIns="48260" tIns="36195" rIns="48260" bIns="36195" numCol="1" spcCol="1270" anchor="ctr" anchorCtr="0">
-          <a:noAutofit/>
-        </a:bodyPr>
-        <a:lstStyle/>
-        <a:p>
-          <a:pPr lvl="0" algn="ctr" defTabSz="844550">
-            <a:lnSpc>
-              <a:spcPct val="90000"/>
-            </a:lnSpc>
-            <a:spcBef>
-              <a:spcPct val="0"/>
-            </a:spcBef>
-            <a:spcAft>
-              <a:spcPct val="35000"/>
-            </a:spcAft>
-          </a:pPr>
-          <a:r>
-            <a:rPr lang="en-US" sz="1900" b="1" kern="1200" dirty="0" smtClean="0"/>
-            <a:t>Philadelphia, PA</a:t>
-          </a:r>
-        </a:p>
-        <a:p>
-          <a:pPr lvl="0" algn="ctr" defTabSz="844550">
-            <a:lnSpc>
-              <a:spcPct val="90000"/>
-            </a:lnSpc>
-            <a:spcBef>
-              <a:spcPct val="0"/>
-            </a:spcBef>
-            <a:spcAft>
-              <a:spcPct val="35000"/>
-            </a:spcAft>
-          </a:pPr>
-          <a:r>
-            <a:rPr lang="en-US" sz="1900" b="1" kern="1200" dirty="0" smtClean="0"/>
-            <a:t>Arlington, VA</a:t>
-          </a:r>
-        </a:p>
-        <a:p>
-          <a:pPr lvl="0" algn="ctr" defTabSz="844550">
-            <a:lnSpc>
-              <a:spcPct val="90000"/>
-            </a:lnSpc>
-            <a:spcBef>
-              <a:spcPct val="0"/>
-            </a:spcBef>
-            <a:spcAft>
-              <a:spcPct val="35000"/>
-            </a:spcAft>
-          </a:pPr>
-          <a:endParaRPr lang="en-US" sz="1900" b="1" kern="1200" dirty="0"/>
-        </a:p>
-      </dsp:txBody>
-      <dsp:txXfrm>
-        <a:off x="373583" y="1467651"/>
-        <a:ext cx="2272401" cy="2885336"/>
-      </dsp:txXfrm>
-    </dsp:sp>
-    <dsp:sp modelId="{87088F45-863D-4158-B60A-599EE4F1EF62}">
-      <dsp:nvSpPr>
-        <dsp:cNvPr id="0" name=""/>
-        <dsp:cNvSpPr/>
-      </dsp:nvSpPr>
-      <dsp:spPr>
-        <a:xfrm>
-          <a:off x="3244701" y="0"/>
-          <a:ext cx="3017246" cy="4656511"/>
-        </a:xfrm>
-        <a:prstGeom prst="roundRect">
-          <a:avLst>
-            <a:gd name="adj" fmla="val 10000"/>
-          </a:avLst>
-        </a:prstGeom>
-        <a:solidFill>
-          <a:schemeClr val="accent1">
-            <a:tint val="40000"/>
-            <a:hueOff val="0"/>
-            <a:satOff val="0"/>
-            <a:lumOff val="0"/>
-            <a:alphaOff val="0"/>
-          </a:schemeClr>
-        </a:solidFill>
-        <a:ln>
-          <a:noFill/>
-        </a:ln>
-        <a:effectLst/>
-      </dsp:spPr>
-      <dsp:style>
-        <a:lnRef idx="0">
-          <a:scrgbClr r="0" g="0" b="0"/>
-        </a:lnRef>
-        <a:fillRef idx="1">
-          <a:scrgbClr r="0" g="0" b="0"/>
-        </a:fillRef>
-        <a:effectRef idx="0">
-          <a:scrgbClr r="0" g="0" b="0"/>
-        </a:effectRef>
-        <a:fontRef idx="minor"/>
-      </dsp:style>
-      <dsp:txBody>
-        <a:bodyPr spcFirstLastPara="0" vert="horz" wrap="square" lIns="190500" tIns="190500" rIns="190500" bIns="190500" numCol="1" spcCol="1270" anchor="ctr" anchorCtr="0">
-          <a:noAutofit/>
-        </a:bodyPr>
-        <a:lstStyle/>
-        <a:p>
-          <a:pPr lvl="0" algn="ctr" defTabSz="2222500">
-            <a:lnSpc>
-              <a:spcPct val="90000"/>
-            </a:lnSpc>
-            <a:spcBef>
-              <a:spcPct val="0"/>
-            </a:spcBef>
-            <a:spcAft>
-              <a:spcPct val="35000"/>
-            </a:spcAft>
-          </a:pPr>
-          <a:r>
-            <a:rPr lang="en-US" sz="5000" kern="1200" dirty="0" smtClean="0"/>
-            <a:t>Midwest</a:t>
-          </a:r>
-          <a:endParaRPr lang="en-US" sz="5000" kern="1200" dirty="0"/>
-        </a:p>
-      </dsp:txBody>
-      <dsp:txXfrm>
-        <a:off x="3244701" y="0"/>
-        <a:ext cx="3017246" cy="1396953"/>
-      </dsp:txXfrm>
-    </dsp:sp>
-    <dsp:sp modelId="{8C4F88DF-20F8-4745-9426-66C191DC6822}">
-      <dsp:nvSpPr>
-        <dsp:cNvPr id="0" name=""/>
-        <dsp:cNvSpPr/>
-      </dsp:nvSpPr>
-      <dsp:spPr>
-        <a:xfrm>
-          <a:off x="3546425" y="1396953"/>
-          <a:ext cx="2413797" cy="3026732"/>
-        </a:xfrm>
-        <a:prstGeom prst="roundRect">
-          <a:avLst>
-            <a:gd name="adj" fmla="val 10000"/>
-          </a:avLst>
-        </a:prstGeom>
-        <a:solidFill>
-          <a:schemeClr val="accent1">
-            <a:hueOff val="0"/>
-            <a:satOff val="0"/>
-            <a:lumOff val="0"/>
-            <a:alphaOff val="0"/>
-          </a:schemeClr>
-        </a:solidFill>
-        <a:ln w="25400" cap="flat" cmpd="sng" algn="ctr">
-          <a:solidFill>
-            <a:schemeClr val="lt1">
-              <a:hueOff val="0"/>
-              <a:satOff val="0"/>
-              <a:lumOff val="0"/>
-              <a:alphaOff val="0"/>
-            </a:schemeClr>
-          </a:solidFill>
-          <a:miter lim="800000"/>
-        </a:ln>
-        <a:effectLst/>
-      </dsp:spPr>
-      <dsp:style>
-        <a:lnRef idx="2">
-          <a:scrgbClr r="0" g="0" b="0"/>
-        </a:lnRef>
-        <a:fillRef idx="1">
-          <a:scrgbClr r="0" g="0" b="0"/>
-        </a:fillRef>
-        <a:effectRef idx="0">
-          <a:scrgbClr r="0" g="0" b="0"/>
-        </a:effectRef>
-        <a:fontRef idx="minor">
-          <a:schemeClr val="lt1"/>
-        </a:fontRef>
-      </dsp:style>
-      <dsp:txBody>
-        <a:bodyPr spcFirstLastPara="0" vert="horz" wrap="square" lIns="48260" tIns="36195" rIns="48260" bIns="36195" numCol="1" spcCol="1270" anchor="ctr" anchorCtr="0">
-          <a:noAutofit/>
-        </a:bodyPr>
-        <a:lstStyle/>
-        <a:p>
-          <a:pPr lvl="0" algn="ctr" defTabSz="844550">
-            <a:lnSpc>
-              <a:spcPct val="90000"/>
-            </a:lnSpc>
-            <a:spcBef>
-              <a:spcPct val="0"/>
-            </a:spcBef>
-            <a:spcAft>
-              <a:spcPct val="35000"/>
-            </a:spcAft>
-          </a:pPr>
-          <a:r>
-            <a:rPr lang="en-US" sz="1900" b="1" kern="1200" dirty="0" smtClean="0"/>
-            <a:t>Cincinnati, OH</a:t>
-          </a:r>
-        </a:p>
-        <a:p>
-          <a:pPr lvl="0" algn="ctr" defTabSz="844550">
-            <a:lnSpc>
-              <a:spcPct val="90000"/>
-            </a:lnSpc>
-            <a:spcBef>
-              <a:spcPct val="0"/>
-            </a:spcBef>
-            <a:spcAft>
-              <a:spcPct val="35000"/>
-            </a:spcAft>
-          </a:pPr>
-          <a:r>
-            <a:rPr lang="en-US" sz="1900" b="1" kern="1200" dirty="0" smtClean="0"/>
-            <a:t>Detroit, MI</a:t>
-          </a:r>
-        </a:p>
-        <a:p>
-          <a:pPr lvl="0" algn="ctr" defTabSz="844550">
-            <a:lnSpc>
-              <a:spcPct val="90000"/>
-            </a:lnSpc>
-            <a:spcBef>
-              <a:spcPct val="0"/>
-            </a:spcBef>
-            <a:spcAft>
-              <a:spcPct val="35000"/>
-            </a:spcAft>
-          </a:pPr>
-          <a:r>
-            <a:rPr lang="en-US" sz="1900" b="1" kern="1200" dirty="0" smtClean="0"/>
-            <a:t>Columbus, OH</a:t>
-          </a:r>
-        </a:p>
-        <a:p>
-          <a:pPr lvl="0" algn="ctr" defTabSz="844550">
-            <a:lnSpc>
-              <a:spcPct val="90000"/>
-            </a:lnSpc>
-            <a:spcBef>
-              <a:spcPct val="0"/>
-            </a:spcBef>
-            <a:spcAft>
-              <a:spcPct val="35000"/>
-            </a:spcAft>
-          </a:pPr>
-          <a:r>
-            <a:rPr lang="en-US" sz="1900" b="1" kern="1200" dirty="0" smtClean="0"/>
-            <a:t>Milwaukee, WI</a:t>
-          </a:r>
-          <a:br>
-            <a:rPr lang="en-US" sz="1900" b="1" kern="1200" dirty="0" smtClean="0"/>
-          </a:br>
-          <a:r>
-            <a:rPr lang="en-US" sz="1900" b="1" kern="1200" dirty="0" smtClean="0"/>
-            <a:t>Chicago, IL</a:t>
-          </a:r>
-        </a:p>
-        <a:p>
-          <a:pPr lvl="0" algn="ctr" defTabSz="844550">
-            <a:lnSpc>
-              <a:spcPct val="90000"/>
-            </a:lnSpc>
-            <a:spcBef>
-              <a:spcPct val="0"/>
-            </a:spcBef>
-            <a:spcAft>
-              <a:spcPct val="35000"/>
-            </a:spcAft>
-          </a:pPr>
-          <a:r>
-            <a:rPr lang="en-US" sz="1900" b="1" kern="1200" dirty="0" smtClean="0"/>
-            <a:t>Dallas, TX</a:t>
-          </a:r>
-        </a:p>
-        <a:p>
-          <a:pPr lvl="0" algn="ctr" defTabSz="844550">
-            <a:lnSpc>
-              <a:spcPct val="90000"/>
-            </a:lnSpc>
-            <a:spcBef>
-              <a:spcPct val="0"/>
-            </a:spcBef>
-            <a:spcAft>
-              <a:spcPct val="35000"/>
-            </a:spcAft>
-          </a:pPr>
-          <a:r>
-            <a:rPr lang="en-US" sz="1900" b="1" kern="1200" dirty="0" smtClean="0"/>
-            <a:t>Houston, TX</a:t>
-          </a:r>
-        </a:p>
-        <a:p>
-          <a:pPr lvl="0" algn="ctr" defTabSz="844550">
-            <a:lnSpc>
-              <a:spcPct val="90000"/>
-            </a:lnSpc>
-            <a:spcBef>
-              <a:spcPct val="0"/>
-            </a:spcBef>
-            <a:spcAft>
-              <a:spcPct val="35000"/>
-            </a:spcAft>
-          </a:pPr>
-          <a:r>
-            <a:rPr lang="en-US" sz="1900" b="1" kern="1200" dirty="0" smtClean="0"/>
-            <a:t>Tucson, AZ</a:t>
-          </a:r>
-        </a:p>
-      </dsp:txBody>
-      <dsp:txXfrm>
-        <a:off x="3617123" y="1467651"/>
-        <a:ext cx="2272401" cy="2885336"/>
-      </dsp:txXfrm>
-    </dsp:sp>
-    <dsp:sp modelId="{01697534-9E0B-4C91-9DC0-60B2075B11C5}">
-      <dsp:nvSpPr>
-        <dsp:cNvPr id="0" name=""/>
-        <dsp:cNvSpPr/>
-      </dsp:nvSpPr>
-      <dsp:spPr>
-        <a:xfrm>
-          <a:off x="6488241" y="0"/>
-          <a:ext cx="3017246" cy="4656511"/>
-        </a:xfrm>
-        <a:prstGeom prst="roundRect">
-          <a:avLst>
-            <a:gd name="adj" fmla="val 10000"/>
-          </a:avLst>
-        </a:prstGeom>
-        <a:solidFill>
-          <a:schemeClr val="accent1">
-            <a:tint val="40000"/>
-            <a:hueOff val="0"/>
-            <a:satOff val="0"/>
-            <a:lumOff val="0"/>
-            <a:alphaOff val="0"/>
-          </a:schemeClr>
-        </a:solidFill>
-        <a:ln>
-          <a:noFill/>
-        </a:ln>
-        <a:effectLst/>
-      </dsp:spPr>
-      <dsp:style>
-        <a:lnRef idx="0">
-          <a:scrgbClr r="0" g="0" b="0"/>
-        </a:lnRef>
-        <a:fillRef idx="1">
-          <a:scrgbClr r="0" g="0" b="0"/>
-        </a:fillRef>
-        <a:effectRef idx="0">
-          <a:scrgbClr r="0" g="0" b="0"/>
-        </a:effectRef>
-        <a:fontRef idx="minor"/>
-      </dsp:style>
-      <dsp:txBody>
-        <a:bodyPr spcFirstLastPara="0" vert="horz" wrap="square" lIns="190500" tIns="190500" rIns="190500" bIns="190500" numCol="1" spcCol="1270" anchor="ctr" anchorCtr="0">
-          <a:noAutofit/>
-        </a:bodyPr>
-        <a:lstStyle/>
-        <a:p>
-          <a:pPr lvl="0" algn="ctr" defTabSz="2222500">
-            <a:lnSpc>
-              <a:spcPct val="90000"/>
-            </a:lnSpc>
-            <a:spcBef>
-              <a:spcPct val="0"/>
-            </a:spcBef>
-            <a:spcAft>
-              <a:spcPct val="35000"/>
-            </a:spcAft>
-          </a:pPr>
-          <a:r>
-            <a:rPr lang="en-US" sz="5000" kern="1200" dirty="0" smtClean="0"/>
-            <a:t>West</a:t>
-          </a:r>
-          <a:endParaRPr lang="en-US" sz="5000" kern="1200" dirty="0"/>
-        </a:p>
-      </dsp:txBody>
-      <dsp:txXfrm>
-        <a:off x="6488241" y="0"/>
-        <a:ext cx="3017246" cy="1396953"/>
-      </dsp:txXfrm>
-    </dsp:sp>
-    <dsp:sp modelId="{7A040E14-948D-4559-992F-42A395A9AB74}">
-      <dsp:nvSpPr>
-        <dsp:cNvPr id="0" name=""/>
-        <dsp:cNvSpPr/>
-      </dsp:nvSpPr>
-      <dsp:spPr>
-        <a:xfrm>
-          <a:off x="6789966" y="1396953"/>
-          <a:ext cx="2413797" cy="3026732"/>
-        </a:xfrm>
-        <a:prstGeom prst="roundRect">
-          <a:avLst>
-            <a:gd name="adj" fmla="val 10000"/>
-          </a:avLst>
-        </a:prstGeom>
-        <a:solidFill>
-          <a:schemeClr val="accent1">
-            <a:hueOff val="0"/>
-            <a:satOff val="0"/>
-            <a:lumOff val="0"/>
-            <a:alphaOff val="0"/>
-          </a:schemeClr>
-        </a:solidFill>
-        <a:ln w="25400" cap="flat" cmpd="sng" algn="ctr">
-          <a:solidFill>
-            <a:schemeClr val="lt1">
-              <a:hueOff val="0"/>
-              <a:satOff val="0"/>
-              <a:lumOff val="0"/>
-              <a:alphaOff val="0"/>
-            </a:schemeClr>
-          </a:solidFill>
-          <a:miter lim="800000"/>
-        </a:ln>
-        <a:effectLst/>
-      </dsp:spPr>
-      <dsp:style>
-        <a:lnRef idx="2">
-          <a:scrgbClr r="0" g="0" b="0"/>
-        </a:lnRef>
-        <a:fillRef idx="1">
-          <a:scrgbClr r="0" g="0" b="0"/>
-        </a:fillRef>
-        <a:effectRef idx="0">
-          <a:scrgbClr r="0" g="0" b="0"/>
-        </a:effectRef>
-        <a:fontRef idx="minor">
-          <a:schemeClr val="lt1"/>
-        </a:fontRef>
-      </dsp:style>
-      <dsp:txBody>
-        <a:bodyPr spcFirstLastPara="0" vert="horz" wrap="square" lIns="48260" tIns="36195" rIns="48260" bIns="36195" numCol="1" spcCol="1270" anchor="ctr" anchorCtr="0">
-          <a:noAutofit/>
-        </a:bodyPr>
-        <a:lstStyle/>
-        <a:p>
-          <a:pPr lvl="0" algn="ctr" defTabSz="844550">
-            <a:lnSpc>
-              <a:spcPct val="90000"/>
-            </a:lnSpc>
-            <a:spcBef>
-              <a:spcPct val="0"/>
-            </a:spcBef>
-            <a:spcAft>
-              <a:spcPct val="35000"/>
-            </a:spcAft>
-          </a:pPr>
-          <a:r>
-            <a:rPr lang="en-US" sz="1900" b="1" kern="1200" dirty="0" smtClean="0"/>
-            <a:t>Albuquerque, NM</a:t>
-          </a:r>
-        </a:p>
-        <a:p>
-          <a:pPr lvl="0" algn="ctr" defTabSz="844550">
-            <a:lnSpc>
-              <a:spcPct val="90000"/>
-            </a:lnSpc>
-            <a:spcBef>
-              <a:spcPct val="0"/>
-            </a:spcBef>
-            <a:spcAft>
-              <a:spcPct val="35000"/>
-            </a:spcAft>
-          </a:pPr>
-          <a:r>
-            <a:rPr lang="en-US" sz="1900" b="1" kern="1200" dirty="0" smtClean="0"/>
-            <a:t>Los Angeles, CA</a:t>
-          </a:r>
-        </a:p>
-        <a:p>
-          <a:pPr lvl="0" algn="ctr" defTabSz="844550">
-            <a:lnSpc>
-              <a:spcPct val="90000"/>
-            </a:lnSpc>
-            <a:spcBef>
-              <a:spcPct val="0"/>
-            </a:spcBef>
-            <a:spcAft>
-              <a:spcPct val="35000"/>
-            </a:spcAft>
-          </a:pPr>
-          <a:r>
-            <a:rPr lang="en-US" sz="1900" b="1" kern="1200" dirty="0" smtClean="0"/>
-            <a:t>San Francisco, CA</a:t>
-          </a:r>
-        </a:p>
-        <a:p>
-          <a:pPr lvl="0" algn="ctr" defTabSz="844550">
-            <a:lnSpc>
-              <a:spcPct val="90000"/>
-            </a:lnSpc>
-            <a:spcBef>
-              <a:spcPct val="0"/>
-            </a:spcBef>
-            <a:spcAft>
-              <a:spcPct val="35000"/>
-            </a:spcAft>
-          </a:pPr>
-          <a:r>
-            <a:rPr lang="en-US" sz="1900" b="1" kern="1200" dirty="0" smtClean="0"/>
-            <a:t>Denver, CO</a:t>
-          </a:r>
-        </a:p>
-        <a:p>
-          <a:pPr lvl="0" algn="ctr" defTabSz="844550">
-            <a:lnSpc>
-              <a:spcPct val="90000"/>
-            </a:lnSpc>
-            <a:spcBef>
-              <a:spcPct val="0"/>
-            </a:spcBef>
-            <a:spcAft>
-              <a:spcPct val="35000"/>
-            </a:spcAft>
-          </a:pPr>
-          <a:r>
-            <a:rPr lang="en-US" sz="1900" b="1" kern="1200" dirty="0" smtClean="0"/>
-            <a:t>Las Vegas, NV</a:t>
-          </a:r>
-          <a:endParaRPr lang="en-US" sz="1900" b="1" kern="1200" dirty="0"/>
-        </a:p>
-      </dsp:txBody>
-      <dsp:txXfrm>
-        <a:off x="6860664" y="1467651"/>
-        <a:ext cx="2272401" cy="2885336"/>
-      </dsp:txXfrm>
-    </dsp:sp>
   </dsp:spTree>
 </dsp:drawing>
 </file>
@@ -9010,795 +5578,6 @@
       <dsp:cNvGrpSpPr/>
     </dsp:nvGrpSpPr>
     <dsp:grpSpPr/>
-    <dsp:sp modelId="{7E46C12F-3E25-4D17-99C8-FB705B0F3657}">
-      <dsp:nvSpPr>
-        <dsp:cNvPr id="0" name=""/>
-        <dsp:cNvSpPr/>
-      </dsp:nvSpPr>
-      <dsp:spPr>
-        <a:xfrm>
-          <a:off x="4753324" y="1569059"/>
-          <a:ext cx="3938725" cy="341790"/>
-        </a:xfrm>
-        <a:custGeom>
-          <a:avLst/>
-          <a:gdLst/>
-          <a:ahLst/>
-          <a:cxnLst/>
-          <a:rect l="0" t="0" r="0" b="0"/>
-          <a:pathLst>
-            <a:path>
-              <a:moveTo>
-                <a:pt x="0" y="0"/>
-              </a:moveTo>
-              <a:lnTo>
-                <a:pt x="0" y="170895"/>
-              </a:lnTo>
-              <a:lnTo>
-                <a:pt x="3938725" y="170895"/>
-              </a:lnTo>
-              <a:lnTo>
-                <a:pt x="3938725" y="341790"/>
-              </a:lnTo>
-            </a:path>
-          </a:pathLst>
-        </a:custGeom>
-        <a:noFill/>
-        <a:ln w="25400" cap="flat" cmpd="sng" algn="ctr">
-          <a:solidFill>
-            <a:schemeClr val="accent1">
-              <a:shade val="60000"/>
-              <a:hueOff val="0"/>
-              <a:satOff val="0"/>
-              <a:lumOff val="0"/>
-              <a:alphaOff val="0"/>
-            </a:schemeClr>
-          </a:solidFill>
-          <a:miter lim="800000"/>
-        </a:ln>
-        <a:effectLst/>
-      </dsp:spPr>
-      <dsp:style>
-        <a:lnRef idx="2">
-          <a:scrgbClr r="0" g="0" b="0"/>
-        </a:lnRef>
-        <a:fillRef idx="0">
-          <a:scrgbClr r="0" g="0" b="0"/>
-        </a:fillRef>
-        <a:effectRef idx="0">
-          <a:scrgbClr r="0" g="0" b="0"/>
-        </a:effectRef>
-        <a:fontRef idx="minor"/>
-      </dsp:style>
-    </dsp:sp>
-    <dsp:sp modelId="{8E0B701E-731A-4119-97E9-BE8C6970B14F}">
-      <dsp:nvSpPr>
-        <dsp:cNvPr id="0" name=""/>
-        <dsp:cNvSpPr/>
-      </dsp:nvSpPr>
-      <dsp:spPr>
-        <a:xfrm>
-          <a:off x="4753324" y="1569059"/>
-          <a:ext cx="1969362" cy="341790"/>
-        </a:xfrm>
-        <a:custGeom>
-          <a:avLst/>
-          <a:gdLst/>
-          <a:ahLst/>
-          <a:cxnLst/>
-          <a:rect l="0" t="0" r="0" b="0"/>
-          <a:pathLst>
-            <a:path>
-              <a:moveTo>
-                <a:pt x="0" y="0"/>
-              </a:moveTo>
-              <a:lnTo>
-                <a:pt x="0" y="170895"/>
-              </a:lnTo>
-              <a:lnTo>
-                <a:pt x="1969362" y="170895"/>
-              </a:lnTo>
-              <a:lnTo>
-                <a:pt x="1969362" y="341790"/>
-              </a:lnTo>
-            </a:path>
-          </a:pathLst>
-        </a:custGeom>
-        <a:noFill/>
-        <a:ln w="25400" cap="flat" cmpd="sng" algn="ctr">
-          <a:solidFill>
-            <a:schemeClr val="accent1">
-              <a:shade val="60000"/>
-              <a:hueOff val="0"/>
-              <a:satOff val="0"/>
-              <a:lumOff val="0"/>
-              <a:alphaOff val="0"/>
-            </a:schemeClr>
-          </a:solidFill>
-          <a:miter lim="800000"/>
-        </a:ln>
-        <a:effectLst/>
-      </dsp:spPr>
-      <dsp:style>
-        <a:lnRef idx="2">
-          <a:scrgbClr r="0" g="0" b="0"/>
-        </a:lnRef>
-        <a:fillRef idx="0">
-          <a:scrgbClr r="0" g="0" b="0"/>
-        </a:fillRef>
-        <a:effectRef idx="0">
-          <a:scrgbClr r="0" g="0" b="0"/>
-        </a:effectRef>
-        <a:fontRef idx="minor"/>
-      </dsp:style>
-    </dsp:sp>
-    <dsp:sp modelId="{86CB14CF-3AAB-49BF-A348-8C10128F63F4}">
-      <dsp:nvSpPr>
-        <dsp:cNvPr id="0" name=""/>
-        <dsp:cNvSpPr/>
-      </dsp:nvSpPr>
-      <dsp:spPr>
-        <a:xfrm>
-          <a:off x="4707604" y="1569059"/>
-          <a:ext cx="91440" cy="341790"/>
-        </a:xfrm>
-        <a:custGeom>
-          <a:avLst/>
-          <a:gdLst/>
-          <a:ahLst/>
-          <a:cxnLst/>
-          <a:rect l="0" t="0" r="0" b="0"/>
-          <a:pathLst>
-            <a:path>
-              <a:moveTo>
-                <a:pt x="45720" y="0"/>
-              </a:moveTo>
-              <a:lnTo>
-                <a:pt x="45720" y="341790"/>
-              </a:lnTo>
-            </a:path>
-          </a:pathLst>
-        </a:custGeom>
-        <a:noFill/>
-        <a:ln w="25400" cap="flat" cmpd="sng" algn="ctr">
-          <a:solidFill>
-            <a:schemeClr val="accent1">
-              <a:shade val="60000"/>
-              <a:hueOff val="0"/>
-              <a:satOff val="0"/>
-              <a:lumOff val="0"/>
-              <a:alphaOff val="0"/>
-            </a:schemeClr>
-          </a:solidFill>
-          <a:miter lim="800000"/>
-        </a:ln>
-        <a:effectLst/>
-      </dsp:spPr>
-      <dsp:style>
-        <a:lnRef idx="2">
-          <a:scrgbClr r="0" g="0" b="0"/>
-        </a:lnRef>
-        <a:fillRef idx="0">
-          <a:scrgbClr r="0" g="0" b="0"/>
-        </a:fillRef>
-        <a:effectRef idx="0">
-          <a:scrgbClr r="0" g="0" b="0"/>
-        </a:effectRef>
-        <a:fontRef idx="minor"/>
-      </dsp:style>
-    </dsp:sp>
-    <dsp:sp modelId="{49F27310-186D-41EB-B0D9-B311379F2447}">
-      <dsp:nvSpPr>
-        <dsp:cNvPr id="0" name=""/>
-        <dsp:cNvSpPr/>
-      </dsp:nvSpPr>
-      <dsp:spPr>
-        <a:xfrm>
-          <a:off x="2783961" y="1569059"/>
-          <a:ext cx="1969362" cy="341790"/>
-        </a:xfrm>
-        <a:custGeom>
-          <a:avLst/>
-          <a:gdLst/>
-          <a:ahLst/>
-          <a:cxnLst/>
-          <a:rect l="0" t="0" r="0" b="0"/>
-          <a:pathLst>
-            <a:path>
-              <a:moveTo>
-                <a:pt x="1969362" y="0"/>
-              </a:moveTo>
-              <a:lnTo>
-                <a:pt x="1969362" y="170895"/>
-              </a:lnTo>
-              <a:lnTo>
-                <a:pt x="0" y="170895"/>
-              </a:lnTo>
-              <a:lnTo>
-                <a:pt x="0" y="341790"/>
-              </a:lnTo>
-            </a:path>
-          </a:pathLst>
-        </a:custGeom>
-        <a:noFill/>
-        <a:ln w="25400" cap="flat" cmpd="sng" algn="ctr">
-          <a:solidFill>
-            <a:schemeClr val="accent1">
-              <a:shade val="60000"/>
-              <a:hueOff val="0"/>
-              <a:satOff val="0"/>
-              <a:lumOff val="0"/>
-              <a:alphaOff val="0"/>
-            </a:schemeClr>
-          </a:solidFill>
-          <a:miter lim="800000"/>
-        </a:ln>
-        <a:effectLst/>
-      </dsp:spPr>
-      <dsp:style>
-        <a:lnRef idx="2">
-          <a:scrgbClr r="0" g="0" b="0"/>
-        </a:lnRef>
-        <a:fillRef idx="0">
-          <a:scrgbClr r="0" g="0" b="0"/>
-        </a:fillRef>
-        <a:effectRef idx="0">
-          <a:scrgbClr r="0" g="0" b="0"/>
-        </a:effectRef>
-        <a:fontRef idx="minor"/>
-      </dsp:style>
-    </dsp:sp>
-    <dsp:sp modelId="{ED86A04F-8E18-4C09-847D-FF6943170D74}">
-      <dsp:nvSpPr>
-        <dsp:cNvPr id="0" name=""/>
-        <dsp:cNvSpPr/>
-      </dsp:nvSpPr>
-      <dsp:spPr>
-        <a:xfrm>
-          <a:off x="814598" y="1569059"/>
-          <a:ext cx="3938725" cy="341790"/>
-        </a:xfrm>
-        <a:custGeom>
-          <a:avLst/>
-          <a:gdLst/>
-          <a:ahLst/>
-          <a:cxnLst/>
-          <a:rect l="0" t="0" r="0" b="0"/>
-          <a:pathLst>
-            <a:path>
-              <a:moveTo>
-                <a:pt x="3938725" y="0"/>
-              </a:moveTo>
-              <a:lnTo>
-                <a:pt x="3938725" y="170895"/>
-              </a:lnTo>
-              <a:lnTo>
-                <a:pt x="0" y="170895"/>
-              </a:lnTo>
-              <a:lnTo>
-                <a:pt x="0" y="341790"/>
-              </a:lnTo>
-            </a:path>
-          </a:pathLst>
-        </a:custGeom>
-        <a:noFill/>
-        <a:ln w="25400" cap="flat" cmpd="sng" algn="ctr">
-          <a:solidFill>
-            <a:schemeClr val="accent1">
-              <a:shade val="60000"/>
-              <a:hueOff val="0"/>
-              <a:satOff val="0"/>
-              <a:lumOff val="0"/>
-              <a:alphaOff val="0"/>
-            </a:schemeClr>
-          </a:solidFill>
-          <a:miter lim="800000"/>
-        </a:ln>
-        <a:effectLst/>
-      </dsp:spPr>
-      <dsp:style>
-        <a:lnRef idx="2">
-          <a:scrgbClr r="0" g="0" b="0"/>
-        </a:lnRef>
-        <a:fillRef idx="0">
-          <a:scrgbClr r="0" g="0" b="0"/>
-        </a:fillRef>
-        <a:effectRef idx="0">
-          <a:scrgbClr r="0" g="0" b="0"/>
-        </a:effectRef>
-        <a:fontRef idx="minor"/>
-      </dsp:style>
-    </dsp:sp>
-    <dsp:sp modelId="{B4F9536A-212F-4EE6-8E36-1F7330E5587D}">
-      <dsp:nvSpPr>
-        <dsp:cNvPr id="0" name=""/>
-        <dsp:cNvSpPr/>
-      </dsp:nvSpPr>
-      <dsp:spPr>
-        <a:xfrm>
-          <a:off x="3939538" y="755273"/>
-          <a:ext cx="1627572" cy="813786"/>
-        </a:xfrm>
-        <a:prstGeom prst="rect">
-          <a:avLst/>
-        </a:prstGeom>
-        <a:solidFill>
-          <a:schemeClr val="accent1">
-            <a:hueOff val="0"/>
-            <a:satOff val="0"/>
-            <a:lumOff val="0"/>
-            <a:alphaOff val="0"/>
-          </a:schemeClr>
-        </a:solidFill>
-        <a:ln w="25400" cap="flat" cmpd="sng" algn="ctr">
-          <a:solidFill>
-            <a:schemeClr val="lt1">
-              <a:hueOff val="0"/>
-              <a:satOff val="0"/>
-              <a:lumOff val="0"/>
-              <a:alphaOff val="0"/>
-            </a:schemeClr>
-          </a:solidFill>
-          <a:miter lim="800000"/>
-        </a:ln>
-        <a:effectLst/>
-      </dsp:spPr>
-      <dsp:style>
-        <a:lnRef idx="2">
-          <a:scrgbClr r="0" g="0" b="0"/>
-        </a:lnRef>
-        <a:fillRef idx="1">
-          <a:scrgbClr r="0" g="0" b="0"/>
-        </a:fillRef>
-        <a:effectRef idx="0">
-          <a:scrgbClr r="0" g="0" b="0"/>
-        </a:effectRef>
-        <a:fontRef idx="minor">
-          <a:schemeClr val="lt1"/>
-        </a:fontRef>
-      </dsp:style>
-      <dsp:txBody>
-        <a:bodyPr spcFirstLastPara="0" vert="horz" wrap="square" lIns="11430" tIns="11430" rIns="11430" bIns="11430" numCol="1" spcCol="1270" anchor="ctr" anchorCtr="0">
-          <a:noAutofit/>
-        </a:bodyPr>
-        <a:lstStyle/>
-        <a:p>
-          <a:pPr lvl="0" algn="ctr" defTabSz="800100">
-            <a:lnSpc>
-              <a:spcPct val="90000"/>
-            </a:lnSpc>
-            <a:spcBef>
-              <a:spcPct val="0"/>
-            </a:spcBef>
-            <a:spcAft>
-              <a:spcPct val="35000"/>
-            </a:spcAft>
-          </a:pPr>
-          <a:r>
-            <a:rPr lang="en-US" sz="1800" kern="1200" dirty="0" err="1" smtClean="0"/>
-            <a:t>Roney</a:t>
-          </a:r>
-          <a:r>
-            <a:rPr lang="en-US" sz="1800" kern="1200" dirty="0" smtClean="0"/>
-            <a:t> </a:t>
-          </a:r>
-          <a:r>
-            <a:rPr lang="en-US" sz="1800" kern="1200" dirty="0" err="1" smtClean="0"/>
-            <a:t>Whonshevins</a:t>
-          </a:r>
-          <a:r>
-            <a:rPr lang="en-US" sz="1800" kern="1200" dirty="0" smtClean="0"/>
-            <a:t> Project Lead</a:t>
-          </a:r>
-          <a:endParaRPr lang="en-US" sz="1800" kern="1200" dirty="0"/>
-        </a:p>
-      </dsp:txBody>
-      <dsp:txXfrm>
-        <a:off x="3939538" y="755273"/>
-        <a:ext cx="1627572" cy="813786"/>
-      </dsp:txXfrm>
-    </dsp:sp>
-    <dsp:sp modelId="{7174A553-29A2-4360-80CF-40A80BE1E5E1}">
-      <dsp:nvSpPr>
-        <dsp:cNvPr id="0" name=""/>
-        <dsp:cNvSpPr/>
-      </dsp:nvSpPr>
-      <dsp:spPr>
-        <a:xfrm>
-          <a:off x="812" y="1910850"/>
-          <a:ext cx="1627572" cy="813786"/>
-        </a:xfrm>
-        <a:prstGeom prst="rect">
-          <a:avLst/>
-        </a:prstGeom>
-        <a:solidFill>
-          <a:schemeClr val="accent1">
-            <a:hueOff val="0"/>
-            <a:satOff val="0"/>
-            <a:lumOff val="0"/>
-            <a:alphaOff val="0"/>
-          </a:schemeClr>
-        </a:solidFill>
-        <a:ln w="25400" cap="flat" cmpd="sng" algn="ctr">
-          <a:solidFill>
-            <a:schemeClr val="lt1">
-              <a:hueOff val="0"/>
-              <a:satOff val="0"/>
-              <a:lumOff val="0"/>
-              <a:alphaOff val="0"/>
-            </a:schemeClr>
-          </a:solidFill>
-          <a:miter lim="800000"/>
-        </a:ln>
-        <a:effectLst/>
-      </dsp:spPr>
-      <dsp:style>
-        <a:lnRef idx="2">
-          <a:scrgbClr r="0" g="0" b="0"/>
-        </a:lnRef>
-        <a:fillRef idx="1">
-          <a:scrgbClr r="0" g="0" b="0"/>
-        </a:fillRef>
-        <a:effectRef idx="0">
-          <a:scrgbClr r="0" g="0" b="0"/>
-        </a:effectRef>
-        <a:fontRef idx="minor">
-          <a:schemeClr val="lt1"/>
-        </a:fontRef>
-      </dsp:style>
-      <dsp:txBody>
-        <a:bodyPr spcFirstLastPara="0" vert="horz" wrap="square" lIns="11430" tIns="11430" rIns="11430" bIns="11430" numCol="1" spcCol="1270" anchor="ctr" anchorCtr="0">
-          <a:noAutofit/>
-        </a:bodyPr>
-        <a:lstStyle/>
-        <a:p>
-          <a:pPr lvl="0" algn="ctr" defTabSz="800100">
-            <a:lnSpc>
-              <a:spcPct val="90000"/>
-            </a:lnSpc>
-            <a:spcBef>
-              <a:spcPct val="0"/>
-            </a:spcBef>
-            <a:spcAft>
-              <a:spcPct val="35000"/>
-            </a:spcAft>
-          </a:pPr>
-          <a:r>
-            <a:rPr lang="en-US" sz="1800" kern="1200" dirty="0" smtClean="0"/>
-            <a:t>Jacob Wagner Software Developer</a:t>
-          </a:r>
-          <a:endParaRPr lang="en-US" sz="1800" kern="1200" dirty="0"/>
-        </a:p>
-      </dsp:txBody>
-      <dsp:txXfrm>
-        <a:off x="812" y="1910850"/>
-        <a:ext cx="1627572" cy="813786"/>
-      </dsp:txXfrm>
-    </dsp:sp>
-    <dsp:sp modelId="{08335018-97AA-460E-A117-81DBA3DD3BA6}">
-      <dsp:nvSpPr>
-        <dsp:cNvPr id="0" name=""/>
-        <dsp:cNvSpPr/>
-      </dsp:nvSpPr>
-      <dsp:spPr>
-        <a:xfrm>
-          <a:off x="1970175" y="1910850"/>
-          <a:ext cx="1627572" cy="813786"/>
-        </a:xfrm>
-        <a:prstGeom prst="rect">
-          <a:avLst/>
-        </a:prstGeom>
-        <a:solidFill>
-          <a:schemeClr val="accent1">
-            <a:hueOff val="0"/>
-            <a:satOff val="0"/>
-            <a:lumOff val="0"/>
-            <a:alphaOff val="0"/>
-          </a:schemeClr>
-        </a:solidFill>
-        <a:ln w="25400" cap="flat" cmpd="sng" algn="ctr">
-          <a:solidFill>
-            <a:schemeClr val="lt1">
-              <a:hueOff val="0"/>
-              <a:satOff val="0"/>
-              <a:lumOff val="0"/>
-              <a:alphaOff val="0"/>
-            </a:schemeClr>
-          </a:solidFill>
-          <a:miter lim="800000"/>
-        </a:ln>
-        <a:effectLst/>
-      </dsp:spPr>
-      <dsp:style>
-        <a:lnRef idx="2">
-          <a:scrgbClr r="0" g="0" b="0"/>
-        </a:lnRef>
-        <a:fillRef idx="1">
-          <a:scrgbClr r="0" g="0" b="0"/>
-        </a:fillRef>
-        <a:effectRef idx="0">
-          <a:scrgbClr r="0" g="0" b="0"/>
-        </a:effectRef>
-        <a:fontRef idx="minor">
-          <a:schemeClr val="lt1"/>
-        </a:fontRef>
-      </dsp:style>
-      <dsp:txBody>
-        <a:bodyPr spcFirstLastPara="0" vert="horz" wrap="square" lIns="11430" tIns="11430" rIns="11430" bIns="11430" numCol="1" spcCol="1270" anchor="ctr" anchorCtr="0">
-          <a:noAutofit/>
-        </a:bodyPr>
-        <a:lstStyle/>
-        <a:p>
-          <a:pPr lvl="0" algn="ctr" defTabSz="800100">
-            <a:lnSpc>
-              <a:spcPct val="90000"/>
-            </a:lnSpc>
-            <a:spcBef>
-              <a:spcPct val="0"/>
-            </a:spcBef>
-            <a:spcAft>
-              <a:spcPct val="35000"/>
-            </a:spcAft>
-          </a:pPr>
-          <a:r>
-            <a:rPr lang="en-US" sz="1800" kern="1200" dirty="0" smtClean="0"/>
-            <a:t>Adan </a:t>
-          </a:r>
-          <a:r>
-            <a:rPr lang="en-US" sz="1800" kern="1200" dirty="0" err="1" smtClean="0"/>
-            <a:t>Maxamed</a:t>
-          </a:r>
-          <a:r>
-            <a:rPr lang="en-US" sz="1800" kern="1200" dirty="0" smtClean="0"/>
-            <a:t> Software Developer</a:t>
-          </a:r>
-          <a:endParaRPr lang="en-US" sz="1800" kern="1200" dirty="0"/>
-        </a:p>
-      </dsp:txBody>
-      <dsp:txXfrm>
-        <a:off x="1970175" y="1910850"/>
-        <a:ext cx="1627572" cy="813786"/>
-      </dsp:txXfrm>
-    </dsp:sp>
-    <dsp:sp modelId="{57DA3771-BFCF-450F-AC08-0C13953670E4}">
-      <dsp:nvSpPr>
-        <dsp:cNvPr id="0" name=""/>
-        <dsp:cNvSpPr/>
-      </dsp:nvSpPr>
-      <dsp:spPr>
-        <a:xfrm>
-          <a:off x="3939538" y="1910850"/>
-          <a:ext cx="1627572" cy="813786"/>
-        </a:xfrm>
-        <a:prstGeom prst="rect">
-          <a:avLst/>
-        </a:prstGeom>
-        <a:solidFill>
-          <a:schemeClr val="accent1">
-            <a:hueOff val="0"/>
-            <a:satOff val="0"/>
-            <a:lumOff val="0"/>
-            <a:alphaOff val="0"/>
-          </a:schemeClr>
-        </a:solidFill>
-        <a:ln w="25400" cap="flat" cmpd="sng" algn="ctr">
-          <a:solidFill>
-            <a:schemeClr val="lt1">
-              <a:hueOff val="0"/>
-              <a:satOff val="0"/>
-              <a:lumOff val="0"/>
-              <a:alphaOff val="0"/>
-            </a:schemeClr>
-          </a:solidFill>
-          <a:miter lim="800000"/>
-        </a:ln>
-        <a:effectLst/>
-      </dsp:spPr>
-      <dsp:style>
-        <a:lnRef idx="2">
-          <a:scrgbClr r="0" g="0" b="0"/>
-        </a:lnRef>
-        <a:fillRef idx="1">
-          <a:scrgbClr r="0" g="0" b="0"/>
-        </a:fillRef>
-        <a:effectRef idx="0">
-          <a:scrgbClr r="0" g="0" b="0"/>
-        </a:effectRef>
-        <a:fontRef idx="minor">
-          <a:schemeClr val="lt1"/>
-        </a:fontRef>
-      </dsp:style>
-      <dsp:txBody>
-        <a:bodyPr spcFirstLastPara="0" vert="horz" wrap="square" lIns="11430" tIns="11430" rIns="11430" bIns="11430" numCol="1" spcCol="1270" anchor="ctr" anchorCtr="0">
-          <a:noAutofit/>
-        </a:bodyPr>
-        <a:lstStyle/>
-        <a:p>
-          <a:pPr lvl="0" algn="ctr" defTabSz="800100">
-            <a:lnSpc>
-              <a:spcPct val="90000"/>
-            </a:lnSpc>
-            <a:spcBef>
-              <a:spcPct val="0"/>
-            </a:spcBef>
-            <a:spcAft>
-              <a:spcPct val="35000"/>
-            </a:spcAft>
-          </a:pPr>
-          <a:r>
-            <a:rPr lang="en-US" sz="1800" kern="1200" dirty="0" smtClean="0"/>
-            <a:t>James Leahy Web Developer</a:t>
-          </a:r>
-          <a:endParaRPr lang="en-US" sz="1800" kern="1200" dirty="0"/>
-        </a:p>
-      </dsp:txBody>
-      <dsp:txXfrm>
-        <a:off x="3939538" y="1910850"/>
-        <a:ext cx="1627572" cy="813786"/>
-      </dsp:txXfrm>
-    </dsp:sp>
-    <dsp:sp modelId="{95F76DE9-F993-4C08-8EB9-2BBE7C2B73FA}">
-      <dsp:nvSpPr>
-        <dsp:cNvPr id="0" name=""/>
-        <dsp:cNvSpPr/>
-      </dsp:nvSpPr>
-      <dsp:spPr>
-        <a:xfrm>
-          <a:off x="5908901" y="1910850"/>
-          <a:ext cx="1627572" cy="813786"/>
-        </a:xfrm>
-        <a:prstGeom prst="rect">
-          <a:avLst/>
-        </a:prstGeom>
-        <a:solidFill>
-          <a:schemeClr val="accent1">
-            <a:hueOff val="0"/>
-            <a:satOff val="0"/>
-            <a:lumOff val="0"/>
-            <a:alphaOff val="0"/>
-          </a:schemeClr>
-        </a:solidFill>
-        <a:ln w="25400" cap="flat" cmpd="sng" algn="ctr">
-          <a:solidFill>
-            <a:schemeClr val="lt1">
-              <a:hueOff val="0"/>
-              <a:satOff val="0"/>
-              <a:lumOff val="0"/>
-              <a:alphaOff val="0"/>
-            </a:schemeClr>
-          </a:solidFill>
-          <a:miter lim="800000"/>
-        </a:ln>
-        <a:effectLst/>
-      </dsp:spPr>
-      <dsp:style>
-        <a:lnRef idx="2">
-          <a:scrgbClr r="0" g="0" b="0"/>
-        </a:lnRef>
-        <a:fillRef idx="1">
-          <a:scrgbClr r="0" g="0" b="0"/>
-        </a:fillRef>
-        <a:effectRef idx="0">
-          <a:scrgbClr r="0" g="0" b="0"/>
-        </a:effectRef>
-        <a:fontRef idx="minor">
-          <a:schemeClr val="lt1"/>
-        </a:fontRef>
-      </dsp:style>
-      <dsp:txBody>
-        <a:bodyPr spcFirstLastPara="0" vert="horz" wrap="square" lIns="11430" tIns="11430" rIns="11430" bIns="11430" numCol="1" spcCol="1270" anchor="ctr" anchorCtr="0">
-          <a:noAutofit/>
-        </a:bodyPr>
-        <a:lstStyle/>
-        <a:p>
-          <a:pPr lvl="0" algn="ctr" defTabSz="800100">
-            <a:lnSpc>
-              <a:spcPct val="90000"/>
-            </a:lnSpc>
-            <a:spcBef>
-              <a:spcPct val="0"/>
-            </a:spcBef>
-            <a:spcAft>
-              <a:spcPct val="35000"/>
-            </a:spcAft>
-          </a:pPr>
-          <a:r>
-            <a:rPr lang="en-US" sz="1800" kern="1200" dirty="0" smtClean="0"/>
-            <a:t>Guy </a:t>
-          </a:r>
-          <a:r>
-            <a:rPr lang="en-US" sz="1800" kern="1200" dirty="0" err="1" smtClean="0"/>
-            <a:t>Banaga</a:t>
-          </a:r>
-          <a:r>
-            <a:rPr lang="en-US" sz="1800" kern="1200" dirty="0" smtClean="0"/>
-            <a:t> Network Engineer</a:t>
-          </a:r>
-          <a:endParaRPr lang="en-US" sz="1800" kern="1200" dirty="0"/>
-        </a:p>
-      </dsp:txBody>
-      <dsp:txXfrm>
-        <a:off x="5908901" y="1910850"/>
-        <a:ext cx="1627572" cy="813786"/>
-      </dsp:txXfrm>
-    </dsp:sp>
-    <dsp:sp modelId="{931BDEED-7C24-44A9-8AA6-DFC70DC799DC}">
-      <dsp:nvSpPr>
-        <dsp:cNvPr id="0" name=""/>
-        <dsp:cNvSpPr/>
-      </dsp:nvSpPr>
-      <dsp:spPr>
-        <a:xfrm>
-          <a:off x="7878264" y="1910850"/>
-          <a:ext cx="1627572" cy="813786"/>
-        </a:xfrm>
-        <a:prstGeom prst="rect">
-          <a:avLst/>
-        </a:prstGeom>
-        <a:solidFill>
-          <a:schemeClr val="accent1">
-            <a:hueOff val="0"/>
-            <a:satOff val="0"/>
-            <a:lumOff val="0"/>
-            <a:alphaOff val="0"/>
-          </a:schemeClr>
-        </a:solidFill>
-        <a:ln w="25400" cap="flat" cmpd="sng" algn="ctr">
-          <a:solidFill>
-            <a:schemeClr val="lt1">
-              <a:hueOff val="0"/>
-              <a:satOff val="0"/>
-              <a:lumOff val="0"/>
-              <a:alphaOff val="0"/>
-            </a:schemeClr>
-          </a:solidFill>
-          <a:miter lim="800000"/>
-        </a:ln>
-        <a:effectLst/>
-      </dsp:spPr>
-      <dsp:style>
-        <a:lnRef idx="2">
-          <a:scrgbClr r="0" g="0" b="0"/>
-        </a:lnRef>
-        <a:fillRef idx="1">
-          <a:scrgbClr r="0" g="0" b="0"/>
-        </a:fillRef>
-        <a:effectRef idx="0">
-          <a:scrgbClr r="0" g="0" b="0"/>
-        </a:effectRef>
-        <a:fontRef idx="minor">
-          <a:schemeClr val="lt1"/>
-        </a:fontRef>
-      </dsp:style>
-      <dsp:txBody>
-        <a:bodyPr spcFirstLastPara="0" vert="horz" wrap="square" lIns="11430" tIns="11430" rIns="11430" bIns="11430" numCol="1" spcCol="1270" anchor="ctr" anchorCtr="0">
-          <a:noAutofit/>
-        </a:bodyPr>
-        <a:lstStyle/>
-        <a:p>
-          <a:pPr lvl="0" algn="ctr" defTabSz="800100">
-            <a:lnSpc>
-              <a:spcPct val="90000"/>
-            </a:lnSpc>
-            <a:spcBef>
-              <a:spcPct val="0"/>
-            </a:spcBef>
-            <a:spcAft>
-              <a:spcPct val="35000"/>
-            </a:spcAft>
-          </a:pPr>
-          <a:r>
-            <a:rPr lang="en-US" sz="1800" kern="1200" dirty="0" smtClean="0"/>
-            <a:t>Andrew Butts Network Engineer</a:t>
-          </a:r>
-          <a:endParaRPr lang="en-US" sz="1800" kern="1200" dirty="0"/>
-        </a:p>
-      </dsp:txBody>
-      <dsp:txXfrm>
-        <a:off x="7878264" y="1910850"/>
-        <a:ext cx="1627572" cy="813786"/>
-      </dsp:txXfrm>
-    </dsp:sp>
   </dsp:spTree>
 </dsp:drawing>
 </file>
@@ -19954,6 +15733,36 @@
           </a:p>
         </p:txBody>
       </p:sp>
+      <p:pic>
+        <p:nvPicPr>
+          <p:cNvPr id="4" name="Picture 3"/>
+          <p:cNvPicPr>
+            <a:picLocks noChangeAspect="1"/>
+          </p:cNvPicPr>
+          <p:nvPr/>
+        </p:nvPicPr>
+        <p:blipFill>
+          <a:blip r:embed="rId2" cstate="print">
+            <a:extLst>
+              <a:ext uri="{28A0092B-C50C-407E-A947-70E740481C1C}">
+                <a14:useLocalDpi xmlns:a14="http://schemas.microsoft.com/office/drawing/2010/main" val="0"/>
+              </a:ext>
+            </a:extLst>
+          </a:blip>
+          <a:stretch>
+            <a:fillRect/>
+          </a:stretch>
+        </p:blipFill>
+        <p:spPr>
+          <a:xfrm>
+            <a:off x="5103812" y="3733800"/>
+            <a:ext cx="1905000" cy="1905000"/>
+          </a:xfrm>
+          <a:prstGeom prst="rect">
+            <a:avLst/>
+          </a:prstGeom>
+        </p:spPr>
+      </p:pic>
     </p:spTree>
     <p:extLst>
       <p:ext uri="{BB962C8B-B14F-4D97-AF65-F5344CB8AC3E}">
@@ -20936,20 +16745,12 @@
               <a:rPr lang="en-US" sz="4400" b="1" dirty="0" smtClean="0"/>
               <a:t>Project Team Roles </a:t>
             </a:r>
-            <a:r>
-              <a:rPr lang="en-US" sz="4400" b="1" dirty="0" smtClean="0"/>
-              <a:t/>
-            </a:r>
             <a:br>
               <a:rPr lang="en-US" sz="4400" b="1" dirty="0" smtClean="0"/>
             </a:br>
             <a:r>
               <a:rPr lang="en-US" sz="4400" b="1" dirty="0" smtClean="0"/>
-              <a:t>and </a:t>
-            </a:r>
-            <a:r>
-              <a:rPr lang="en-US" sz="4400" b="1" dirty="0" smtClean="0"/>
-              <a:t>Responsibilities</a:t>
+              <a:t>and Responsibilities</a:t>
             </a:r>
             <a:endParaRPr lang="en-US" sz="4400" b="1" dirty="0"/>
           </a:p>
@@ -35209,15 +31010,6 @@
 </file>
 
 <file path=customXml/item1.xml><?xml version="1.0" encoding="utf-8"?>
-<?mso-contentType ?>
-<FormTemplates xmlns="http://schemas.microsoft.com/sharepoint/v3/contenttype/forms">
-  <Display>DocumentLibraryForm</Display>
-  <Edit>AssetEditForm</Edit>
-  <New>DocumentLibraryForm</New>
-</FormTemplates>
-</file>
-
-<file path=customXml/item2.xml><?xml version="1.0" encoding="utf-8"?>
 <ct:contentTypeSchema xmlns:ct="http://schemas.microsoft.com/office/2006/metadata/contentType" xmlns:ma="http://schemas.microsoft.com/office/2006/metadata/properties/metaAttributes" ct:_="" ma:_="" ma:contentTypeName="TemplateFile" ma:contentTypeID="0x0101006EDDDB5EE6D98C44930B742096920B300400F5B6D36B3EF94B4E9A635CDF2A18F5B8" ma:contentTypeVersion="72" ma:contentTypeDescription="Create a new document." ma:contentTypeScope="" ma:versionID="a23e56308344d904b51738559c3d67c9">
   <xsd:schema xmlns:xsd="http://www.w3.org/2001/XMLSchema" xmlns:xs="http://www.w3.org/2001/XMLSchema" xmlns:p="http://schemas.microsoft.com/office/2006/metadata/properties" xmlns:ns2="4873beb7-5857-4685-be1f-d57550cc96cc" targetNamespace="http://schemas.microsoft.com/office/2006/metadata/properties" ma:root="true" ma:fieldsID="cd0908cc4600e77bf5da051303e00c8d" ns2:_="">
     <xsd:import namespace="4873beb7-5857-4685-be1f-d57550cc96cc"/>
@@ -36257,6 +32049,15 @@
 </ct:contentTypeSchema>
 </file>
 
+<file path=customXml/item2.xml><?xml version="1.0" encoding="utf-8"?>
+<?mso-contentType ?>
+<FormTemplates xmlns="http://schemas.microsoft.com/sharepoint/v3/contenttype/forms">
+  <Display>DocumentLibraryForm</Display>
+  <Edit>AssetEditForm</Edit>
+  <New>DocumentLibraryForm</New>
+</FormTemplates>
+</file>
+
 <file path=customXml/item3.xml><?xml version="1.0" encoding="utf-8"?>
 <p:properties xmlns:p="http://schemas.microsoft.com/office/2006/metadata/properties" xmlns:xsi="http://www.w3.org/2001/XMLSchema-instance" xmlns:pc="http://schemas.microsoft.com/office/infopath/2007/PartnerControls">
   <documentManagement>
@@ -36394,14 +32195,6 @@
 </file>
 
 <file path=customXml/itemProps1.xml><?xml version="1.0" encoding="utf-8"?>
-<ds:datastoreItem xmlns:ds="http://schemas.openxmlformats.org/officeDocument/2006/customXml" ds:itemID="{3836F65B-1B07-41EE-A0E8-BC6EF3855225}">
-  <ds:schemaRefs>
-    <ds:schemaRef ds:uri="http://schemas.microsoft.com/sharepoint/v3/contenttype/forms"/>
-  </ds:schemaRefs>
-</ds:datastoreItem>
-</file>
-
-<file path=customXml/itemProps2.xml><?xml version="1.0" encoding="utf-8"?>
 <ds:datastoreItem xmlns:ds="http://schemas.openxmlformats.org/officeDocument/2006/customXml" ds:itemID="{A09BF4D4-EF60-4196-BFC3-9462D607978C}">
   <ds:schemaRefs>
     <ds:schemaRef ds:uri="http://schemas.microsoft.com/office/2006/metadata/contentType"/>
@@ -36415,6 +32208,14 @@
     <ds:schemaRef ds:uri="http://purl.org/dc/elements/1.1/"/>
     <ds:schemaRef ds:uri="http://purl.org/dc/terms/"/>
     <ds:schemaRef ds:uri="http://schemas.microsoft.com/internal/obd"/>
+  </ds:schemaRefs>
+</ds:datastoreItem>
+</file>
+
+<file path=customXml/itemProps2.xml><?xml version="1.0" encoding="utf-8"?>
+<ds:datastoreItem xmlns:ds="http://schemas.openxmlformats.org/officeDocument/2006/customXml" ds:itemID="{3836F65B-1B07-41EE-A0E8-BC6EF3855225}">
+  <ds:schemaRefs>
+    <ds:schemaRef ds:uri="http://schemas.microsoft.com/sharepoint/v3/contenttype/forms"/>
   </ds:schemaRefs>
 </ds:datastoreItem>
 </file>
